--- a/Presentation.pptx
+++ b/Presentation.pptx
@@ -5,11 +5,13 @@
     <p:sldMasterId id="2147483648" r:id="rId4"/>
   </p:sldMasterIdLst>
   <p:notesMasterIdLst>
-    <p:notesMasterId r:id="rId7"/>
+    <p:notesMasterId r:id="rId9"/>
   </p:notesMasterIdLst>
   <p:sldIdLst>
     <p:sldId id="256" r:id="rId5"/>
     <p:sldId id="258" r:id="rId6"/>
+    <p:sldId id="259" r:id="rId7"/>
+    <p:sldId id="260" r:id="rId8"/>
   </p:sldIdLst>
   <p:sldSz cx="9144000" cy="5143500" type="screen16x9"/>
   <p:notesSz cx="6858000" cy="9144000"/>
@@ -512,6 +514,399 @@
     </a:lvl9pPr>
   </p:notesStyle>
 </p:notesMaster>
+</file>
+
+<file path=ppt/notesSlides/notesSlide1.xml><?xml version="1.0" encoding="utf-8"?>
+<p:notes xmlns:a="http://schemas.openxmlformats.org/drawingml/2006/main" xmlns:r="http://schemas.openxmlformats.org/officeDocument/2006/relationships" xmlns:p="http://schemas.openxmlformats.org/presentationml/2006/main">
+  <p:cSld>
+    <p:spTree>
+      <p:nvGrpSpPr>
+        <p:cNvPr id="1" name=""/>
+        <p:cNvGrpSpPr/>
+        <p:nvPr/>
+      </p:nvGrpSpPr>
+      <p:grpSpPr>
+        <a:xfrm>
+          <a:off x="0" y="0"/>
+          <a:ext cx="0" cy="0"/>
+          <a:chOff x="0" y="0"/>
+          <a:chExt cx="0" cy="0"/>
+        </a:xfrm>
+      </p:grpSpPr>
+      <p:sp>
+        <p:nvSpPr>
+          <p:cNvPr id="2" name="Slide Image Placeholder 1"/>
+          <p:cNvSpPr>
+            <a:spLocks noGrp="1" noRot="1" noChangeAspect="1"/>
+          </p:cNvSpPr>
+          <p:nvPr>
+            <p:ph type="sldImg"/>
+          </p:nvPr>
+        </p:nvSpPr>
+        <p:spPr/>
+      </p:sp>
+      <p:sp>
+        <p:nvSpPr>
+          <p:cNvPr id="3" name="Notes Placeholder 2"/>
+          <p:cNvSpPr>
+            <a:spLocks noGrp="1"/>
+          </p:cNvSpPr>
+          <p:nvPr>
+            <p:ph type="body" idx="1"/>
+          </p:nvPr>
+        </p:nvSpPr>
+        <p:spPr/>
+        <p:txBody>
+          <a:bodyPr/>
+          <a:lstStyle/>
+          <a:p>
+            <a:r>
+              <a:rPr lang="en-US" dirty="0"/>
+              <a:t>Today, I’d like to introduce you to the </a:t>
+            </a:r>
+            <a:r>
+              <a:rPr lang="en-US" b="1" dirty="0"/>
+              <a:t>Bell Inequality</a:t>
+            </a:r>
+            <a:r>
+              <a:rPr lang="en-US" dirty="0"/>
+              <a:t>, a fundamental result in quantum mechanics that highlights the contrast between classical notions of locality and the quantum world.</a:t>
+            </a:r>
+          </a:p>
+          <a:p>
+            <a:r>
+              <a:rPr lang="en-US" dirty="0"/>
+              <a:t>First, let’s imagine we have a </a:t>
+            </a:r>
+            <a:r>
+              <a:rPr lang="en-US" b="1" dirty="0"/>
+              <a:t>two‐qubit system</a:t>
+            </a:r>
+            <a:r>
+              <a:rPr lang="en-US" dirty="0"/>
+              <a:t> shared between two parties—often called </a:t>
+            </a:r>
+            <a:r>
+              <a:rPr lang="en-US" b="1" dirty="0"/>
+              <a:t>Alice</a:t>
+            </a:r>
+            <a:r>
+              <a:rPr lang="en-US" dirty="0"/>
+              <a:t> and </a:t>
+            </a:r>
+            <a:r>
+              <a:rPr lang="en-US" b="1" dirty="0"/>
+              <a:t>Bob</a:t>
+            </a:r>
+            <a:r>
+              <a:rPr lang="en-US" dirty="0"/>
+              <a:t>. Each party can choose between two different measurements; on Alice’s side we label them M0 and M1, and on Bob’s side M0 and M1. Concretely, you can think of each measurement setting as measuring the qubit in a particular direction or basis.</a:t>
+            </a:r>
+          </a:p>
+          <a:p>
+            <a:r>
+              <a:rPr lang="en-US" dirty="0"/>
+              <a:t>Because Alice and Bob are </a:t>
+            </a:r>
+            <a:r>
+              <a:rPr lang="en-US" b="1" dirty="0"/>
+              <a:t>space‐like separated</a:t>
+            </a:r>
+            <a:r>
+              <a:rPr lang="en-US" dirty="0"/>
+              <a:t>, they can’t signal or coordinate with each other </a:t>
+            </a:r>
+            <a:r>
+              <a:rPr lang="en-US" i="1" dirty="0"/>
+              <a:t>during</a:t>
+            </a:r>
+            <a:r>
+              <a:rPr lang="en-US" dirty="0"/>
+              <a:t> the measurement. In other words, once each party decides on one of their two measurements, they obtain outcomes without knowing the other’s choice or result.</a:t>
+            </a:r>
+            <a:br>
+              <a:rPr lang="en-US" dirty="0"/>
+            </a:br>
+            <a:r>
+              <a:rPr lang="en-US" dirty="0"/>
+              <a:t>The </a:t>
+            </a:r>
+            <a:r>
+              <a:rPr lang="en-US" b="1" dirty="0"/>
+              <a:t>Bell Inequality</a:t>
+            </a:r>
+            <a:r>
+              <a:rPr lang="en-US" dirty="0"/>
+              <a:t> we see here is often phrased in terms of these outcomes labeled as ±1. We define:</a:t>
+            </a:r>
+          </a:p>
+          <a:p>
+            <a:r>
+              <a:rPr lang="en-US" dirty="0"/>
+              <a:t>A0=(−1)a0,A1=(−1)a1,B0=(−1)b0,B1=(−1)b1,A_0 = (-1)^{a_0 where a0,a1 are Alice’s measurement outcomes for M0,M1 and b0,b1 are Bob’s measurement outcomes for M0,</a:t>
+            </a:r>
+          </a:p>
+          <a:p>
+            <a:r>
+              <a:rPr lang="en-US" dirty="0"/>
+              <a:t>Under </a:t>
+            </a:r>
+            <a:r>
+              <a:rPr lang="en-US" b="1" dirty="0"/>
+              <a:t>local realism</a:t>
+            </a:r>
+            <a:r>
+              <a:rPr lang="en-US" dirty="0"/>
+              <a:t>—the idea that all measurement outcomes are predetermined and unaffected by space‐distant choices—one can show the following </a:t>
+            </a:r>
+            <a:r>
+              <a:rPr lang="en-US" b="1" dirty="0"/>
+              <a:t>Bell (CHSH) inequality</a:t>
+            </a:r>
+            <a:r>
+              <a:rPr lang="en-US" dirty="0"/>
+              <a:t> must hold:</a:t>
+            </a:r>
+          </a:p>
+          <a:p>
+            <a:r>
+              <a:rPr lang="en-US" dirty="0"/>
+              <a:t>A0B0+A0B1+A1B0−A1B1  ≤  2. </a:t>
+            </a:r>
+          </a:p>
+          <a:p>
+            <a:r>
+              <a:rPr lang="en-US" dirty="0"/>
+              <a:t>Intuitively, if the results at each side are determined by local hidden variables (with no faster‐than‐light influence), we cannot exceed the value of 22 However, </a:t>
+            </a:r>
+            <a:r>
+              <a:rPr lang="en-US" b="1" dirty="0"/>
+              <a:t>quantum mechanics</a:t>
+            </a:r>
+            <a:r>
+              <a:rPr lang="en-US" dirty="0"/>
+              <a:t> predicts—and experiments confirm—that with certain entangled states and well‐chosen measurements, the above sum can exceed 2. In fact, quantum theory sets an upper limit of 2≈2.8282\sqrt{2}\approx2.828, known as the </a:t>
+            </a:r>
+            <a:r>
+              <a:rPr lang="en-US" b="1" dirty="0" err="1"/>
+              <a:t>Tsirelson</a:t>
+            </a:r>
+            <a:r>
+              <a:rPr lang="en-US" b="1" dirty="0"/>
+              <a:t> bound</a:t>
+            </a:r>
+            <a:r>
+              <a:rPr lang="en-US" dirty="0"/>
+              <a:t>.</a:t>
+            </a:r>
+          </a:p>
+          <a:p>
+            <a:endParaRPr lang="en-US" dirty="0"/>
+          </a:p>
+        </p:txBody>
+      </p:sp>
+      <p:sp>
+        <p:nvSpPr>
+          <p:cNvPr id="4" name="Slide Number Placeholder 3"/>
+          <p:cNvSpPr>
+            <a:spLocks noGrp="1"/>
+          </p:cNvSpPr>
+          <p:nvPr>
+            <p:ph type="sldNum" sz="quarter" idx="5"/>
+          </p:nvPr>
+        </p:nvSpPr>
+        <p:spPr/>
+        <p:txBody>
+          <a:bodyPr/>
+          <a:lstStyle/>
+          <a:p>
+            <a:fld id="{108821D2-09CE-4E96-A93C-4C539A3AF38C}" type="slidenum">
+              <a:rPr lang="en-US" smtClean="0"/>
+              <a:t>2</a:t>
+            </a:fld>
+            <a:endParaRPr lang="en-US"/>
+          </a:p>
+        </p:txBody>
+      </p:sp>
+    </p:spTree>
+    <p:extLst>
+      <p:ext uri="{BB962C8B-B14F-4D97-AF65-F5344CB8AC3E}">
+        <p14:creationId xmlns:p14="http://schemas.microsoft.com/office/powerpoint/2010/main" val="3924724124"/>
+      </p:ext>
+    </p:extLst>
+  </p:cSld>
+  <p:clrMapOvr>
+    <a:masterClrMapping/>
+  </p:clrMapOvr>
+</p:notes>
+</file>
+
+<file path=ppt/notesSlides/notesSlide2.xml><?xml version="1.0" encoding="utf-8"?>
+<p:notes xmlns:a="http://schemas.openxmlformats.org/drawingml/2006/main" xmlns:r="http://schemas.openxmlformats.org/officeDocument/2006/relationships" xmlns:p="http://schemas.openxmlformats.org/presentationml/2006/main">
+  <p:cSld>
+    <p:spTree>
+      <p:nvGrpSpPr>
+        <p:cNvPr id="1" name=""/>
+        <p:cNvGrpSpPr/>
+        <p:nvPr/>
+      </p:nvGrpSpPr>
+      <p:grpSpPr>
+        <a:xfrm>
+          <a:off x="0" y="0"/>
+          <a:ext cx="0" cy="0"/>
+          <a:chOff x="0" y="0"/>
+          <a:chExt cx="0" cy="0"/>
+        </a:xfrm>
+      </p:grpSpPr>
+      <p:sp>
+        <p:nvSpPr>
+          <p:cNvPr id="2" name="Slide Image Placeholder 1"/>
+          <p:cNvSpPr>
+            <a:spLocks noGrp="1" noRot="1" noChangeAspect="1"/>
+          </p:cNvSpPr>
+          <p:nvPr>
+            <p:ph type="sldImg"/>
+          </p:nvPr>
+        </p:nvSpPr>
+        <p:spPr/>
+      </p:sp>
+      <p:sp>
+        <p:nvSpPr>
+          <p:cNvPr id="3" name="Notes Placeholder 2"/>
+          <p:cNvSpPr>
+            <a:spLocks noGrp="1"/>
+          </p:cNvSpPr>
+          <p:nvPr>
+            <p:ph type="body" idx="1"/>
+          </p:nvPr>
+        </p:nvSpPr>
+        <p:spPr/>
+        <p:txBody>
+          <a:bodyPr/>
+          <a:lstStyle/>
+          <a:p>
+            <a:endParaRPr lang="en-US" dirty="0"/>
+          </a:p>
+        </p:txBody>
+      </p:sp>
+      <p:sp>
+        <p:nvSpPr>
+          <p:cNvPr id="4" name="Slide Number Placeholder 3"/>
+          <p:cNvSpPr>
+            <a:spLocks noGrp="1"/>
+          </p:cNvSpPr>
+          <p:nvPr>
+            <p:ph type="sldNum" sz="quarter" idx="5"/>
+          </p:nvPr>
+        </p:nvSpPr>
+        <p:spPr/>
+        <p:txBody>
+          <a:bodyPr/>
+          <a:lstStyle/>
+          <a:p>
+            <a:fld id="{108821D2-09CE-4E96-A93C-4C539A3AF38C}" type="slidenum">
+              <a:rPr lang="en-US" smtClean="0"/>
+              <a:t>3</a:t>
+            </a:fld>
+            <a:endParaRPr lang="en-US"/>
+          </a:p>
+        </p:txBody>
+      </p:sp>
+    </p:spTree>
+    <p:extLst>
+      <p:ext uri="{BB962C8B-B14F-4D97-AF65-F5344CB8AC3E}">
+        <p14:creationId xmlns:p14="http://schemas.microsoft.com/office/powerpoint/2010/main" val="507348513"/>
+      </p:ext>
+    </p:extLst>
+  </p:cSld>
+  <p:clrMapOvr>
+    <a:masterClrMapping/>
+  </p:clrMapOvr>
+</p:notes>
+</file>
+
+<file path=ppt/notesSlides/notesSlide3.xml><?xml version="1.0" encoding="utf-8"?>
+<p:notes xmlns:a="http://schemas.openxmlformats.org/drawingml/2006/main" xmlns:r="http://schemas.openxmlformats.org/officeDocument/2006/relationships" xmlns:p="http://schemas.openxmlformats.org/presentationml/2006/main">
+  <p:cSld>
+    <p:spTree>
+      <p:nvGrpSpPr>
+        <p:cNvPr id="1" name=""/>
+        <p:cNvGrpSpPr/>
+        <p:nvPr/>
+      </p:nvGrpSpPr>
+      <p:grpSpPr>
+        <a:xfrm>
+          <a:off x="0" y="0"/>
+          <a:ext cx="0" cy="0"/>
+          <a:chOff x="0" y="0"/>
+          <a:chExt cx="0" cy="0"/>
+        </a:xfrm>
+      </p:grpSpPr>
+      <p:sp>
+        <p:nvSpPr>
+          <p:cNvPr id="2" name="Slide Image Placeholder 1"/>
+          <p:cNvSpPr>
+            <a:spLocks noGrp="1" noRot="1" noChangeAspect="1"/>
+          </p:cNvSpPr>
+          <p:nvPr>
+            <p:ph type="sldImg"/>
+          </p:nvPr>
+        </p:nvSpPr>
+        <p:spPr/>
+      </p:sp>
+      <p:sp>
+        <p:nvSpPr>
+          <p:cNvPr id="3" name="Notes Placeholder 2"/>
+          <p:cNvSpPr>
+            <a:spLocks noGrp="1"/>
+          </p:cNvSpPr>
+          <p:nvPr>
+            <p:ph type="body" idx="1"/>
+          </p:nvPr>
+        </p:nvSpPr>
+        <p:spPr/>
+        <p:txBody>
+          <a:bodyPr/>
+          <a:lstStyle/>
+          <a:p>
+            <a:endParaRPr lang="en-US" dirty="0"/>
+          </a:p>
+        </p:txBody>
+      </p:sp>
+      <p:sp>
+        <p:nvSpPr>
+          <p:cNvPr id="4" name="Slide Number Placeholder 3"/>
+          <p:cNvSpPr>
+            <a:spLocks noGrp="1"/>
+          </p:cNvSpPr>
+          <p:nvPr>
+            <p:ph type="sldNum" sz="quarter" idx="5"/>
+          </p:nvPr>
+        </p:nvSpPr>
+        <p:spPr/>
+        <p:txBody>
+          <a:bodyPr/>
+          <a:lstStyle/>
+          <a:p>
+            <a:fld id="{108821D2-09CE-4E96-A93C-4C539A3AF38C}" type="slidenum">
+              <a:rPr lang="en-US" smtClean="0"/>
+              <a:t>4</a:t>
+            </a:fld>
+            <a:endParaRPr lang="en-US"/>
+          </a:p>
+        </p:txBody>
+      </p:sp>
+    </p:spTree>
+    <p:extLst>
+      <p:ext uri="{BB962C8B-B14F-4D97-AF65-F5344CB8AC3E}">
+        <p14:creationId xmlns:p14="http://schemas.microsoft.com/office/powerpoint/2010/main" val="7918830"/>
+      </p:ext>
+    </p:extLst>
+  </p:cSld>
+  <p:clrMapOvr>
+    <a:masterClrMapping/>
+  </p:clrMapOvr>
+</p:notes>
 </file>
 
 <file path=ppt/slideLayouts/slideLayout1.xml><?xml version="1.0" encoding="utf-8"?>
@@ -4188,19 +4583,107 @@
           <a:p>
             <a:r>
               <a:rPr lang="en-US" dirty="0"/>
-              <a:t>Ideal GKP Code States</a:t>
-            </a:r>
-          </a:p>
-        </p:txBody>
-      </p:sp>
-      <mc:AlternateContent xmlns:mc="http://schemas.openxmlformats.org/markup-compatibility/2006" xmlns:a14="http://schemas.microsoft.com/office/drawing/2010/main">
-        <mc:Choice Requires="a14">
+              <a:t>Bell Inequality</a:t>
+            </a:r>
+          </a:p>
+        </p:txBody>
+      </p:sp>
+      <p:sp>
+        <p:nvSpPr>
+          <p:cNvPr id="4" name="Magnetic Disk 3">
+            <a:extLst>
+              <a:ext uri="{FF2B5EF4-FFF2-40B4-BE49-F238E27FC236}">
+                <a16:creationId xmlns:a16="http://schemas.microsoft.com/office/drawing/2014/main" id="{353FE2A9-5F80-067C-EB09-E2D029765981}"/>
+              </a:ext>
+            </a:extLst>
+          </p:cNvPr>
+          <p:cNvSpPr/>
+          <p:nvPr/>
+        </p:nvSpPr>
+        <p:spPr>
+          <a:xfrm>
+            <a:off x="1611824" y="1774555"/>
+            <a:ext cx="813661" cy="395207"/>
+          </a:xfrm>
+          <a:prstGeom prst="flowChartMagneticDisk">
+            <a:avLst/>
+          </a:prstGeom>
+        </p:spPr>
+        <p:style>
+          <a:lnRef idx="1">
+            <a:schemeClr val="accent6"/>
+          </a:lnRef>
+          <a:fillRef idx="2">
+            <a:schemeClr val="accent6"/>
+          </a:fillRef>
+          <a:effectRef idx="1">
+            <a:schemeClr val="accent6"/>
+          </a:effectRef>
+          <a:fontRef idx="minor">
+            <a:schemeClr val="dk1"/>
+          </a:fontRef>
+        </p:style>
+        <p:txBody>
+          <a:bodyPr rtlCol="0" anchor="ctr"/>
+          <a:lstStyle/>
+          <a:p>
+            <a:pPr algn="ctr"/>
+            <a:endParaRPr lang="en-US"/>
+          </a:p>
+        </p:txBody>
+      </p:sp>
+      <p:sp>
+        <p:nvSpPr>
+          <p:cNvPr id="5" name="Magnetic Disk 4">
+            <a:extLst>
+              <a:ext uri="{FF2B5EF4-FFF2-40B4-BE49-F238E27FC236}">
+                <a16:creationId xmlns:a16="http://schemas.microsoft.com/office/drawing/2014/main" id="{F3A969AF-8D24-2A66-7AD1-925B6CA2F73C}"/>
+              </a:ext>
+            </a:extLst>
+          </p:cNvPr>
+          <p:cNvSpPr/>
+          <p:nvPr/>
+        </p:nvSpPr>
+        <p:spPr>
+          <a:xfrm>
+            <a:off x="6493790" y="1774552"/>
+            <a:ext cx="813661" cy="395207"/>
+          </a:xfrm>
+          <a:prstGeom prst="flowChartMagneticDisk">
+            <a:avLst/>
+          </a:prstGeom>
+        </p:spPr>
+        <p:style>
+          <a:lnRef idx="1">
+            <a:schemeClr val="accent1"/>
+          </a:lnRef>
+          <a:fillRef idx="3">
+            <a:schemeClr val="accent1"/>
+          </a:fillRef>
+          <a:effectRef idx="2">
+            <a:schemeClr val="accent1"/>
+          </a:effectRef>
+          <a:fontRef idx="minor">
+            <a:schemeClr val="lt1"/>
+          </a:fontRef>
+        </p:style>
+        <p:txBody>
+          <a:bodyPr rtlCol="0" anchor="ctr"/>
+          <a:lstStyle/>
+          <a:p>
+            <a:pPr algn="ctr"/>
+            <a:endParaRPr lang="en-US"/>
+          </a:p>
+        </p:txBody>
+      </p:sp>
+      <mc:AlternateContent xmlns:mc="http://schemas.openxmlformats.org/markup-compatibility/2006">
+        <mc:Choice xmlns:a14="http://schemas.microsoft.com/office/drawing/2010/main" Requires="a14">
           <p:sp>
             <p:nvSpPr>
-              <p:cNvPr id="3" name="TextBox 2">
+              <p:cNvPr id="6" name="TextBox 5">
                 <a:extLst>
                   <a:ext uri="{FF2B5EF4-FFF2-40B4-BE49-F238E27FC236}">
-                    <a16:creationId xmlns:a16="http://schemas.microsoft.com/office/drawing/2014/main" id="{9EB0D647-5110-7B24-DA5F-A7CE317CD5F4}"/>
+                    <a16:creationId xmlns:a16="http://schemas.microsoft.com/office/drawing/2014/main" id="{D3AE7F03-1E53-9AA8-3AE1-00B2876BDD36}"/>
                   </a:ext>
                 </a:extLst>
               </p:cNvPr>
@@ -4209,8 +4692,8 @@
             </p:nvSpPr>
             <p:spPr>
               <a:xfrm>
-                <a:off x="401561" y="1184393"/>
-                <a:ext cx="8413449" cy="3460050"/>
+                <a:off x="1611824" y="1200372"/>
+                <a:ext cx="6281784" cy="369332"/>
               </a:xfrm>
               <a:prstGeom prst="rect">
                 <a:avLst/>
@@ -4218,341 +4701,42 @@
               <a:noFill/>
             </p:spPr>
             <p:txBody>
-              <a:bodyPr wrap="square" rtlCol="0">
+              <a:bodyPr wrap="none" rtlCol="0">
                 <a:spAutoFit/>
               </a:bodyPr>
               <a:lstStyle/>
               <a:p>
                 <a:r>
                   <a:rPr lang="en-US" dirty="0"/>
-                  <a:t>GKP code encodes a state of finite dimensional quantum system in an infinite-dimension system, </a:t>
-                </a:r>
-                <a:r>
-                  <a:rPr lang="en-US" dirty="0" err="1"/>
-                  <a:t>i.e</a:t>
-                </a:r>
-                <a:r>
-                  <a:rPr lang="en-US" dirty="0"/>
-                  <a:t> encoding a qubit into a harmonic oscillator.</a:t>
-                </a:r>
-              </a:p>
-              <a:p>
-                <a:endParaRPr lang="en-US" dirty="0"/>
-              </a:p>
-              <a:p>
-                <a:r>
-                  <a:rPr lang="en-US" b="1" dirty="0"/>
-                  <a:t>Notion:</a:t>
-                </a:r>
-              </a:p>
-              <a:p>
-                <a:pPr marL="742950" lvl="1" indent="-285750">
-                  <a:buFont typeface="Arial" panose="020B0604020202020204" pitchFamily="34" charset="0"/>
-                  <a:buChar char="•"/>
-                </a:pPr>
-                <a:r>
-                  <a:rPr lang="en-US" dirty="0"/>
-                  <a:t>The position and momentum operators are defined as:</a:t>
-                </a:r>
-              </a:p>
-              <a:p>
-                <a:pPr lvl="2"/>
-                <a14:m>
-                  <m:oMathPara xmlns:m="http://schemas.openxmlformats.org/officeDocument/2006/math">
-                    <m:oMathParaPr>
-                      <m:jc m:val="centerGroup"/>
-                    </m:oMathParaPr>
-                    <m:oMath xmlns:m="http://schemas.openxmlformats.org/officeDocument/2006/math">
-                      <m:acc>
-                        <m:accPr>
-                          <m:chr m:val="̂"/>
-                          <m:ctrlPr>
-                            <a:rPr lang="en-US" b="0" i="1" smtClean="0">
-                              <a:latin typeface="Cambria Math" panose="02040503050406030204" pitchFamily="18" charset="0"/>
-                            </a:rPr>
-                          </m:ctrlPr>
-                        </m:accPr>
-                        <m:e>
-                          <m:r>
-                            <a:rPr lang="en-US" b="0" i="1" smtClean="0">
-                              <a:latin typeface="Cambria Math" panose="02040503050406030204" pitchFamily="18" charset="0"/>
-                            </a:rPr>
-                            <m:t>𝑞</m:t>
-                          </m:r>
-                        </m:e>
-                      </m:acc>
-                      <m:r>
-                        <a:rPr lang="en-US" b="0" i="1" dirty="0" smtClean="0">
-                          <a:latin typeface="Cambria Math" panose="02040503050406030204" pitchFamily="18" charset="0"/>
-                        </a:rPr>
-                        <m:t>=</m:t>
-                      </m:r>
-                      <m:f>
-                        <m:fPr>
-                          <m:ctrlPr>
-                            <a:rPr lang="en-US" b="0" i="1" dirty="0" smtClean="0">
-                              <a:latin typeface="Cambria Math" panose="02040503050406030204" pitchFamily="18" charset="0"/>
-                            </a:rPr>
-                          </m:ctrlPr>
-                        </m:fPr>
-                        <m:num>
-                          <m:r>
-                            <a:rPr lang="en-US" b="0" i="1" dirty="0" smtClean="0">
-                              <a:latin typeface="Cambria Math" panose="02040503050406030204" pitchFamily="18" charset="0"/>
-                            </a:rPr>
-                            <m:t>1</m:t>
-                          </m:r>
-                        </m:num>
-                        <m:den>
-                          <m:r>
-                            <a:rPr lang="en-US" b="0" i="1" dirty="0" smtClean="0">
-                              <a:latin typeface="Cambria Math" panose="02040503050406030204" pitchFamily="18" charset="0"/>
-                            </a:rPr>
-                            <m:t>√2</m:t>
-                          </m:r>
-                        </m:den>
-                      </m:f>
-                      <m:r>
-                        <a:rPr lang="en-US" b="0" i="1" dirty="0" smtClean="0">
-                          <a:latin typeface="Cambria Math" panose="02040503050406030204" pitchFamily="18" charset="0"/>
-                        </a:rPr>
-                        <m:t> (</m:t>
-                      </m:r>
-                      <m:acc>
-                        <m:accPr>
-                          <m:chr m:val="̂"/>
-                          <m:ctrlPr>
-                            <a:rPr lang="en-US" b="0" i="1" dirty="0" smtClean="0">
-                              <a:latin typeface="Cambria Math" panose="02040503050406030204" pitchFamily="18" charset="0"/>
-                            </a:rPr>
-                          </m:ctrlPr>
-                        </m:accPr>
-                        <m:e>
-                          <m:r>
-                            <a:rPr lang="en-US" b="0" i="1" dirty="0" smtClean="0">
-                              <a:latin typeface="Cambria Math" panose="02040503050406030204" pitchFamily="18" charset="0"/>
-                            </a:rPr>
-                            <m:t>𝑎</m:t>
-                          </m:r>
-                        </m:e>
-                      </m:acc>
-                      <m:r>
-                        <a:rPr lang="en-US" b="0" i="1" dirty="0" smtClean="0">
-                          <a:latin typeface="Cambria Math" panose="02040503050406030204" pitchFamily="18" charset="0"/>
-                        </a:rPr>
-                        <m:t>+</m:t>
-                      </m:r>
-                      <m:sSup>
-                        <m:sSupPr>
-                          <m:ctrlPr>
-                            <a:rPr lang="en-US" b="0" i="1" dirty="0" smtClean="0">
-                              <a:latin typeface="Cambria Math" panose="02040503050406030204" pitchFamily="18" charset="0"/>
-                            </a:rPr>
-                          </m:ctrlPr>
-                        </m:sSupPr>
-                        <m:e>
-                          <m:acc>
-                            <m:accPr>
-                              <m:chr m:val="̂"/>
-                              <m:ctrlPr>
-                                <a:rPr lang="en-US" b="0" i="1" dirty="0" smtClean="0">
-                                  <a:latin typeface="Cambria Math" panose="02040503050406030204" pitchFamily="18" charset="0"/>
-                                </a:rPr>
-                              </m:ctrlPr>
-                            </m:accPr>
-                            <m:e>
-                              <m:r>
-                                <a:rPr lang="en-US" b="0" i="1" dirty="0" smtClean="0">
-                                  <a:latin typeface="Cambria Math" panose="02040503050406030204" pitchFamily="18" charset="0"/>
-                                </a:rPr>
-                                <m:t>𝑎</m:t>
-                              </m:r>
-                            </m:e>
-                          </m:acc>
-                        </m:e>
-                        <m:sup>
-                          <m:r>
-                            <a:rPr lang="en-US" b="0" i="1" dirty="0" smtClean="0">
-                              <a:latin typeface="Cambria Math" panose="02040503050406030204" pitchFamily="18" charset="0"/>
-                              <a:ea typeface="Cambria Math" panose="02040503050406030204" pitchFamily="18" charset="0"/>
-                            </a:rPr>
-                            <m:t>†</m:t>
-                          </m:r>
-                        </m:sup>
-                      </m:sSup>
-                      <m:r>
-                        <a:rPr lang="en-US" b="0" i="1" dirty="0" smtClean="0">
-                          <a:latin typeface="Cambria Math" panose="02040503050406030204" pitchFamily="18" charset="0"/>
-                        </a:rPr>
-                        <m:t>)</m:t>
-                      </m:r>
-                    </m:oMath>
-                  </m:oMathPara>
-                </a14:m>
-                <a:endParaRPr lang="en-US" dirty="0"/>
-              </a:p>
-              <a:p>
-                <a:pPr lvl="2"/>
-                <a14:m>
-                  <m:oMathPara xmlns:m="http://schemas.openxmlformats.org/officeDocument/2006/math">
-                    <m:oMathParaPr>
-                      <m:jc m:val="centerGroup"/>
-                    </m:oMathParaPr>
-                    <m:oMath xmlns:m="http://schemas.openxmlformats.org/officeDocument/2006/math">
-                      <m:acc>
-                        <m:accPr>
-                          <m:chr m:val="̂"/>
-                          <m:ctrlPr>
-                            <a:rPr lang="en-US" b="0" i="1" smtClean="0">
-                              <a:latin typeface="Cambria Math" panose="02040503050406030204" pitchFamily="18" charset="0"/>
-                            </a:rPr>
-                          </m:ctrlPr>
-                        </m:accPr>
-                        <m:e>
-                          <m:r>
-                            <a:rPr lang="en-US" b="0" i="1" smtClean="0">
-                              <a:latin typeface="Cambria Math" panose="02040503050406030204" pitchFamily="18" charset="0"/>
-                            </a:rPr>
-                            <m:t>𝑝</m:t>
-                          </m:r>
-                        </m:e>
-                      </m:acc>
-                      <m:r>
-                        <a:rPr lang="en-US" b="0" i="1" dirty="0" smtClean="0">
-                          <a:latin typeface="Cambria Math" panose="02040503050406030204" pitchFamily="18" charset="0"/>
-                        </a:rPr>
-                        <m:t>=</m:t>
-                      </m:r>
-                      <m:f>
-                        <m:fPr>
-                          <m:ctrlPr>
-                            <a:rPr lang="en-US" b="0" i="1" dirty="0" smtClean="0">
-                              <a:latin typeface="Cambria Math" panose="02040503050406030204" pitchFamily="18" charset="0"/>
-                            </a:rPr>
-                          </m:ctrlPr>
-                        </m:fPr>
-                        <m:num>
-                          <m:r>
-                            <a:rPr lang="en-US" b="0" i="1" dirty="0" smtClean="0">
-                              <a:latin typeface="Cambria Math" panose="02040503050406030204" pitchFamily="18" charset="0"/>
-                            </a:rPr>
-                            <m:t>𝑖</m:t>
-                          </m:r>
-                        </m:num>
-                        <m:den>
-                          <m:r>
-                            <a:rPr lang="en-US" b="0" i="1" dirty="0" smtClean="0">
-                              <a:latin typeface="Cambria Math" panose="02040503050406030204" pitchFamily="18" charset="0"/>
-                            </a:rPr>
-                            <m:t>√2</m:t>
-                          </m:r>
-                        </m:den>
-                      </m:f>
-                      <m:r>
-                        <a:rPr lang="en-US" b="0" i="1" dirty="0" smtClean="0">
-                          <a:latin typeface="Cambria Math" panose="02040503050406030204" pitchFamily="18" charset="0"/>
-                        </a:rPr>
-                        <m:t> (</m:t>
-                      </m:r>
-                      <m:acc>
-                        <m:accPr>
-                          <m:chr m:val="̂"/>
-                          <m:ctrlPr>
-                            <a:rPr lang="en-US" b="0" i="1" dirty="0" smtClean="0">
-                              <a:latin typeface="Cambria Math" panose="02040503050406030204" pitchFamily="18" charset="0"/>
-                            </a:rPr>
-                          </m:ctrlPr>
-                        </m:accPr>
-                        <m:e>
-                          <m:r>
-                            <a:rPr lang="en-US" b="0" i="1" dirty="0" smtClean="0">
-                              <a:latin typeface="Cambria Math" panose="02040503050406030204" pitchFamily="18" charset="0"/>
-                            </a:rPr>
-                            <m:t>𝑎</m:t>
-                          </m:r>
-                        </m:e>
-                      </m:acc>
-                      <m:r>
-                        <a:rPr lang="en-US" b="0" i="1" dirty="0" smtClean="0">
-                          <a:latin typeface="Cambria Math" panose="02040503050406030204" pitchFamily="18" charset="0"/>
-                        </a:rPr>
-                        <m:t>−</m:t>
-                      </m:r>
-                      <m:sSup>
-                        <m:sSupPr>
-                          <m:ctrlPr>
-                            <a:rPr lang="en-US" b="0" i="1" dirty="0" smtClean="0">
-                              <a:latin typeface="Cambria Math" panose="02040503050406030204" pitchFamily="18" charset="0"/>
-                            </a:rPr>
-                          </m:ctrlPr>
-                        </m:sSupPr>
-                        <m:e>
-                          <m:acc>
-                            <m:accPr>
-                              <m:chr m:val="̂"/>
-                              <m:ctrlPr>
-                                <a:rPr lang="en-US" b="0" i="1" dirty="0" smtClean="0">
-                                  <a:latin typeface="Cambria Math" panose="02040503050406030204" pitchFamily="18" charset="0"/>
-                                </a:rPr>
-                              </m:ctrlPr>
-                            </m:accPr>
-                            <m:e>
-                              <m:r>
-                                <a:rPr lang="en-US" b="0" i="1" dirty="0" smtClean="0">
-                                  <a:latin typeface="Cambria Math" panose="02040503050406030204" pitchFamily="18" charset="0"/>
-                                </a:rPr>
-                                <m:t>𝑎</m:t>
-                              </m:r>
-                            </m:e>
-                          </m:acc>
-                        </m:e>
-                        <m:sup>
-                          <m:r>
-                            <a:rPr lang="en-US" b="0" i="1" dirty="0" smtClean="0">
-                              <a:latin typeface="Cambria Math" panose="02040503050406030204" pitchFamily="18" charset="0"/>
-                              <a:ea typeface="Cambria Math" panose="02040503050406030204" pitchFamily="18" charset="0"/>
-                            </a:rPr>
-                            <m:t>†</m:t>
-                          </m:r>
-                        </m:sup>
-                      </m:sSup>
-                      <m:r>
-                        <a:rPr lang="en-US" b="0" i="1" dirty="0" smtClean="0">
-                          <a:latin typeface="Cambria Math" panose="02040503050406030204" pitchFamily="18" charset="0"/>
-                        </a:rPr>
-                        <m:t>)</m:t>
-                      </m:r>
-                    </m:oMath>
-                  </m:oMathPara>
-                </a14:m>
-                <a:endParaRPr lang="en-US" dirty="0"/>
-              </a:p>
-              <a:p>
-                <a:pPr lvl="2"/>
-                <a:r>
-                  <a:rPr lang="en-US" dirty="0"/>
-                  <a:t>where </a:t>
+                  <a:t>Imagine a two-qubit system and two measurements, </a:t>
                 </a:r>
                 <a14:m>
                   <m:oMath xmlns:m="http://schemas.openxmlformats.org/officeDocument/2006/math">
-                    <m:acc>
-                      <m:accPr>
-                        <m:chr m:val="̂"/>
+                    <m:sSub>
+                      <m:sSubPr>
                         <m:ctrlPr>
-                          <a:rPr lang="en-US" b="0" i="1" dirty="0" smtClean="0">
+                          <a:rPr lang="en-US" b="0" i="1" smtClean="0">
                             <a:latin typeface="Cambria Math" panose="02040503050406030204" pitchFamily="18" charset="0"/>
                           </a:rPr>
                         </m:ctrlPr>
-                      </m:accPr>
+                      </m:sSubPr>
                       <m:e>
                         <m:r>
-                          <a:rPr lang="en-US" b="0" i="1" dirty="0" smtClean="0">
+                          <a:rPr lang="en-US" b="0" i="1" smtClean="0">
                             <a:latin typeface="Cambria Math" panose="02040503050406030204" pitchFamily="18" charset="0"/>
                           </a:rPr>
-                          <m:t>𝑎</m:t>
+                          <m:t>𝑀</m:t>
                         </m:r>
                       </m:e>
-                    </m:acc>
+                      <m:sub>
+                        <m:r>
+                          <a:rPr lang="en-US" b="0" i="1" smtClean="0">
+                            <a:latin typeface="Cambria Math" panose="02040503050406030204" pitchFamily="18" charset="0"/>
+                          </a:rPr>
+                          <m:t>0</m:t>
+                        </m:r>
+                      </m:sub>
+                    </m:sSub>
                   </m:oMath>
                 </a14:m>
                 <a:r>
@@ -4561,137 +4745,45 @@
                 </a:r>
                 <a14:m>
                   <m:oMath xmlns:m="http://schemas.openxmlformats.org/officeDocument/2006/math">
-                    <m:sSup>
-                      <m:sSupPr>
+                    <m:sSub>
+                      <m:sSubPr>
                         <m:ctrlPr>
-                          <a:rPr lang="en-US" i="1" dirty="0">
+                          <a:rPr lang="en-US" i="1">
                             <a:latin typeface="Cambria Math" panose="02040503050406030204" pitchFamily="18" charset="0"/>
                           </a:rPr>
                         </m:ctrlPr>
-                      </m:sSupPr>
+                      </m:sSubPr>
                       <m:e>
-                        <m:acc>
-                          <m:accPr>
-                            <m:chr m:val="̂"/>
-                            <m:ctrlPr>
-                              <a:rPr lang="en-US" i="1" dirty="0">
-                                <a:latin typeface="Cambria Math" panose="02040503050406030204" pitchFamily="18" charset="0"/>
-                              </a:rPr>
-                            </m:ctrlPr>
-                          </m:accPr>
-                          <m:e>
-                            <m:r>
-                              <a:rPr lang="en-US" i="1" dirty="0">
-                                <a:latin typeface="Cambria Math" panose="02040503050406030204" pitchFamily="18" charset="0"/>
-                              </a:rPr>
-                              <m:t>𝑎</m:t>
-                            </m:r>
-                          </m:e>
-                        </m:acc>
-                      </m:e>
-                      <m:sup>
                         <m:r>
-                          <a:rPr lang="en-US" i="1" dirty="0">
-                            <a:latin typeface="Cambria Math" panose="02040503050406030204" pitchFamily="18" charset="0"/>
-                            <a:ea typeface="Cambria Math" panose="02040503050406030204" pitchFamily="18" charset="0"/>
-                          </a:rPr>
-                          <m:t>†</m:t>
-                        </m:r>
-                      </m:sup>
-                    </m:sSup>
-                  </m:oMath>
-                </a14:m>
-                <a:r>
-                  <a:rPr lang="en-US" dirty="0"/>
-                  <a:t> are creation and annihilation operators. The satisfy the canonical communication relation: </a:t>
-                </a:r>
-                <a14:m>
-                  <m:oMath xmlns:m="http://schemas.openxmlformats.org/officeDocument/2006/math">
-                    <m:d>
-                      <m:dPr>
-                        <m:begChr m:val="["/>
-                        <m:endChr m:val="]"/>
-                        <m:ctrlPr>
-                          <a:rPr lang="en-US" b="0" i="1" smtClean="0">
+                          <a:rPr lang="en-US" i="1">
                             <a:latin typeface="Cambria Math" panose="02040503050406030204" pitchFamily="18" charset="0"/>
                           </a:rPr>
-                        </m:ctrlPr>
-                      </m:dPr>
-                      <m:e>
-                        <m:acc>
-                          <m:accPr>
-                            <m:chr m:val="̂"/>
-                            <m:ctrlPr>
-                              <a:rPr lang="en-US" b="0" i="1" smtClean="0">
-                                <a:latin typeface="Cambria Math" panose="02040503050406030204" pitchFamily="18" charset="0"/>
-                              </a:rPr>
-                            </m:ctrlPr>
-                          </m:accPr>
-                          <m:e>
-                            <m:r>
-                              <a:rPr lang="en-US" b="0" i="1" smtClean="0">
-                                <a:latin typeface="Cambria Math" panose="02040503050406030204" pitchFamily="18" charset="0"/>
-                              </a:rPr>
-                              <m:t>𝑞</m:t>
-                            </m:r>
-                          </m:e>
-                        </m:acc>
+                          <m:t>𝑀</m:t>
+                        </m:r>
+                      </m:e>
+                      <m:sub>
                         <m:r>
                           <a:rPr lang="en-US" b="0" i="1" smtClean="0">
                             <a:latin typeface="Cambria Math" panose="02040503050406030204" pitchFamily="18" charset="0"/>
                           </a:rPr>
-                          <m:t>, </m:t>
+                          <m:t>1</m:t>
                         </m:r>
-                        <m:acc>
-                          <m:accPr>
-                            <m:chr m:val="̂"/>
-                            <m:ctrlPr>
-                              <a:rPr lang="en-US" b="0" i="1" smtClean="0">
-                                <a:latin typeface="Cambria Math" panose="02040503050406030204" pitchFamily="18" charset="0"/>
-                              </a:rPr>
-                            </m:ctrlPr>
-                          </m:accPr>
-                          <m:e>
-                            <m:r>
-                              <a:rPr lang="en-US" b="0" i="1" smtClean="0">
-                                <a:latin typeface="Cambria Math" panose="02040503050406030204" pitchFamily="18" charset="0"/>
-                              </a:rPr>
-                              <m:t>𝑝</m:t>
-                            </m:r>
-                          </m:e>
-                        </m:acc>
-                      </m:e>
-                    </m:d>
-                    <m:r>
-                      <a:rPr lang="en-US" b="0" i="1" smtClean="0">
-                        <a:latin typeface="Cambria Math" panose="02040503050406030204" pitchFamily="18" charset="0"/>
-                      </a:rPr>
-                      <m:t>=</m:t>
-                    </m:r>
-                    <m:r>
-                      <a:rPr lang="en-US" b="0" i="1" smtClean="0">
-                        <a:latin typeface="Cambria Math" panose="02040503050406030204" pitchFamily="18" charset="0"/>
-                      </a:rPr>
-                      <m:t>𝑖</m:t>
-                    </m:r>
+                      </m:sub>
+                    </m:sSub>
                   </m:oMath>
                 </a14:m>
-                <a:endParaRPr lang="en-US" dirty="0"/>
-              </a:p>
-              <a:p>
-                <a:pPr lvl="2"/>
                 <a:endParaRPr lang="en-US" dirty="0"/>
               </a:p>
             </p:txBody>
           </p:sp>
         </mc:Choice>
-        <mc:Fallback xmlns="">
+        <mc:Fallback>
           <p:sp>
             <p:nvSpPr>
-              <p:cNvPr id="3" name="TextBox 2">
+              <p:cNvPr id="6" name="TextBox 5">
                 <a:extLst>
                   <a:ext uri="{FF2B5EF4-FFF2-40B4-BE49-F238E27FC236}">
-                    <a16:creationId xmlns:a16="http://schemas.microsoft.com/office/drawing/2014/main" id="{9EB0D647-5110-7B24-DA5F-A7CE317CD5F4}"/>
+                    <a16:creationId xmlns:a16="http://schemas.microsoft.com/office/drawing/2014/main" id="{D3AE7F03-1E53-9AA8-3AE1-00B2876BDD36}"/>
                   </a:ext>
                 </a:extLst>
               </p:cNvPr>
@@ -4702,16 +4794,1609 @@
             </p:nvSpPr>
             <p:spPr>
               <a:xfrm>
-                <a:off x="401561" y="1184393"/>
-                <a:ext cx="8413449" cy="3460050"/>
+                <a:off x="1611824" y="1200372"/>
+                <a:ext cx="6281784" cy="369332"/>
               </a:xfrm>
               <a:prstGeom prst="rect">
                 <a:avLst/>
               </a:prstGeom>
               <a:blipFill>
-                <a:blip r:embed="rId2"/>
+                <a:blip r:embed="rId3"/>
                 <a:stretch>
-                  <a:fillRect l="-652" t="-880" r="-870"/>
+                  <a:fillRect l="-806" t="-6667" b="-26667"/>
+                </a:stretch>
+              </a:blipFill>
+            </p:spPr>
+            <p:txBody>
+              <a:bodyPr/>
+              <a:lstStyle/>
+              <a:p>
+                <a:r>
+                  <a:rPr lang="en-US">
+                    <a:noFill/>
+                  </a:rPr>
+                  <a:t> </a:t>
+                </a:r>
+              </a:p>
+            </p:txBody>
+          </p:sp>
+        </mc:Fallback>
+      </mc:AlternateContent>
+      <p:sp>
+        <p:nvSpPr>
+          <p:cNvPr id="8" name="Up-Down Arrow 7">
+            <a:extLst>
+              <a:ext uri="{FF2B5EF4-FFF2-40B4-BE49-F238E27FC236}">
+                <a16:creationId xmlns:a16="http://schemas.microsoft.com/office/drawing/2014/main" id="{E684C0CA-D6ED-0F63-0B59-E819AEA89219}"/>
+              </a:ext>
+            </a:extLst>
+          </p:cNvPr>
+          <p:cNvSpPr/>
+          <p:nvPr/>
+        </p:nvSpPr>
+        <p:spPr>
+          <a:xfrm rot="5400000">
+            <a:off x="4459636" y="631517"/>
+            <a:ext cx="224725" cy="2708331"/>
+          </a:xfrm>
+          <a:prstGeom prst="upDownArrow">
+            <a:avLst/>
+          </a:prstGeom>
+          <a:solidFill>
+            <a:schemeClr val="accent2"/>
+          </a:solidFill>
+        </p:spPr>
+        <p:style>
+          <a:lnRef idx="1">
+            <a:schemeClr val="accent1"/>
+          </a:lnRef>
+          <a:fillRef idx="3">
+            <a:schemeClr val="accent1"/>
+          </a:fillRef>
+          <a:effectRef idx="2">
+            <a:schemeClr val="accent1"/>
+          </a:effectRef>
+          <a:fontRef idx="minor">
+            <a:schemeClr val="lt1"/>
+          </a:fontRef>
+        </p:style>
+        <p:txBody>
+          <a:bodyPr rtlCol="0" anchor="ctr"/>
+          <a:lstStyle/>
+          <a:p>
+            <a:pPr algn="ctr"/>
+            <a:endParaRPr lang="en-US"/>
+          </a:p>
+        </p:txBody>
+      </p:sp>
+      <p:sp>
+        <p:nvSpPr>
+          <p:cNvPr id="9" name="TextBox 8">
+            <a:extLst>
+              <a:ext uri="{FF2B5EF4-FFF2-40B4-BE49-F238E27FC236}">
+                <a16:creationId xmlns:a16="http://schemas.microsoft.com/office/drawing/2014/main" id="{90154E01-BADA-3D76-D8D1-15CDEE6AF636}"/>
+              </a:ext>
+            </a:extLst>
+          </p:cNvPr>
+          <p:cNvSpPr txBox="1"/>
+          <p:nvPr/>
+        </p:nvSpPr>
+        <p:spPr>
+          <a:xfrm>
+            <a:off x="2461375" y="2134821"/>
+            <a:ext cx="4037580" cy="338554"/>
+          </a:xfrm>
+          <a:prstGeom prst="rect">
+            <a:avLst/>
+          </a:prstGeom>
+          <a:noFill/>
+        </p:spPr>
+        <p:txBody>
+          <a:bodyPr wrap="none" rtlCol="0">
+            <a:spAutoFit/>
+          </a:bodyPr>
+          <a:lstStyle/>
+          <a:p>
+            <a:r>
+              <a:rPr lang="en-US" sz="1600" dirty="0"/>
+              <a:t>Space-like separated, so no cross-coordination</a:t>
+            </a:r>
+          </a:p>
+        </p:txBody>
+      </p:sp>
+      <mc:AlternateContent xmlns:mc="http://schemas.openxmlformats.org/markup-compatibility/2006">
+        <mc:Choice xmlns:a14="http://schemas.microsoft.com/office/drawing/2010/main" Requires="a14">
+          <p:graphicFrame>
+            <p:nvGraphicFramePr>
+              <p:cNvPr id="10" name="Table 9">
+                <a:extLst>
+                  <a:ext uri="{FF2B5EF4-FFF2-40B4-BE49-F238E27FC236}">
+                    <a16:creationId xmlns:a16="http://schemas.microsoft.com/office/drawing/2014/main" id="{6D00A15E-53F9-E3A3-B415-6A11231996DD}"/>
+                  </a:ext>
+                </a:extLst>
+              </p:cNvPr>
+              <p:cNvGraphicFramePr>
+                <a:graphicFrameLocks noGrp="1"/>
+              </p:cNvGraphicFramePr>
+              <p:nvPr>
+                <p:extLst>
+                  <p:ext uri="{D42A27DB-BD31-4B8C-83A1-F6EECF244321}">
+                    <p14:modId xmlns:p14="http://schemas.microsoft.com/office/powerpoint/2010/main" val="3410038115"/>
+                  </p:ext>
+                </p:extLst>
+              </p:nvPr>
+            </p:nvGraphicFramePr>
+            <p:xfrm>
+              <a:off x="1611824" y="2355015"/>
+              <a:ext cx="808496" cy="731520"/>
+            </p:xfrm>
+            <a:graphic>
+              <a:graphicData uri="http://schemas.openxmlformats.org/drawingml/2006/table">
+                <a:tbl>
+                  <a:tblPr firstRow="1" bandRow="1">
+                    <a:tableStyleId>{5C22544A-7EE6-4342-B048-85BDC9FD1C3A}</a:tableStyleId>
+                  </a:tblPr>
+                  <a:tblGrid>
+                    <a:gridCol w="404248">
+                      <a:extLst>
+                        <a:ext uri="{9D8B030D-6E8A-4147-A177-3AD203B41FA5}">
+                          <a16:colId xmlns:a16="http://schemas.microsoft.com/office/drawing/2014/main" val="3423335710"/>
+                        </a:ext>
+                      </a:extLst>
+                    </a:gridCol>
+                    <a:gridCol w="404248">
+                      <a:extLst>
+                        <a:ext uri="{9D8B030D-6E8A-4147-A177-3AD203B41FA5}">
+                          <a16:colId xmlns:a16="http://schemas.microsoft.com/office/drawing/2014/main" val="1699122652"/>
+                        </a:ext>
+                      </a:extLst>
+                    </a:gridCol>
+                  </a:tblGrid>
+                  <a:tr h="348546">
+                    <a:tc>
+                      <a:txBody>
+                        <a:bodyPr/>
+                        <a:lstStyle/>
+                        <a:p>
+                          <a14:m>
+                            <m:oMath xmlns:m="http://schemas.openxmlformats.org/officeDocument/2006/math">
+                              <m:sSub>
+                                <m:sSubPr>
+                                  <m:ctrlPr>
+                                    <a:rPr lang="en-US" b="0" i="1" smtClean="0">
+                                      <a:latin typeface="Cambria Math" panose="02040503050406030204" pitchFamily="18" charset="0"/>
+                                    </a:rPr>
+                                  </m:ctrlPr>
+                                </m:sSubPr>
+                                <m:e>
+                                  <m:r>
+                                    <a:rPr lang="en-US" b="0" i="1" smtClean="0">
+                                      <a:latin typeface="Cambria Math" panose="02040503050406030204" pitchFamily="18" charset="0"/>
+                                    </a:rPr>
+                                    <m:t>𝑀</m:t>
+                                  </m:r>
+                                </m:e>
+                                <m:sub>
+                                  <m:r>
+                                    <a:rPr lang="en-US" b="0" i="1" smtClean="0">
+                                      <a:latin typeface="Cambria Math" panose="02040503050406030204" pitchFamily="18" charset="0"/>
+                                    </a:rPr>
+                                    <m:t>0</m:t>
+                                  </m:r>
+                                </m:sub>
+                              </m:sSub>
+                            </m:oMath>
+                          </a14:m>
+                          <a:r>
+                            <a:rPr lang="en-US" dirty="0"/>
+                            <a:t> </a:t>
+                          </a:r>
+                        </a:p>
+                      </a:txBody>
+                      <a:tcPr/>
+                    </a:tc>
+                    <a:tc>
+                      <a:txBody>
+                        <a:bodyPr/>
+                        <a:lstStyle/>
+                        <a:p>
+                          <a14:m>
+                            <m:oMath xmlns:m="http://schemas.openxmlformats.org/officeDocument/2006/math">
+                              <m:sSub>
+                                <m:sSubPr>
+                                  <m:ctrlPr>
+                                    <a:rPr lang="en-US" b="0" i="1" smtClean="0">
+                                      <a:latin typeface="Cambria Math" panose="02040503050406030204" pitchFamily="18" charset="0"/>
+                                    </a:rPr>
+                                  </m:ctrlPr>
+                                </m:sSubPr>
+                                <m:e>
+                                  <m:r>
+                                    <a:rPr lang="en-US" b="0" i="1" smtClean="0">
+                                      <a:latin typeface="Cambria Math" panose="02040503050406030204" pitchFamily="18" charset="0"/>
+                                    </a:rPr>
+                                    <m:t>𝑎</m:t>
+                                  </m:r>
+                                </m:e>
+                                <m:sub>
+                                  <m:r>
+                                    <a:rPr lang="en-US" b="0" i="1" smtClean="0">
+                                      <a:latin typeface="Cambria Math" panose="02040503050406030204" pitchFamily="18" charset="0"/>
+                                    </a:rPr>
+                                    <m:t>0</m:t>
+                                  </m:r>
+                                </m:sub>
+                              </m:sSub>
+                            </m:oMath>
+                          </a14:m>
+                          <a:r>
+                            <a:rPr lang="en-US" dirty="0"/>
+                            <a:t> </a:t>
+                          </a:r>
+                        </a:p>
+                      </a:txBody>
+                      <a:tcPr/>
+                    </a:tc>
+                    <a:extLst>
+                      <a:ext uri="{0D108BD9-81ED-4DB2-BD59-A6C34878D82A}">
+                        <a16:rowId xmlns:a16="http://schemas.microsoft.com/office/drawing/2014/main" val="1154312378"/>
+                      </a:ext>
+                    </a:extLst>
+                  </a:tr>
+                  <a:tr h="348546">
+                    <a:tc>
+                      <a:txBody>
+                        <a:bodyPr/>
+                        <a:lstStyle/>
+                        <a:p>
+                          <a14:m>
+                            <m:oMath xmlns:m="http://schemas.openxmlformats.org/officeDocument/2006/math">
+                              <m:sSub>
+                                <m:sSubPr>
+                                  <m:ctrlPr>
+                                    <a:rPr lang="en-US" b="0" i="1" smtClean="0">
+                                      <a:latin typeface="Cambria Math" panose="02040503050406030204" pitchFamily="18" charset="0"/>
+                                    </a:rPr>
+                                  </m:ctrlPr>
+                                </m:sSubPr>
+                                <m:e>
+                                  <m:r>
+                                    <a:rPr lang="en-US" b="0" i="1" smtClean="0">
+                                      <a:latin typeface="Cambria Math" panose="02040503050406030204" pitchFamily="18" charset="0"/>
+                                    </a:rPr>
+                                    <m:t>𝑀</m:t>
+                                  </m:r>
+                                </m:e>
+                                <m:sub>
+                                  <m:r>
+                                    <a:rPr lang="en-US" b="0" i="1" smtClean="0">
+                                      <a:latin typeface="Cambria Math" panose="02040503050406030204" pitchFamily="18" charset="0"/>
+                                    </a:rPr>
+                                    <m:t>1</m:t>
+                                  </m:r>
+                                </m:sub>
+                              </m:sSub>
+                            </m:oMath>
+                          </a14:m>
+                          <a:r>
+                            <a:rPr lang="en-US" dirty="0"/>
+                            <a:t> </a:t>
+                          </a:r>
+                        </a:p>
+                      </a:txBody>
+                      <a:tcPr/>
+                    </a:tc>
+                    <a:tc>
+                      <a:txBody>
+                        <a:bodyPr/>
+                        <a:lstStyle/>
+                        <a:p>
+                          <a14:m>
+                            <m:oMath xmlns:m="http://schemas.openxmlformats.org/officeDocument/2006/math">
+                              <m:sSub>
+                                <m:sSubPr>
+                                  <m:ctrlPr>
+                                    <a:rPr lang="en-US" b="0" i="1" smtClean="0">
+                                      <a:latin typeface="Cambria Math" panose="02040503050406030204" pitchFamily="18" charset="0"/>
+                                    </a:rPr>
+                                  </m:ctrlPr>
+                                </m:sSubPr>
+                                <m:e>
+                                  <m:r>
+                                    <a:rPr lang="en-US" b="0" i="1" smtClean="0">
+                                      <a:latin typeface="Cambria Math" panose="02040503050406030204" pitchFamily="18" charset="0"/>
+                                    </a:rPr>
+                                    <m:t>𝑎</m:t>
+                                  </m:r>
+                                </m:e>
+                                <m:sub>
+                                  <m:r>
+                                    <a:rPr lang="en-US" b="0" i="1" smtClean="0">
+                                      <a:latin typeface="Cambria Math" panose="02040503050406030204" pitchFamily="18" charset="0"/>
+                                    </a:rPr>
+                                    <m:t>1</m:t>
+                                  </m:r>
+                                </m:sub>
+                              </m:sSub>
+                            </m:oMath>
+                          </a14:m>
+                          <a:r>
+                            <a:rPr lang="en-US" dirty="0"/>
+                            <a:t> </a:t>
+                          </a:r>
+                        </a:p>
+                      </a:txBody>
+                      <a:tcPr/>
+                    </a:tc>
+                    <a:extLst>
+                      <a:ext uri="{0D108BD9-81ED-4DB2-BD59-A6C34878D82A}">
+                        <a16:rowId xmlns:a16="http://schemas.microsoft.com/office/drawing/2014/main" val="3880479804"/>
+                      </a:ext>
+                    </a:extLst>
+                  </a:tr>
+                </a:tbl>
+              </a:graphicData>
+            </a:graphic>
+          </p:graphicFrame>
+        </mc:Choice>
+        <mc:Fallback>
+          <p:graphicFrame>
+            <p:nvGraphicFramePr>
+              <p:cNvPr id="10" name="Table 9">
+                <a:extLst>
+                  <a:ext uri="{FF2B5EF4-FFF2-40B4-BE49-F238E27FC236}">
+                    <a16:creationId xmlns:a16="http://schemas.microsoft.com/office/drawing/2014/main" id="{6D00A15E-53F9-E3A3-B415-6A11231996DD}"/>
+                  </a:ext>
+                </a:extLst>
+              </p:cNvPr>
+              <p:cNvGraphicFramePr>
+                <a:graphicFrameLocks noGrp="1"/>
+              </p:cNvGraphicFramePr>
+              <p:nvPr>
+                <p:extLst>
+                  <p:ext uri="{D42A27DB-BD31-4B8C-83A1-F6EECF244321}">
+                    <p14:modId xmlns:p14="http://schemas.microsoft.com/office/powerpoint/2010/main" val="3410038115"/>
+                  </p:ext>
+                </p:extLst>
+              </p:nvPr>
+            </p:nvGraphicFramePr>
+            <p:xfrm>
+              <a:off x="1611824" y="2355015"/>
+              <a:ext cx="808496" cy="731520"/>
+            </p:xfrm>
+            <a:graphic>
+              <a:graphicData uri="http://schemas.openxmlformats.org/drawingml/2006/table">
+                <a:tbl>
+                  <a:tblPr firstRow="1" bandRow="1">
+                    <a:tableStyleId>{5C22544A-7EE6-4342-B048-85BDC9FD1C3A}</a:tableStyleId>
+                  </a:tblPr>
+                  <a:tblGrid>
+                    <a:gridCol w="404248">
+                      <a:extLst>
+                        <a:ext uri="{9D8B030D-6E8A-4147-A177-3AD203B41FA5}">
+                          <a16:colId xmlns:a16="http://schemas.microsoft.com/office/drawing/2014/main" val="3423335710"/>
+                        </a:ext>
+                      </a:extLst>
+                    </a:gridCol>
+                    <a:gridCol w="404248">
+                      <a:extLst>
+                        <a:ext uri="{9D8B030D-6E8A-4147-A177-3AD203B41FA5}">
+                          <a16:colId xmlns:a16="http://schemas.microsoft.com/office/drawing/2014/main" val="1699122652"/>
+                        </a:ext>
+                      </a:extLst>
+                    </a:gridCol>
+                  </a:tblGrid>
+                  <a:tr h="365760">
+                    <a:tc>
+                      <a:txBody>
+                        <a:bodyPr/>
+                        <a:lstStyle/>
+                        <a:p>
+                          <a:endParaRPr lang="en-US"/>
+                        </a:p>
+                      </a:txBody>
+                      <a:tcPr>
+                        <a:blipFill>
+                          <a:blip r:embed="rId4"/>
+                          <a:stretch>
+                            <a:fillRect t="-3333" r="-103030" b="-100000"/>
+                          </a:stretch>
+                        </a:blipFill>
+                      </a:tcPr>
+                    </a:tc>
+                    <a:tc>
+                      <a:txBody>
+                        <a:bodyPr/>
+                        <a:lstStyle/>
+                        <a:p>
+                          <a:endParaRPr lang="en-US"/>
+                        </a:p>
+                      </a:txBody>
+                      <a:tcPr>
+                        <a:blipFill>
+                          <a:blip r:embed="rId4"/>
+                          <a:stretch>
+                            <a:fillRect l="-103125" t="-3333" r="-6250" b="-100000"/>
+                          </a:stretch>
+                        </a:blipFill>
+                      </a:tcPr>
+                    </a:tc>
+                    <a:extLst>
+                      <a:ext uri="{0D108BD9-81ED-4DB2-BD59-A6C34878D82A}">
+                        <a16:rowId xmlns:a16="http://schemas.microsoft.com/office/drawing/2014/main" val="1154312378"/>
+                      </a:ext>
+                    </a:extLst>
+                  </a:tr>
+                  <a:tr h="365760">
+                    <a:tc>
+                      <a:txBody>
+                        <a:bodyPr/>
+                        <a:lstStyle/>
+                        <a:p>
+                          <a:endParaRPr lang="en-US"/>
+                        </a:p>
+                      </a:txBody>
+                      <a:tcPr>
+                        <a:blipFill>
+                          <a:blip r:embed="rId4"/>
+                          <a:stretch>
+                            <a:fillRect t="-106897" r="-103030" b="-3448"/>
+                          </a:stretch>
+                        </a:blipFill>
+                      </a:tcPr>
+                    </a:tc>
+                    <a:tc>
+                      <a:txBody>
+                        <a:bodyPr/>
+                        <a:lstStyle/>
+                        <a:p>
+                          <a:endParaRPr lang="en-US"/>
+                        </a:p>
+                      </a:txBody>
+                      <a:tcPr>
+                        <a:blipFill>
+                          <a:blip r:embed="rId4"/>
+                          <a:stretch>
+                            <a:fillRect l="-103125" t="-106897" r="-6250" b="-3448"/>
+                          </a:stretch>
+                        </a:blipFill>
+                      </a:tcPr>
+                    </a:tc>
+                    <a:extLst>
+                      <a:ext uri="{0D108BD9-81ED-4DB2-BD59-A6C34878D82A}">
+                        <a16:rowId xmlns:a16="http://schemas.microsoft.com/office/drawing/2014/main" val="3880479804"/>
+                      </a:ext>
+                    </a:extLst>
+                  </a:tr>
+                </a:tbl>
+              </a:graphicData>
+            </a:graphic>
+          </p:graphicFrame>
+        </mc:Fallback>
+      </mc:AlternateContent>
+      <mc:AlternateContent xmlns:mc="http://schemas.openxmlformats.org/markup-compatibility/2006">
+        <mc:Choice xmlns:a14="http://schemas.microsoft.com/office/drawing/2010/main" Requires="a14">
+          <p:graphicFrame>
+            <p:nvGraphicFramePr>
+              <p:cNvPr id="11" name="Table 10">
+                <a:extLst>
+                  <a:ext uri="{FF2B5EF4-FFF2-40B4-BE49-F238E27FC236}">
+                    <a16:creationId xmlns:a16="http://schemas.microsoft.com/office/drawing/2014/main" id="{62FE4B7D-364D-3010-817D-9AC4557D3830}"/>
+                  </a:ext>
+                </a:extLst>
+              </p:cNvPr>
+              <p:cNvGraphicFramePr>
+                <a:graphicFrameLocks noGrp="1"/>
+              </p:cNvGraphicFramePr>
+              <p:nvPr>
+                <p:extLst>
+                  <p:ext uri="{D42A27DB-BD31-4B8C-83A1-F6EECF244321}">
+                    <p14:modId xmlns:p14="http://schemas.microsoft.com/office/powerpoint/2010/main" val="3575132826"/>
+                  </p:ext>
+                </p:extLst>
+              </p:nvPr>
+            </p:nvGraphicFramePr>
+            <p:xfrm>
+              <a:off x="6493790" y="2278768"/>
+              <a:ext cx="808496" cy="731520"/>
+            </p:xfrm>
+            <a:graphic>
+              <a:graphicData uri="http://schemas.openxmlformats.org/drawingml/2006/table">
+                <a:tbl>
+                  <a:tblPr firstRow="1" bandRow="1">
+                    <a:tableStyleId>{5C22544A-7EE6-4342-B048-85BDC9FD1C3A}</a:tableStyleId>
+                  </a:tblPr>
+                  <a:tblGrid>
+                    <a:gridCol w="404248">
+                      <a:extLst>
+                        <a:ext uri="{9D8B030D-6E8A-4147-A177-3AD203B41FA5}">
+                          <a16:colId xmlns:a16="http://schemas.microsoft.com/office/drawing/2014/main" val="3423335710"/>
+                        </a:ext>
+                      </a:extLst>
+                    </a:gridCol>
+                    <a:gridCol w="404248">
+                      <a:extLst>
+                        <a:ext uri="{9D8B030D-6E8A-4147-A177-3AD203B41FA5}">
+                          <a16:colId xmlns:a16="http://schemas.microsoft.com/office/drawing/2014/main" val="1699122652"/>
+                        </a:ext>
+                      </a:extLst>
+                    </a:gridCol>
+                  </a:tblGrid>
+                  <a:tr h="348546">
+                    <a:tc>
+                      <a:txBody>
+                        <a:bodyPr/>
+                        <a:lstStyle/>
+                        <a:p>
+                          <a14:m>
+                            <m:oMath xmlns:m="http://schemas.openxmlformats.org/officeDocument/2006/math">
+                              <m:sSub>
+                                <m:sSubPr>
+                                  <m:ctrlPr>
+                                    <a:rPr lang="en-US" b="0" i="1" smtClean="0">
+                                      <a:latin typeface="Cambria Math" panose="02040503050406030204" pitchFamily="18" charset="0"/>
+                                    </a:rPr>
+                                  </m:ctrlPr>
+                                </m:sSubPr>
+                                <m:e>
+                                  <m:r>
+                                    <a:rPr lang="en-US" b="0" i="1" smtClean="0">
+                                      <a:latin typeface="Cambria Math" panose="02040503050406030204" pitchFamily="18" charset="0"/>
+                                    </a:rPr>
+                                    <m:t>𝑀</m:t>
+                                  </m:r>
+                                </m:e>
+                                <m:sub>
+                                  <m:r>
+                                    <a:rPr lang="en-US" b="0" i="1" smtClean="0">
+                                      <a:latin typeface="Cambria Math" panose="02040503050406030204" pitchFamily="18" charset="0"/>
+                                    </a:rPr>
+                                    <m:t>0</m:t>
+                                  </m:r>
+                                </m:sub>
+                              </m:sSub>
+                            </m:oMath>
+                          </a14:m>
+                          <a:r>
+                            <a:rPr lang="en-US" dirty="0"/>
+                            <a:t> </a:t>
+                          </a:r>
+                        </a:p>
+                      </a:txBody>
+                      <a:tcPr/>
+                    </a:tc>
+                    <a:tc>
+                      <a:txBody>
+                        <a:bodyPr/>
+                        <a:lstStyle/>
+                        <a:p>
+                          <a14:m>
+                            <m:oMath xmlns:m="http://schemas.openxmlformats.org/officeDocument/2006/math">
+                              <m:sSub>
+                                <m:sSubPr>
+                                  <m:ctrlPr>
+                                    <a:rPr lang="en-US" b="0" i="1" smtClean="0">
+                                      <a:latin typeface="Cambria Math" panose="02040503050406030204" pitchFamily="18" charset="0"/>
+                                    </a:rPr>
+                                  </m:ctrlPr>
+                                </m:sSubPr>
+                                <m:e>
+                                  <m:r>
+                                    <a:rPr lang="en-US" b="0" i="1" smtClean="0">
+                                      <a:latin typeface="Cambria Math" panose="02040503050406030204" pitchFamily="18" charset="0"/>
+                                    </a:rPr>
+                                    <m:t>𝑏</m:t>
+                                  </m:r>
+                                </m:e>
+                                <m:sub>
+                                  <m:r>
+                                    <a:rPr lang="en-US" b="0" i="1" smtClean="0">
+                                      <a:latin typeface="Cambria Math" panose="02040503050406030204" pitchFamily="18" charset="0"/>
+                                    </a:rPr>
+                                    <m:t>0</m:t>
+                                  </m:r>
+                                </m:sub>
+                              </m:sSub>
+                            </m:oMath>
+                          </a14:m>
+                          <a:r>
+                            <a:rPr lang="en-US" dirty="0"/>
+                            <a:t> </a:t>
+                          </a:r>
+                        </a:p>
+                      </a:txBody>
+                      <a:tcPr/>
+                    </a:tc>
+                    <a:extLst>
+                      <a:ext uri="{0D108BD9-81ED-4DB2-BD59-A6C34878D82A}">
+                        <a16:rowId xmlns:a16="http://schemas.microsoft.com/office/drawing/2014/main" val="1154312378"/>
+                      </a:ext>
+                    </a:extLst>
+                  </a:tr>
+                  <a:tr h="348546">
+                    <a:tc>
+                      <a:txBody>
+                        <a:bodyPr/>
+                        <a:lstStyle/>
+                        <a:p>
+                          <a14:m>
+                            <m:oMath xmlns:m="http://schemas.openxmlformats.org/officeDocument/2006/math">
+                              <m:sSub>
+                                <m:sSubPr>
+                                  <m:ctrlPr>
+                                    <a:rPr lang="en-US" b="0" i="1" smtClean="0">
+                                      <a:latin typeface="Cambria Math" panose="02040503050406030204" pitchFamily="18" charset="0"/>
+                                    </a:rPr>
+                                  </m:ctrlPr>
+                                </m:sSubPr>
+                                <m:e>
+                                  <m:r>
+                                    <a:rPr lang="en-US" b="0" i="1" smtClean="0">
+                                      <a:latin typeface="Cambria Math" panose="02040503050406030204" pitchFamily="18" charset="0"/>
+                                    </a:rPr>
+                                    <m:t>𝑀</m:t>
+                                  </m:r>
+                                </m:e>
+                                <m:sub>
+                                  <m:r>
+                                    <a:rPr lang="en-US" b="0" i="1" smtClean="0">
+                                      <a:latin typeface="Cambria Math" panose="02040503050406030204" pitchFamily="18" charset="0"/>
+                                    </a:rPr>
+                                    <m:t>1</m:t>
+                                  </m:r>
+                                </m:sub>
+                              </m:sSub>
+                            </m:oMath>
+                          </a14:m>
+                          <a:r>
+                            <a:rPr lang="en-US" dirty="0"/>
+                            <a:t> </a:t>
+                          </a:r>
+                        </a:p>
+                      </a:txBody>
+                      <a:tcPr/>
+                    </a:tc>
+                    <a:tc>
+                      <a:txBody>
+                        <a:bodyPr/>
+                        <a:lstStyle/>
+                        <a:p>
+                          <a14:m>
+                            <m:oMath xmlns:m="http://schemas.openxmlformats.org/officeDocument/2006/math">
+                              <m:sSub>
+                                <m:sSubPr>
+                                  <m:ctrlPr>
+                                    <a:rPr lang="en-US" b="0" i="1" smtClean="0">
+                                      <a:latin typeface="Cambria Math" panose="02040503050406030204" pitchFamily="18" charset="0"/>
+                                    </a:rPr>
+                                  </m:ctrlPr>
+                                </m:sSubPr>
+                                <m:e>
+                                  <m:r>
+                                    <a:rPr lang="en-US" b="0" i="1" smtClean="0">
+                                      <a:latin typeface="Cambria Math" panose="02040503050406030204" pitchFamily="18" charset="0"/>
+                                    </a:rPr>
+                                    <m:t>𝑏</m:t>
+                                  </m:r>
+                                </m:e>
+                                <m:sub>
+                                  <m:r>
+                                    <a:rPr lang="en-US" b="0" i="1" smtClean="0">
+                                      <a:latin typeface="Cambria Math" panose="02040503050406030204" pitchFamily="18" charset="0"/>
+                                    </a:rPr>
+                                    <m:t>1</m:t>
+                                  </m:r>
+                                </m:sub>
+                              </m:sSub>
+                            </m:oMath>
+                          </a14:m>
+                          <a:r>
+                            <a:rPr lang="en-US" dirty="0"/>
+                            <a:t> </a:t>
+                          </a:r>
+                        </a:p>
+                      </a:txBody>
+                      <a:tcPr/>
+                    </a:tc>
+                    <a:extLst>
+                      <a:ext uri="{0D108BD9-81ED-4DB2-BD59-A6C34878D82A}">
+                        <a16:rowId xmlns:a16="http://schemas.microsoft.com/office/drawing/2014/main" val="3880479804"/>
+                      </a:ext>
+                    </a:extLst>
+                  </a:tr>
+                </a:tbl>
+              </a:graphicData>
+            </a:graphic>
+          </p:graphicFrame>
+        </mc:Choice>
+        <mc:Fallback>
+          <p:graphicFrame>
+            <p:nvGraphicFramePr>
+              <p:cNvPr id="11" name="Table 10">
+                <a:extLst>
+                  <a:ext uri="{FF2B5EF4-FFF2-40B4-BE49-F238E27FC236}">
+                    <a16:creationId xmlns:a16="http://schemas.microsoft.com/office/drawing/2014/main" id="{62FE4B7D-364D-3010-817D-9AC4557D3830}"/>
+                  </a:ext>
+                </a:extLst>
+              </p:cNvPr>
+              <p:cNvGraphicFramePr>
+                <a:graphicFrameLocks noGrp="1"/>
+              </p:cNvGraphicFramePr>
+              <p:nvPr>
+                <p:extLst>
+                  <p:ext uri="{D42A27DB-BD31-4B8C-83A1-F6EECF244321}">
+                    <p14:modId xmlns:p14="http://schemas.microsoft.com/office/powerpoint/2010/main" val="3575132826"/>
+                  </p:ext>
+                </p:extLst>
+              </p:nvPr>
+            </p:nvGraphicFramePr>
+            <p:xfrm>
+              <a:off x="6493790" y="2278768"/>
+              <a:ext cx="808496" cy="731520"/>
+            </p:xfrm>
+            <a:graphic>
+              <a:graphicData uri="http://schemas.openxmlformats.org/drawingml/2006/table">
+                <a:tbl>
+                  <a:tblPr firstRow="1" bandRow="1">
+                    <a:tableStyleId>{5C22544A-7EE6-4342-B048-85BDC9FD1C3A}</a:tableStyleId>
+                  </a:tblPr>
+                  <a:tblGrid>
+                    <a:gridCol w="404248">
+                      <a:extLst>
+                        <a:ext uri="{9D8B030D-6E8A-4147-A177-3AD203B41FA5}">
+                          <a16:colId xmlns:a16="http://schemas.microsoft.com/office/drawing/2014/main" val="3423335710"/>
+                        </a:ext>
+                      </a:extLst>
+                    </a:gridCol>
+                    <a:gridCol w="404248">
+                      <a:extLst>
+                        <a:ext uri="{9D8B030D-6E8A-4147-A177-3AD203B41FA5}">
+                          <a16:colId xmlns:a16="http://schemas.microsoft.com/office/drawing/2014/main" val="1699122652"/>
+                        </a:ext>
+                      </a:extLst>
+                    </a:gridCol>
+                  </a:tblGrid>
+                  <a:tr h="365760">
+                    <a:tc>
+                      <a:txBody>
+                        <a:bodyPr/>
+                        <a:lstStyle/>
+                        <a:p>
+                          <a:endParaRPr lang="en-US"/>
+                        </a:p>
+                      </a:txBody>
+                      <a:tcPr>
+                        <a:blipFill>
+                          <a:blip r:embed="rId5"/>
+                          <a:stretch>
+                            <a:fillRect l="-3125" t="-3333" r="-109375" b="-100000"/>
+                          </a:stretch>
+                        </a:blipFill>
+                      </a:tcPr>
+                    </a:tc>
+                    <a:tc>
+                      <a:txBody>
+                        <a:bodyPr/>
+                        <a:lstStyle/>
+                        <a:p>
+                          <a:endParaRPr lang="en-US"/>
+                        </a:p>
+                      </a:txBody>
+                      <a:tcPr>
+                        <a:blipFill>
+                          <a:blip r:embed="rId5"/>
+                          <a:stretch>
+                            <a:fillRect l="-103125" t="-3333" r="-9375" b="-100000"/>
+                          </a:stretch>
+                        </a:blipFill>
+                      </a:tcPr>
+                    </a:tc>
+                    <a:extLst>
+                      <a:ext uri="{0D108BD9-81ED-4DB2-BD59-A6C34878D82A}">
+                        <a16:rowId xmlns:a16="http://schemas.microsoft.com/office/drawing/2014/main" val="1154312378"/>
+                      </a:ext>
+                    </a:extLst>
+                  </a:tr>
+                  <a:tr h="365760">
+                    <a:tc>
+                      <a:txBody>
+                        <a:bodyPr/>
+                        <a:lstStyle/>
+                        <a:p>
+                          <a:endParaRPr lang="en-US"/>
+                        </a:p>
+                      </a:txBody>
+                      <a:tcPr>
+                        <a:blipFill>
+                          <a:blip r:embed="rId5"/>
+                          <a:stretch>
+                            <a:fillRect l="-3125" t="-106897" r="-109375" b="-3448"/>
+                          </a:stretch>
+                        </a:blipFill>
+                      </a:tcPr>
+                    </a:tc>
+                    <a:tc>
+                      <a:txBody>
+                        <a:bodyPr/>
+                        <a:lstStyle/>
+                        <a:p>
+                          <a:endParaRPr lang="en-US"/>
+                        </a:p>
+                      </a:txBody>
+                      <a:tcPr>
+                        <a:blipFill>
+                          <a:blip r:embed="rId5"/>
+                          <a:stretch>
+                            <a:fillRect l="-103125" t="-106897" r="-9375" b="-3448"/>
+                          </a:stretch>
+                        </a:blipFill>
+                      </a:tcPr>
+                    </a:tc>
+                    <a:extLst>
+                      <a:ext uri="{0D108BD9-81ED-4DB2-BD59-A6C34878D82A}">
+                        <a16:rowId xmlns:a16="http://schemas.microsoft.com/office/drawing/2014/main" val="3880479804"/>
+                      </a:ext>
+                    </a:extLst>
+                  </a:tr>
+                </a:tbl>
+              </a:graphicData>
+            </a:graphic>
+          </p:graphicFrame>
+        </mc:Fallback>
+      </mc:AlternateContent>
+      <mc:AlternateContent xmlns:mc="http://schemas.openxmlformats.org/markup-compatibility/2006">
+        <mc:Choice xmlns:a14="http://schemas.microsoft.com/office/drawing/2010/main" Requires="a14">
+          <p:sp>
+            <p:nvSpPr>
+              <p:cNvPr id="12" name="TextBox 11">
+                <a:extLst>
+                  <a:ext uri="{FF2B5EF4-FFF2-40B4-BE49-F238E27FC236}">
+                    <a16:creationId xmlns:a16="http://schemas.microsoft.com/office/drawing/2014/main" id="{A6DB215C-E0CA-3955-AA50-B7C662773EBC}"/>
+                  </a:ext>
+                </a:extLst>
+              </p:cNvPr>
+              <p:cNvSpPr txBox="1"/>
+              <p:nvPr/>
+            </p:nvSpPr>
+            <p:spPr>
+              <a:xfrm>
+                <a:off x="1611824" y="3199527"/>
+                <a:ext cx="6341351" cy="374270"/>
+              </a:xfrm>
+              <a:prstGeom prst="rect">
+                <a:avLst/>
+              </a:prstGeom>
+              <a:noFill/>
+            </p:spPr>
+            <p:txBody>
+              <a:bodyPr wrap="none" rtlCol="0">
+                <a:spAutoFit/>
+              </a:bodyPr>
+              <a:lstStyle/>
+              <a:p>
+                <a:r>
+                  <a:rPr lang="en-US" dirty="0"/>
+                  <a:t>Define: </a:t>
+                </a:r>
+                <a14:m>
+                  <m:oMath xmlns:m="http://schemas.openxmlformats.org/officeDocument/2006/math">
+                    <m:sSub>
+                      <m:sSubPr>
+                        <m:ctrlPr>
+                          <a:rPr lang="en-US" b="0" i="1" smtClean="0">
+                            <a:latin typeface="Cambria Math" panose="02040503050406030204" pitchFamily="18" charset="0"/>
+                          </a:rPr>
+                        </m:ctrlPr>
+                      </m:sSubPr>
+                      <m:e>
+                        <m:r>
+                          <a:rPr lang="en-US" b="0" i="1" smtClean="0">
+                            <a:latin typeface="Cambria Math" panose="02040503050406030204" pitchFamily="18" charset="0"/>
+                          </a:rPr>
+                          <m:t>𝐴</m:t>
+                        </m:r>
+                      </m:e>
+                      <m:sub>
+                        <m:r>
+                          <a:rPr lang="en-US" b="0" i="1" smtClean="0">
+                            <a:latin typeface="Cambria Math" panose="02040503050406030204" pitchFamily="18" charset="0"/>
+                          </a:rPr>
+                          <m:t>0</m:t>
+                        </m:r>
+                      </m:sub>
+                    </m:sSub>
+                    <m:r>
+                      <a:rPr lang="en-US" b="0" i="1" smtClean="0">
+                        <a:latin typeface="Cambria Math" panose="02040503050406030204" pitchFamily="18" charset="0"/>
+                      </a:rPr>
+                      <m:t>=</m:t>
+                    </m:r>
+                    <m:sSup>
+                      <m:sSupPr>
+                        <m:ctrlPr>
+                          <a:rPr lang="en-US" b="0" i="1" smtClean="0">
+                            <a:latin typeface="Cambria Math" panose="02040503050406030204" pitchFamily="18" charset="0"/>
+                          </a:rPr>
+                        </m:ctrlPr>
+                      </m:sSupPr>
+                      <m:e>
+                        <m:d>
+                          <m:dPr>
+                            <m:ctrlPr>
+                              <a:rPr lang="en-US" b="0" i="1" smtClean="0">
+                                <a:latin typeface="Cambria Math" panose="02040503050406030204" pitchFamily="18" charset="0"/>
+                              </a:rPr>
+                            </m:ctrlPr>
+                          </m:dPr>
+                          <m:e>
+                            <m:r>
+                              <a:rPr lang="en-US" b="0" i="1" smtClean="0">
+                                <a:latin typeface="Cambria Math" panose="02040503050406030204" pitchFamily="18" charset="0"/>
+                              </a:rPr>
+                              <m:t>−1</m:t>
+                            </m:r>
+                          </m:e>
+                        </m:d>
+                      </m:e>
+                      <m:sup>
+                        <m:sSub>
+                          <m:sSubPr>
+                            <m:ctrlPr>
+                              <a:rPr lang="en-US" b="0" i="1" smtClean="0">
+                                <a:latin typeface="Cambria Math" panose="02040503050406030204" pitchFamily="18" charset="0"/>
+                              </a:rPr>
+                            </m:ctrlPr>
+                          </m:sSubPr>
+                          <m:e>
+                            <m:r>
+                              <a:rPr lang="en-US" b="0" i="1" smtClean="0">
+                                <a:latin typeface="Cambria Math" panose="02040503050406030204" pitchFamily="18" charset="0"/>
+                              </a:rPr>
+                              <m:t>𝑎</m:t>
+                            </m:r>
+                          </m:e>
+                          <m:sub>
+                            <m:r>
+                              <a:rPr lang="en-US" b="0" i="1" smtClean="0">
+                                <a:latin typeface="Cambria Math" panose="02040503050406030204" pitchFamily="18" charset="0"/>
+                              </a:rPr>
+                              <m:t>0</m:t>
+                            </m:r>
+                          </m:sub>
+                        </m:sSub>
+                      </m:sup>
+                    </m:sSup>
+                  </m:oMath>
+                </a14:m>
+                <a:r>
+                  <a:rPr lang="en-US" dirty="0"/>
+                  <a:t>, </a:t>
+                </a:r>
+                <a14:m>
+                  <m:oMath xmlns:m="http://schemas.openxmlformats.org/officeDocument/2006/math">
+                    <m:sSub>
+                      <m:sSubPr>
+                        <m:ctrlPr>
+                          <a:rPr lang="en-US" i="1">
+                            <a:latin typeface="Cambria Math" panose="02040503050406030204" pitchFamily="18" charset="0"/>
+                          </a:rPr>
+                        </m:ctrlPr>
+                      </m:sSubPr>
+                      <m:e>
+                        <m:r>
+                          <a:rPr lang="en-US" i="1">
+                            <a:latin typeface="Cambria Math" panose="02040503050406030204" pitchFamily="18" charset="0"/>
+                          </a:rPr>
+                          <m:t>𝐴</m:t>
+                        </m:r>
+                      </m:e>
+                      <m:sub>
+                        <m:r>
+                          <a:rPr lang="en-US" b="0" i="1" smtClean="0">
+                            <a:latin typeface="Cambria Math" panose="02040503050406030204" pitchFamily="18" charset="0"/>
+                          </a:rPr>
+                          <m:t>1</m:t>
+                        </m:r>
+                      </m:sub>
+                    </m:sSub>
+                    <m:r>
+                      <a:rPr lang="en-US" i="1">
+                        <a:latin typeface="Cambria Math" panose="02040503050406030204" pitchFamily="18" charset="0"/>
+                      </a:rPr>
+                      <m:t>=</m:t>
+                    </m:r>
+                    <m:sSup>
+                      <m:sSupPr>
+                        <m:ctrlPr>
+                          <a:rPr lang="en-US" i="1">
+                            <a:latin typeface="Cambria Math" panose="02040503050406030204" pitchFamily="18" charset="0"/>
+                          </a:rPr>
+                        </m:ctrlPr>
+                      </m:sSupPr>
+                      <m:e>
+                        <m:d>
+                          <m:dPr>
+                            <m:ctrlPr>
+                              <a:rPr lang="en-US" i="1">
+                                <a:latin typeface="Cambria Math" panose="02040503050406030204" pitchFamily="18" charset="0"/>
+                              </a:rPr>
+                            </m:ctrlPr>
+                          </m:dPr>
+                          <m:e>
+                            <m:r>
+                              <a:rPr lang="en-US" i="1">
+                                <a:latin typeface="Cambria Math" panose="02040503050406030204" pitchFamily="18" charset="0"/>
+                              </a:rPr>
+                              <m:t>−1</m:t>
+                            </m:r>
+                          </m:e>
+                        </m:d>
+                      </m:e>
+                      <m:sup>
+                        <m:sSub>
+                          <m:sSubPr>
+                            <m:ctrlPr>
+                              <a:rPr lang="en-US" i="1">
+                                <a:latin typeface="Cambria Math" panose="02040503050406030204" pitchFamily="18" charset="0"/>
+                              </a:rPr>
+                            </m:ctrlPr>
+                          </m:sSubPr>
+                          <m:e>
+                            <m:r>
+                              <a:rPr lang="en-US" i="1">
+                                <a:latin typeface="Cambria Math" panose="02040503050406030204" pitchFamily="18" charset="0"/>
+                              </a:rPr>
+                              <m:t>𝑎</m:t>
+                            </m:r>
+                          </m:e>
+                          <m:sub>
+                            <m:r>
+                              <a:rPr lang="en-US" b="0" i="1" smtClean="0">
+                                <a:latin typeface="Cambria Math" panose="02040503050406030204" pitchFamily="18" charset="0"/>
+                              </a:rPr>
+                              <m:t>1</m:t>
+                            </m:r>
+                          </m:sub>
+                        </m:sSub>
+                      </m:sup>
+                    </m:sSup>
+                  </m:oMath>
+                </a14:m>
+                <a:r>
+                  <a:rPr lang="en-US" dirty="0"/>
+                  <a:t>, </a:t>
+                </a:r>
+                <a14:m>
+                  <m:oMath xmlns:m="http://schemas.openxmlformats.org/officeDocument/2006/math">
+                    <m:sSub>
+                      <m:sSubPr>
+                        <m:ctrlPr>
+                          <a:rPr lang="en-US" i="1">
+                            <a:latin typeface="Cambria Math" panose="02040503050406030204" pitchFamily="18" charset="0"/>
+                          </a:rPr>
+                        </m:ctrlPr>
+                      </m:sSubPr>
+                      <m:e>
+                        <m:r>
+                          <a:rPr lang="en-US" b="0" i="1" smtClean="0">
+                            <a:latin typeface="Cambria Math" panose="02040503050406030204" pitchFamily="18" charset="0"/>
+                          </a:rPr>
+                          <m:t>𝐵</m:t>
+                        </m:r>
+                      </m:e>
+                      <m:sub>
+                        <m:r>
+                          <a:rPr lang="en-US" i="1">
+                            <a:latin typeface="Cambria Math" panose="02040503050406030204" pitchFamily="18" charset="0"/>
+                          </a:rPr>
+                          <m:t>0</m:t>
+                        </m:r>
+                      </m:sub>
+                    </m:sSub>
+                    <m:r>
+                      <a:rPr lang="en-US" i="1">
+                        <a:latin typeface="Cambria Math" panose="02040503050406030204" pitchFamily="18" charset="0"/>
+                      </a:rPr>
+                      <m:t>=</m:t>
+                    </m:r>
+                    <m:sSup>
+                      <m:sSupPr>
+                        <m:ctrlPr>
+                          <a:rPr lang="en-US" i="1">
+                            <a:latin typeface="Cambria Math" panose="02040503050406030204" pitchFamily="18" charset="0"/>
+                          </a:rPr>
+                        </m:ctrlPr>
+                      </m:sSupPr>
+                      <m:e>
+                        <m:d>
+                          <m:dPr>
+                            <m:ctrlPr>
+                              <a:rPr lang="en-US" i="1">
+                                <a:latin typeface="Cambria Math" panose="02040503050406030204" pitchFamily="18" charset="0"/>
+                              </a:rPr>
+                            </m:ctrlPr>
+                          </m:dPr>
+                          <m:e>
+                            <m:r>
+                              <a:rPr lang="en-US" i="1">
+                                <a:latin typeface="Cambria Math" panose="02040503050406030204" pitchFamily="18" charset="0"/>
+                              </a:rPr>
+                              <m:t>−1</m:t>
+                            </m:r>
+                          </m:e>
+                        </m:d>
+                      </m:e>
+                      <m:sup>
+                        <m:sSub>
+                          <m:sSubPr>
+                            <m:ctrlPr>
+                              <a:rPr lang="en-US" i="1">
+                                <a:latin typeface="Cambria Math" panose="02040503050406030204" pitchFamily="18" charset="0"/>
+                              </a:rPr>
+                            </m:ctrlPr>
+                          </m:sSubPr>
+                          <m:e>
+                            <m:r>
+                              <a:rPr lang="en-US" b="0" i="1" smtClean="0">
+                                <a:latin typeface="Cambria Math" panose="02040503050406030204" pitchFamily="18" charset="0"/>
+                              </a:rPr>
+                              <m:t>𝑏</m:t>
+                            </m:r>
+                          </m:e>
+                          <m:sub>
+                            <m:r>
+                              <a:rPr lang="en-US" i="1">
+                                <a:latin typeface="Cambria Math" panose="02040503050406030204" pitchFamily="18" charset="0"/>
+                              </a:rPr>
+                              <m:t>0</m:t>
+                            </m:r>
+                          </m:sub>
+                        </m:sSub>
+                      </m:sup>
+                    </m:sSup>
+                  </m:oMath>
+                </a14:m>
+                <a:r>
+                  <a:rPr lang="en-US" dirty="0"/>
+                  <a:t>, </a:t>
+                </a:r>
+                <a14:m>
+                  <m:oMath xmlns:m="http://schemas.openxmlformats.org/officeDocument/2006/math">
+                    <m:sSub>
+                      <m:sSubPr>
+                        <m:ctrlPr>
+                          <a:rPr lang="en-US" i="1">
+                            <a:latin typeface="Cambria Math" panose="02040503050406030204" pitchFamily="18" charset="0"/>
+                          </a:rPr>
+                        </m:ctrlPr>
+                      </m:sSubPr>
+                      <m:e>
+                        <m:r>
+                          <a:rPr lang="en-US" b="0" i="1" smtClean="0">
+                            <a:latin typeface="Cambria Math" panose="02040503050406030204" pitchFamily="18" charset="0"/>
+                          </a:rPr>
+                          <m:t>𝐵</m:t>
+                        </m:r>
+                      </m:e>
+                      <m:sub>
+                        <m:r>
+                          <a:rPr lang="en-US" b="0" i="1" smtClean="0">
+                            <a:latin typeface="Cambria Math" panose="02040503050406030204" pitchFamily="18" charset="0"/>
+                          </a:rPr>
+                          <m:t>1</m:t>
+                        </m:r>
+                      </m:sub>
+                    </m:sSub>
+                    <m:r>
+                      <a:rPr lang="en-US" i="1">
+                        <a:latin typeface="Cambria Math" panose="02040503050406030204" pitchFamily="18" charset="0"/>
+                      </a:rPr>
+                      <m:t>=</m:t>
+                    </m:r>
+                    <m:sSup>
+                      <m:sSupPr>
+                        <m:ctrlPr>
+                          <a:rPr lang="en-US" i="1">
+                            <a:latin typeface="Cambria Math" panose="02040503050406030204" pitchFamily="18" charset="0"/>
+                          </a:rPr>
+                        </m:ctrlPr>
+                      </m:sSupPr>
+                      <m:e>
+                        <m:d>
+                          <m:dPr>
+                            <m:ctrlPr>
+                              <a:rPr lang="en-US" i="1">
+                                <a:latin typeface="Cambria Math" panose="02040503050406030204" pitchFamily="18" charset="0"/>
+                              </a:rPr>
+                            </m:ctrlPr>
+                          </m:dPr>
+                          <m:e>
+                            <m:r>
+                              <a:rPr lang="en-US" i="1">
+                                <a:latin typeface="Cambria Math" panose="02040503050406030204" pitchFamily="18" charset="0"/>
+                              </a:rPr>
+                              <m:t>−1</m:t>
+                            </m:r>
+                          </m:e>
+                        </m:d>
+                      </m:e>
+                      <m:sup>
+                        <m:sSub>
+                          <m:sSubPr>
+                            <m:ctrlPr>
+                              <a:rPr lang="en-US" i="1">
+                                <a:latin typeface="Cambria Math" panose="02040503050406030204" pitchFamily="18" charset="0"/>
+                              </a:rPr>
+                            </m:ctrlPr>
+                          </m:sSubPr>
+                          <m:e>
+                            <m:r>
+                              <a:rPr lang="en-US" b="0" i="1" smtClean="0">
+                                <a:latin typeface="Cambria Math" panose="02040503050406030204" pitchFamily="18" charset="0"/>
+                              </a:rPr>
+                              <m:t>𝑏</m:t>
+                            </m:r>
+                          </m:e>
+                          <m:sub>
+                            <m:r>
+                              <a:rPr lang="en-US" b="0" i="1" smtClean="0">
+                                <a:latin typeface="Cambria Math" panose="02040503050406030204" pitchFamily="18" charset="0"/>
+                              </a:rPr>
+                              <m:t>1</m:t>
+                            </m:r>
+                          </m:sub>
+                        </m:sSub>
+                      </m:sup>
+                    </m:sSup>
+                  </m:oMath>
+                </a14:m>
+                <a:r>
+                  <a:rPr lang="en-US" dirty="0"/>
+                  <a:t> </a:t>
+                </a:r>
+              </a:p>
+            </p:txBody>
+          </p:sp>
+        </mc:Choice>
+        <mc:Fallback>
+          <p:sp>
+            <p:nvSpPr>
+              <p:cNvPr id="12" name="TextBox 11">
+                <a:extLst>
+                  <a:ext uri="{FF2B5EF4-FFF2-40B4-BE49-F238E27FC236}">
+                    <a16:creationId xmlns:a16="http://schemas.microsoft.com/office/drawing/2014/main" id="{A6DB215C-E0CA-3955-AA50-B7C662773EBC}"/>
+                  </a:ext>
+                </a:extLst>
+              </p:cNvPr>
+              <p:cNvSpPr txBox="1">
+                <a:spLocks noRot="1" noChangeAspect="1" noMove="1" noResize="1" noEditPoints="1" noAdjustHandles="1" noChangeArrowheads="1" noChangeShapeType="1" noTextEdit="1"/>
+              </p:cNvSpPr>
+              <p:nvPr/>
+            </p:nvSpPr>
+            <p:spPr>
+              <a:xfrm>
+                <a:off x="1611824" y="3199527"/>
+                <a:ext cx="6341351" cy="374270"/>
+              </a:xfrm>
+              <a:prstGeom prst="rect">
+                <a:avLst/>
+              </a:prstGeom>
+              <a:blipFill>
+                <a:blip r:embed="rId6"/>
+                <a:stretch>
+                  <a:fillRect l="-798" t="-10000" b="-23333"/>
+                </a:stretch>
+              </a:blipFill>
+            </p:spPr>
+            <p:txBody>
+              <a:bodyPr/>
+              <a:lstStyle/>
+              <a:p>
+                <a:r>
+                  <a:rPr lang="en-US">
+                    <a:noFill/>
+                  </a:rPr>
+                  <a:t> </a:t>
+                </a:r>
+              </a:p>
+            </p:txBody>
+          </p:sp>
+        </mc:Fallback>
+      </mc:AlternateContent>
+      <mc:AlternateContent xmlns:mc="http://schemas.openxmlformats.org/markup-compatibility/2006">
+        <mc:Choice xmlns:a14="http://schemas.microsoft.com/office/drawing/2010/main" Requires="a14">
+          <p:sp>
+            <p:nvSpPr>
+              <p:cNvPr id="13" name="TextBox 12">
+                <a:extLst>
+                  <a:ext uri="{FF2B5EF4-FFF2-40B4-BE49-F238E27FC236}">
+                    <a16:creationId xmlns:a16="http://schemas.microsoft.com/office/drawing/2014/main" id="{BB3D0ADD-AB22-BD21-64F5-7EC30E38474E}"/>
+                  </a:ext>
+                </a:extLst>
+              </p:cNvPr>
+              <p:cNvSpPr txBox="1"/>
+              <p:nvPr/>
+            </p:nvSpPr>
+            <p:spPr>
+              <a:xfrm>
+                <a:off x="1611824" y="3799582"/>
+                <a:ext cx="5590185" cy="369332"/>
+              </a:xfrm>
+              <a:prstGeom prst="rect">
+                <a:avLst/>
+              </a:prstGeom>
+              <a:noFill/>
+            </p:spPr>
+            <p:txBody>
+              <a:bodyPr wrap="none" rtlCol="0">
+                <a:spAutoFit/>
+              </a:bodyPr>
+              <a:lstStyle/>
+              <a:p>
+                <a:r>
+                  <a:rPr lang="en-US" dirty="0"/>
+                  <a:t>Bell / CHSH inequality: </a:t>
+                </a:r>
+                <a14:m>
+                  <m:oMath xmlns:m="http://schemas.openxmlformats.org/officeDocument/2006/math">
+                    <m:sSub>
+                      <m:sSubPr>
+                        <m:ctrlPr>
+                          <a:rPr lang="en-US" b="0" i="1" smtClean="0">
+                            <a:latin typeface="Cambria Math" panose="02040503050406030204" pitchFamily="18" charset="0"/>
+                          </a:rPr>
+                        </m:ctrlPr>
+                      </m:sSubPr>
+                      <m:e>
+                        <m:r>
+                          <a:rPr lang="en-US" b="0" i="1" smtClean="0">
+                            <a:latin typeface="Cambria Math" panose="02040503050406030204" pitchFamily="18" charset="0"/>
+                          </a:rPr>
+                          <m:t>𝐴</m:t>
+                        </m:r>
+                      </m:e>
+                      <m:sub>
+                        <m:r>
+                          <a:rPr lang="en-US" b="0" i="1" smtClean="0">
+                            <a:latin typeface="Cambria Math" panose="02040503050406030204" pitchFamily="18" charset="0"/>
+                          </a:rPr>
+                          <m:t>0</m:t>
+                        </m:r>
+                      </m:sub>
+                    </m:sSub>
+                    <m:sSub>
+                      <m:sSubPr>
+                        <m:ctrlPr>
+                          <a:rPr lang="en-US" b="0" i="1" smtClean="0">
+                            <a:latin typeface="Cambria Math" panose="02040503050406030204" pitchFamily="18" charset="0"/>
+                          </a:rPr>
+                        </m:ctrlPr>
+                      </m:sSubPr>
+                      <m:e>
+                        <m:r>
+                          <a:rPr lang="en-US" b="0" i="1" smtClean="0">
+                            <a:latin typeface="Cambria Math" panose="02040503050406030204" pitchFamily="18" charset="0"/>
+                          </a:rPr>
+                          <m:t>𝐵</m:t>
+                        </m:r>
+                      </m:e>
+                      <m:sub>
+                        <m:r>
+                          <a:rPr lang="en-US" b="0" i="1" smtClean="0">
+                            <a:latin typeface="Cambria Math" panose="02040503050406030204" pitchFamily="18" charset="0"/>
+                          </a:rPr>
+                          <m:t>0</m:t>
+                        </m:r>
+                      </m:sub>
+                    </m:sSub>
+                    <m:r>
+                      <a:rPr lang="en-US" b="0" i="1" smtClean="0">
+                        <a:latin typeface="Cambria Math" panose="02040503050406030204" pitchFamily="18" charset="0"/>
+                      </a:rPr>
+                      <m:t>+</m:t>
+                    </m:r>
+                    <m:sSub>
+                      <m:sSubPr>
+                        <m:ctrlPr>
+                          <a:rPr lang="en-US" b="0" i="1" smtClean="0">
+                            <a:latin typeface="Cambria Math" panose="02040503050406030204" pitchFamily="18" charset="0"/>
+                          </a:rPr>
+                        </m:ctrlPr>
+                      </m:sSubPr>
+                      <m:e>
+                        <m:r>
+                          <a:rPr lang="en-US" b="0" i="1" smtClean="0">
+                            <a:latin typeface="Cambria Math" panose="02040503050406030204" pitchFamily="18" charset="0"/>
+                          </a:rPr>
+                          <m:t>𝐴</m:t>
+                        </m:r>
+                      </m:e>
+                      <m:sub>
+                        <m:r>
+                          <a:rPr lang="en-US" b="0" i="1" smtClean="0">
+                            <a:latin typeface="Cambria Math" panose="02040503050406030204" pitchFamily="18" charset="0"/>
+                          </a:rPr>
+                          <m:t>0</m:t>
+                        </m:r>
+                      </m:sub>
+                    </m:sSub>
+                    <m:sSub>
+                      <m:sSubPr>
+                        <m:ctrlPr>
+                          <a:rPr lang="en-US" b="0" i="1" smtClean="0">
+                            <a:latin typeface="Cambria Math" panose="02040503050406030204" pitchFamily="18" charset="0"/>
+                          </a:rPr>
+                        </m:ctrlPr>
+                      </m:sSubPr>
+                      <m:e>
+                        <m:r>
+                          <a:rPr lang="en-US" b="0" i="1" smtClean="0">
+                            <a:latin typeface="Cambria Math" panose="02040503050406030204" pitchFamily="18" charset="0"/>
+                          </a:rPr>
+                          <m:t>𝐵</m:t>
+                        </m:r>
+                      </m:e>
+                      <m:sub>
+                        <m:r>
+                          <a:rPr lang="en-US" b="0" i="1" smtClean="0">
+                            <a:latin typeface="Cambria Math" panose="02040503050406030204" pitchFamily="18" charset="0"/>
+                          </a:rPr>
+                          <m:t>1</m:t>
+                        </m:r>
+                      </m:sub>
+                    </m:sSub>
+                    <m:r>
+                      <a:rPr lang="en-US" b="0" i="1" smtClean="0">
+                        <a:latin typeface="Cambria Math" panose="02040503050406030204" pitchFamily="18" charset="0"/>
+                      </a:rPr>
+                      <m:t>+</m:t>
+                    </m:r>
+                    <m:sSub>
+                      <m:sSubPr>
+                        <m:ctrlPr>
+                          <a:rPr lang="en-US" b="0" i="1" smtClean="0">
+                            <a:latin typeface="Cambria Math" panose="02040503050406030204" pitchFamily="18" charset="0"/>
+                          </a:rPr>
+                        </m:ctrlPr>
+                      </m:sSubPr>
+                      <m:e>
+                        <m:r>
+                          <a:rPr lang="en-US" b="0" i="1" smtClean="0">
+                            <a:latin typeface="Cambria Math" panose="02040503050406030204" pitchFamily="18" charset="0"/>
+                          </a:rPr>
+                          <m:t>𝐴</m:t>
+                        </m:r>
+                      </m:e>
+                      <m:sub>
+                        <m:r>
+                          <a:rPr lang="en-US" b="0" i="1" smtClean="0">
+                            <a:latin typeface="Cambria Math" panose="02040503050406030204" pitchFamily="18" charset="0"/>
+                          </a:rPr>
+                          <m:t>1</m:t>
+                        </m:r>
+                      </m:sub>
+                    </m:sSub>
+                    <m:sSub>
+                      <m:sSubPr>
+                        <m:ctrlPr>
+                          <a:rPr lang="en-US" b="0" i="1" smtClean="0">
+                            <a:latin typeface="Cambria Math" panose="02040503050406030204" pitchFamily="18" charset="0"/>
+                          </a:rPr>
+                        </m:ctrlPr>
+                      </m:sSubPr>
+                      <m:e>
+                        <m:r>
+                          <a:rPr lang="en-US" b="0" i="1" smtClean="0">
+                            <a:latin typeface="Cambria Math" panose="02040503050406030204" pitchFamily="18" charset="0"/>
+                          </a:rPr>
+                          <m:t>𝐵</m:t>
+                        </m:r>
+                      </m:e>
+                      <m:sub>
+                        <m:r>
+                          <a:rPr lang="en-US" b="0" i="1" smtClean="0">
+                            <a:latin typeface="Cambria Math" panose="02040503050406030204" pitchFamily="18" charset="0"/>
+                          </a:rPr>
+                          <m:t>0</m:t>
+                        </m:r>
+                      </m:sub>
+                    </m:sSub>
+                    <m:r>
+                      <a:rPr lang="en-US" b="0" i="1" smtClean="0">
+                        <a:latin typeface="Cambria Math" panose="02040503050406030204" pitchFamily="18" charset="0"/>
+                      </a:rPr>
+                      <m:t>−</m:t>
+                    </m:r>
+                    <m:sSub>
+                      <m:sSubPr>
+                        <m:ctrlPr>
+                          <a:rPr lang="en-US" b="0" i="1" smtClean="0">
+                            <a:latin typeface="Cambria Math" panose="02040503050406030204" pitchFamily="18" charset="0"/>
+                          </a:rPr>
+                        </m:ctrlPr>
+                      </m:sSubPr>
+                      <m:e>
+                        <m:r>
+                          <a:rPr lang="en-US" b="0" i="1" smtClean="0">
+                            <a:latin typeface="Cambria Math" panose="02040503050406030204" pitchFamily="18" charset="0"/>
+                          </a:rPr>
+                          <m:t>𝐴</m:t>
+                        </m:r>
+                      </m:e>
+                      <m:sub>
+                        <m:r>
+                          <a:rPr lang="en-US" b="0" i="1" smtClean="0">
+                            <a:latin typeface="Cambria Math" panose="02040503050406030204" pitchFamily="18" charset="0"/>
+                          </a:rPr>
+                          <m:t>1</m:t>
+                        </m:r>
+                      </m:sub>
+                    </m:sSub>
+                    <m:sSub>
+                      <m:sSubPr>
+                        <m:ctrlPr>
+                          <a:rPr lang="en-US" b="0" i="1" smtClean="0">
+                            <a:latin typeface="Cambria Math" panose="02040503050406030204" pitchFamily="18" charset="0"/>
+                          </a:rPr>
+                        </m:ctrlPr>
+                      </m:sSubPr>
+                      <m:e>
+                        <m:r>
+                          <a:rPr lang="en-US" b="0" i="1" smtClean="0">
+                            <a:latin typeface="Cambria Math" panose="02040503050406030204" pitchFamily="18" charset="0"/>
+                          </a:rPr>
+                          <m:t>𝐵</m:t>
+                        </m:r>
+                      </m:e>
+                      <m:sub>
+                        <m:r>
+                          <a:rPr lang="en-US" b="0" i="1" smtClean="0">
+                            <a:latin typeface="Cambria Math" panose="02040503050406030204" pitchFamily="18" charset="0"/>
+                          </a:rPr>
+                          <m:t>1</m:t>
+                        </m:r>
+                      </m:sub>
+                    </m:sSub>
+                    <m:r>
+                      <a:rPr lang="en-US" b="0" i="1" smtClean="0">
+                        <a:latin typeface="Cambria Math" panose="02040503050406030204" pitchFamily="18" charset="0"/>
+                      </a:rPr>
+                      <m:t>≤2</m:t>
+                    </m:r>
+                  </m:oMath>
+                </a14:m>
+                <a:endParaRPr lang="en-US" dirty="0"/>
+              </a:p>
+            </p:txBody>
+          </p:sp>
+        </mc:Choice>
+        <mc:Fallback>
+          <p:sp>
+            <p:nvSpPr>
+              <p:cNvPr id="13" name="TextBox 12">
+                <a:extLst>
+                  <a:ext uri="{FF2B5EF4-FFF2-40B4-BE49-F238E27FC236}">
+                    <a16:creationId xmlns:a16="http://schemas.microsoft.com/office/drawing/2014/main" id="{BB3D0ADD-AB22-BD21-64F5-7EC30E38474E}"/>
+                  </a:ext>
+                </a:extLst>
+              </p:cNvPr>
+              <p:cNvSpPr txBox="1">
+                <a:spLocks noRot="1" noChangeAspect="1" noMove="1" noResize="1" noEditPoints="1" noAdjustHandles="1" noChangeArrowheads="1" noChangeShapeType="1" noTextEdit="1"/>
+              </p:cNvSpPr>
+              <p:nvPr/>
+            </p:nvSpPr>
+            <p:spPr>
+              <a:xfrm>
+                <a:off x="1611824" y="3799582"/>
+                <a:ext cx="5590185" cy="369332"/>
+              </a:xfrm>
+              <a:prstGeom prst="rect">
+                <a:avLst/>
+              </a:prstGeom>
+              <a:blipFill>
+                <a:blip r:embed="rId7"/>
+                <a:stretch>
+                  <a:fillRect l="-907" t="-6667" b="-23333"/>
                 </a:stretch>
               </a:blipFill>
             </p:spPr>
@@ -4734,6 +6419,402 @@
     <p:extLst>
       <p:ext uri="{BB962C8B-B14F-4D97-AF65-F5344CB8AC3E}">
         <p14:creationId xmlns:p14="http://schemas.microsoft.com/office/powerpoint/2010/main" val="1885364459"/>
+      </p:ext>
+    </p:extLst>
+  </p:cSld>
+  <p:clrMapOvr>
+    <a:masterClrMapping/>
+  </p:clrMapOvr>
+</p:sld>
+</file>
+
+<file path=ppt/slides/slide3.xml><?xml version="1.0" encoding="utf-8"?>
+<p:sld xmlns:a="http://schemas.openxmlformats.org/drawingml/2006/main" xmlns:r="http://schemas.openxmlformats.org/officeDocument/2006/relationships" xmlns:p="http://schemas.openxmlformats.org/presentationml/2006/main">
+  <p:cSld>
+    <p:spTree>
+      <p:nvGrpSpPr>
+        <p:cNvPr id="1" name=""/>
+        <p:cNvGrpSpPr/>
+        <p:nvPr/>
+      </p:nvGrpSpPr>
+      <p:grpSpPr>
+        <a:xfrm>
+          <a:off x="0" y="0"/>
+          <a:ext cx="0" cy="0"/>
+          <a:chOff x="0" y="0"/>
+          <a:chExt cx="0" cy="0"/>
+        </a:xfrm>
+      </p:grpSpPr>
+      <p:sp>
+        <p:nvSpPr>
+          <p:cNvPr id="2" name="Title 1">
+            <a:extLst>
+              <a:ext uri="{FF2B5EF4-FFF2-40B4-BE49-F238E27FC236}">
+                <a16:creationId xmlns:a16="http://schemas.microsoft.com/office/drawing/2014/main" id="{760FFE53-4C0F-02B6-A5A4-EFEBD1D6F315}"/>
+              </a:ext>
+            </a:extLst>
+          </p:cNvPr>
+          <p:cNvSpPr>
+            <a:spLocks noGrp="1"/>
+          </p:cNvSpPr>
+          <p:nvPr>
+            <p:ph type="title"/>
+          </p:nvPr>
+        </p:nvSpPr>
+        <p:spPr>
+          <a:xfrm>
+            <a:off x="457200" y="383103"/>
+            <a:ext cx="8229600" cy="801290"/>
+          </a:xfrm>
+        </p:spPr>
+        <p:txBody>
+          <a:bodyPr/>
+          <a:lstStyle/>
+          <a:p>
+            <a:r>
+              <a:rPr lang="en-US" dirty="0"/>
+              <a:t>Project Objective</a:t>
+            </a:r>
+          </a:p>
+        </p:txBody>
+      </p:sp>
+      <p:sp>
+        <p:nvSpPr>
+          <p:cNvPr id="14" name="TextBox 13">
+            <a:extLst>
+              <a:ext uri="{FF2B5EF4-FFF2-40B4-BE49-F238E27FC236}">
+                <a16:creationId xmlns:a16="http://schemas.microsoft.com/office/drawing/2014/main" id="{C6CED6B7-D851-D454-0884-2788002D4709}"/>
+              </a:ext>
+            </a:extLst>
+          </p:cNvPr>
+          <p:cNvSpPr txBox="1"/>
+          <p:nvPr/>
+        </p:nvSpPr>
+        <p:spPr>
+          <a:xfrm>
+            <a:off x="619125" y="2526219"/>
+            <a:ext cx="2670539" cy="369332"/>
+          </a:xfrm>
+          <a:prstGeom prst="rect">
+            <a:avLst/>
+          </a:prstGeom>
+          <a:noFill/>
+        </p:spPr>
+        <p:txBody>
+          <a:bodyPr wrap="none" rtlCol="0">
+            <a:spAutoFit/>
+          </a:bodyPr>
+          <a:lstStyle/>
+          <a:p>
+            <a:r>
+              <a:rPr lang="en-US" dirty="0"/>
+              <a:t>Given the following states:</a:t>
+            </a:r>
+          </a:p>
+        </p:txBody>
+      </p:sp>
+      <p:pic>
+        <p:nvPicPr>
+          <p:cNvPr id="16" name="Picture 15" descr="A math equation with numbers and symbols&#10;&#10;Description automatically generated">
+            <a:extLst>
+              <a:ext uri="{FF2B5EF4-FFF2-40B4-BE49-F238E27FC236}">
+                <a16:creationId xmlns:a16="http://schemas.microsoft.com/office/drawing/2014/main" id="{5FA20E90-9641-A14C-C863-49A0676CE1A7}"/>
+              </a:ext>
+            </a:extLst>
+          </p:cNvPr>
+          <p:cNvPicPr>
+            <a:picLocks noChangeAspect="1"/>
+          </p:cNvPicPr>
+          <p:nvPr/>
+        </p:nvPicPr>
+        <p:blipFill>
+          <a:blip r:embed="rId3"/>
+          <a:stretch>
+            <a:fillRect/>
+          </a:stretch>
+        </p:blipFill>
+        <p:spPr>
+          <a:xfrm>
+            <a:off x="1704974" y="2801208"/>
+            <a:ext cx="1946639" cy="542647"/>
+          </a:xfrm>
+          <a:prstGeom prst="rect">
+            <a:avLst/>
+          </a:prstGeom>
+        </p:spPr>
+      </p:pic>
+      <p:pic>
+        <p:nvPicPr>
+          <p:cNvPr id="18" name="Picture 17">
+            <a:extLst>
+              <a:ext uri="{FF2B5EF4-FFF2-40B4-BE49-F238E27FC236}">
+                <a16:creationId xmlns:a16="http://schemas.microsoft.com/office/drawing/2014/main" id="{9CC3A176-F6A7-CE78-0E7A-1FA0569B3831}"/>
+              </a:ext>
+            </a:extLst>
+          </p:cNvPr>
+          <p:cNvPicPr>
+            <a:picLocks noChangeAspect="1"/>
+          </p:cNvPicPr>
+          <p:nvPr/>
+        </p:nvPicPr>
+        <p:blipFill>
+          <a:blip r:embed="rId4"/>
+          <a:stretch>
+            <a:fillRect/>
+          </a:stretch>
+        </p:blipFill>
+        <p:spPr>
+          <a:xfrm>
+            <a:off x="4232275" y="2777762"/>
+            <a:ext cx="3965575" cy="468659"/>
+          </a:xfrm>
+          <a:prstGeom prst="rect">
+            <a:avLst/>
+          </a:prstGeom>
+        </p:spPr>
+      </p:pic>
+      <p:pic>
+        <p:nvPicPr>
+          <p:cNvPr id="20" name="Picture 19" descr="A black text on a white background&#10;&#10;Description automatically generated">
+            <a:extLst>
+              <a:ext uri="{FF2B5EF4-FFF2-40B4-BE49-F238E27FC236}">
+                <a16:creationId xmlns:a16="http://schemas.microsoft.com/office/drawing/2014/main" id="{CE300440-EE73-1FBD-99A3-B4C97ADCE794}"/>
+              </a:ext>
+            </a:extLst>
+          </p:cNvPr>
+          <p:cNvPicPr>
+            <a:picLocks noChangeAspect="1"/>
+          </p:cNvPicPr>
+          <p:nvPr/>
+        </p:nvPicPr>
+        <p:blipFill>
+          <a:blip r:embed="rId5"/>
+          <a:stretch>
+            <a:fillRect/>
+          </a:stretch>
+        </p:blipFill>
+        <p:spPr>
+          <a:xfrm>
+            <a:off x="1727200" y="3383987"/>
+            <a:ext cx="2095500" cy="535214"/>
+          </a:xfrm>
+          <a:prstGeom prst="rect">
+            <a:avLst/>
+          </a:prstGeom>
+        </p:spPr>
+      </p:pic>
+      <p:pic>
+        <p:nvPicPr>
+          <p:cNvPr id="22" name="Picture 21">
+            <a:extLst>
+              <a:ext uri="{FF2B5EF4-FFF2-40B4-BE49-F238E27FC236}">
+                <a16:creationId xmlns:a16="http://schemas.microsoft.com/office/drawing/2014/main" id="{3241DE71-C1B1-A0C8-4428-70058B712CD8}"/>
+              </a:ext>
+            </a:extLst>
+          </p:cNvPr>
+          <p:cNvPicPr>
+            <a:picLocks noChangeAspect="1"/>
+          </p:cNvPicPr>
+          <p:nvPr/>
+        </p:nvPicPr>
+        <p:blipFill>
+          <a:blip r:embed="rId6"/>
+          <a:stretch>
+            <a:fillRect/>
+          </a:stretch>
+        </p:blipFill>
+        <p:spPr>
+          <a:xfrm>
+            <a:off x="4232275" y="3450662"/>
+            <a:ext cx="3698875" cy="361942"/>
+          </a:xfrm>
+          <a:prstGeom prst="rect">
+            <a:avLst/>
+          </a:prstGeom>
+        </p:spPr>
+      </p:pic>
+      <p:sp>
+        <p:nvSpPr>
+          <p:cNvPr id="23" name="TextBox 22">
+            <a:extLst>
+              <a:ext uri="{FF2B5EF4-FFF2-40B4-BE49-F238E27FC236}">
+                <a16:creationId xmlns:a16="http://schemas.microsoft.com/office/drawing/2014/main" id="{5144FCBC-8C53-0F6D-CE4D-FACEEA5FDD95}"/>
+              </a:ext>
+            </a:extLst>
+          </p:cNvPr>
+          <p:cNvSpPr txBox="1"/>
+          <p:nvPr/>
+        </p:nvSpPr>
+        <p:spPr>
+          <a:xfrm>
+            <a:off x="621457" y="3982646"/>
+            <a:ext cx="7309693" cy="923330"/>
+          </a:xfrm>
+          <a:prstGeom prst="rect">
+            <a:avLst/>
+          </a:prstGeom>
+          <a:noFill/>
+        </p:spPr>
+        <p:txBody>
+          <a:bodyPr wrap="none" rtlCol="0">
+            <a:spAutoFit/>
+          </a:bodyPr>
+          <a:lstStyle/>
+          <a:p>
+            <a:r>
+              <a:rPr lang="en-US" dirty="0"/>
+              <a:t>Goal: Simulate Bell tests with noise to answer:</a:t>
+            </a:r>
+          </a:p>
+          <a:p>
+            <a:pPr marL="285750" indent="-285750">
+              <a:buFont typeface="Arial" panose="020B0604020202020204" pitchFamily="34" charset="0"/>
+              <a:buChar char="•"/>
+            </a:pPr>
+            <a:r>
+              <a:rPr lang="en-US" dirty="0"/>
+              <a:t>Which states violate Bell inequality ?</a:t>
+            </a:r>
+          </a:p>
+          <a:p>
+            <a:pPr marL="285750" indent="-285750">
+              <a:buFont typeface="Arial" panose="020B0604020202020204" pitchFamily="34" charset="0"/>
+              <a:buChar char="•"/>
+            </a:pPr>
+            <a:r>
+              <a:rPr lang="en-US" dirty="0"/>
+              <a:t>How do detector imperfections impact S, fidelity, and coincidence rates ?</a:t>
+            </a:r>
+          </a:p>
+        </p:txBody>
+      </p:sp>
+      <p:pic>
+        <p:nvPicPr>
+          <p:cNvPr id="24" name="Picture 23" descr="A diagram of a system&#10;&#10;Description automatically generated">
+            <a:extLst>
+              <a:ext uri="{FF2B5EF4-FFF2-40B4-BE49-F238E27FC236}">
+                <a16:creationId xmlns:a16="http://schemas.microsoft.com/office/drawing/2014/main" id="{0950D6A1-FD57-54B9-BB9E-669C51F9FFA8}"/>
+              </a:ext>
+            </a:extLst>
+          </p:cNvPr>
+          <p:cNvPicPr>
+            <a:picLocks noChangeAspect="1"/>
+          </p:cNvPicPr>
+          <p:nvPr/>
+        </p:nvPicPr>
+        <p:blipFill>
+          <a:blip r:embed="rId7"/>
+          <a:stretch>
+            <a:fillRect/>
+          </a:stretch>
+        </p:blipFill>
+        <p:spPr>
+          <a:xfrm>
+            <a:off x="2692580" y="1206325"/>
+            <a:ext cx="3965576" cy="1391264"/>
+          </a:xfrm>
+          <a:prstGeom prst="rect">
+            <a:avLst/>
+          </a:prstGeom>
+        </p:spPr>
+      </p:pic>
+    </p:spTree>
+    <p:extLst>
+      <p:ext uri="{BB962C8B-B14F-4D97-AF65-F5344CB8AC3E}">
+        <p14:creationId xmlns:p14="http://schemas.microsoft.com/office/powerpoint/2010/main" val="1327969862"/>
+      </p:ext>
+    </p:extLst>
+  </p:cSld>
+  <p:clrMapOvr>
+    <a:masterClrMapping/>
+  </p:clrMapOvr>
+</p:sld>
+</file>
+
+<file path=ppt/slides/slide4.xml><?xml version="1.0" encoding="utf-8"?>
+<p:sld xmlns:a="http://schemas.openxmlformats.org/drawingml/2006/main" xmlns:r="http://schemas.openxmlformats.org/officeDocument/2006/relationships" xmlns:p="http://schemas.openxmlformats.org/presentationml/2006/main">
+  <p:cSld>
+    <p:spTree>
+      <p:nvGrpSpPr>
+        <p:cNvPr id="1" name=""/>
+        <p:cNvGrpSpPr/>
+        <p:nvPr/>
+      </p:nvGrpSpPr>
+      <p:grpSpPr>
+        <a:xfrm>
+          <a:off x="0" y="0"/>
+          <a:ext cx="0" cy="0"/>
+          <a:chOff x="0" y="0"/>
+          <a:chExt cx="0" cy="0"/>
+        </a:xfrm>
+      </p:grpSpPr>
+      <p:sp>
+        <p:nvSpPr>
+          <p:cNvPr id="2" name="Title 1">
+            <a:extLst>
+              <a:ext uri="{FF2B5EF4-FFF2-40B4-BE49-F238E27FC236}">
+                <a16:creationId xmlns:a16="http://schemas.microsoft.com/office/drawing/2014/main" id="{760FFE53-4C0F-02B6-A5A4-EFEBD1D6F315}"/>
+              </a:ext>
+            </a:extLst>
+          </p:cNvPr>
+          <p:cNvSpPr>
+            <a:spLocks noGrp="1"/>
+          </p:cNvSpPr>
+          <p:nvPr>
+            <p:ph type="title"/>
+          </p:nvPr>
+        </p:nvSpPr>
+        <p:spPr>
+          <a:xfrm>
+            <a:off x="457200" y="383103"/>
+            <a:ext cx="8229600" cy="801290"/>
+          </a:xfrm>
+        </p:spPr>
+        <p:txBody>
+          <a:bodyPr/>
+          <a:lstStyle/>
+          <a:p>
+            <a:r>
+              <a:rPr lang="en-US" dirty="0"/>
+              <a:t>Simulation Setup</a:t>
+            </a:r>
+          </a:p>
+        </p:txBody>
+      </p:sp>
+      <p:pic>
+        <p:nvPicPr>
+          <p:cNvPr id="4" name="Picture 3" descr="A diagram of a system&#10;&#10;Description automatically generated">
+            <a:extLst>
+              <a:ext uri="{FF2B5EF4-FFF2-40B4-BE49-F238E27FC236}">
+                <a16:creationId xmlns:a16="http://schemas.microsoft.com/office/drawing/2014/main" id="{23ADD5D8-0CDC-AE01-0860-35641FFA5B47}"/>
+              </a:ext>
+            </a:extLst>
+          </p:cNvPr>
+          <p:cNvPicPr>
+            <a:picLocks noChangeAspect="1"/>
+          </p:cNvPicPr>
+          <p:nvPr/>
+        </p:nvPicPr>
+        <p:blipFill>
+          <a:blip r:embed="rId3"/>
+          <a:stretch>
+            <a:fillRect/>
+          </a:stretch>
+        </p:blipFill>
+        <p:spPr>
+          <a:xfrm>
+            <a:off x="2581275" y="1979872"/>
+            <a:ext cx="4127500" cy="1448073"/>
+          </a:xfrm>
+          <a:prstGeom prst="rect">
+            <a:avLst/>
+          </a:prstGeom>
+        </p:spPr>
+      </p:pic>
+    </p:spTree>
+    <p:extLst>
+      <p:ext uri="{BB962C8B-B14F-4D97-AF65-F5344CB8AC3E}">
+        <p14:creationId xmlns:p14="http://schemas.microsoft.com/office/powerpoint/2010/main" val="733337988"/>
       </p:ext>
     </p:extLst>
   </p:cSld>

--- a/Presentation.pptx
+++ b/Presentation.pptx
@@ -5,13 +5,15 @@
     <p:sldMasterId id="2147483648" r:id="rId4"/>
   </p:sldMasterIdLst>
   <p:notesMasterIdLst>
-    <p:notesMasterId r:id="rId9"/>
+    <p:notesMasterId r:id="rId11"/>
   </p:notesMasterIdLst>
   <p:sldIdLst>
     <p:sldId id="256" r:id="rId5"/>
     <p:sldId id="258" r:id="rId6"/>
     <p:sldId id="259" r:id="rId7"/>
     <p:sldId id="260" r:id="rId8"/>
+    <p:sldId id="261" r:id="rId9"/>
+    <p:sldId id="262" r:id="rId10"/>
   </p:sldIdLst>
   <p:sldSz cx="9144000" cy="5143500" type="screen16x9"/>
   <p:notesSz cx="6858000" cy="9144000"/>
@@ -900,6 +902,174 @@
     <p:extLst>
       <p:ext uri="{BB962C8B-B14F-4D97-AF65-F5344CB8AC3E}">
         <p14:creationId xmlns:p14="http://schemas.microsoft.com/office/powerpoint/2010/main" val="7918830"/>
+      </p:ext>
+    </p:extLst>
+  </p:cSld>
+  <p:clrMapOvr>
+    <a:masterClrMapping/>
+  </p:clrMapOvr>
+</p:notes>
+</file>
+
+<file path=ppt/notesSlides/notesSlide4.xml><?xml version="1.0" encoding="utf-8"?>
+<p:notes xmlns:a="http://schemas.openxmlformats.org/drawingml/2006/main" xmlns:r="http://schemas.openxmlformats.org/officeDocument/2006/relationships" xmlns:p="http://schemas.openxmlformats.org/presentationml/2006/main">
+  <p:cSld>
+    <p:spTree>
+      <p:nvGrpSpPr>
+        <p:cNvPr id="1" name=""/>
+        <p:cNvGrpSpPr/>
+        <p:nvPr/>
+      </p:nvGrpSpPr>
+      <p:grpSpPr>
+        <a:xfrm>
+          <a:off x="0" y="0"/>
+          <a:ext cx="0" cy="0"/>
+          <a:chOff x="0" y="0"/>
+          <a:chExt cx="0" cy="0"/>
+        </a:xfrm>
+      </p:grpSpPr>
+      <p:sp>
+        <p:nvSpPr>
+          <p:cNvPr id="2" name="Slide Image Placeholder 1"/>
+          <p:cNvSpPr>
+            <a:spLocks noGrp="1" noRot="1" noChangeAspect="1"/>
+          </p:cNvSpPr>
+          <p:nvPr>
+            <p:ph type="sldImg"/>
+          </p:nvPr>
+        </p:nvSpPr>
+        <p:spPr/>
+      </p:sp>
+      <p:sp>
+        <p:nvSpPr>
+          <p:cNvPr id="3" name="Notes Placeholder 2"/>
+          <p:cNvSpPr>
+            <a:spLocks noGrp="1"/>
+          </p:cNvSpPr>
+          <p:nvPr>
+            <p:ph type="body" idx="1"/>
+          </p:nvPr>
+        </p:nvSpPr>
+        <p:spPr/>
+        <p:txBody>
+          <a:bodyPr/>
+          <a:lstStyle/>
+          <a:p>
+            <a:endParaRPr lang="en-US" dirty="0"/>
+          </a:p>
+        </p:txBody>
+      </p:sp>
+      <p:sp>
+        <p:nvSpPr>
+          <p:cNvPr id="4" name="Slide Number Placeholder 3"/>
+          <p:cNvSpPr>
+            <a:spLocks noGrp="1"/>
+          </p:cNvSpPr>
+          <p:nvPr>
+            <p:ph type="sldNum" sz="quarter" idx="5"/>
+          </p:nvPr>
+        </p:nvSpPr>
+        <p:spPr/>
+        <p:txBody>
+          <a:bodyPr/>
+          <a:lstStyle/>
+          <a:p>
+            <a:fld id="{108821D2-09CE-4E96-A93C-4C539A3AF38C}" type="slidenum">
+              <a:rPr lang="en-US" smtClean="0"/>
+              <a:t>5</a:t>
+            </a:fld>
+            <a:endParaRPr lang="en-US"/>
+          </a:p>
+        </p:txBody>
+      </p:sp>
+    </p:spTree>
+    <p:extLst>
+      <p:ext uri="{BB962C8B-B14F-4D97-AF65-F5344CB8AC3E}">
+        <p14:creationId xmlns:p14="http://schemas.microsoft.com/office/powerpoint/2010/main" val="3608634464"/>
+      </p:ext>
+    </p:extLst>
+  </p:cSld>
+  <p:clrMapOvr>
+    <a:masterClrMapping/>
+  </p:clrMapOvr>
+</p:notes>
+</file>
+
+<file path=ppt/notesSlides/notesSlide5.xml><?xml version="1.0" encoding="utf-8"?>
+<p:notes xmlns:a="http://schemas.openxmlformats.org/drawingml/2006/main" xmlns:r="http://schemas.openxmlformats.org/officeDocument/2006/relationships" xmlns:p="http://schemas.openxmlformats.org/presentationml/2006/main">
+  <p:cSld>
+    <p:spTree>
+      <p:nvGrpSpPr>
+        <p:cNvPr id="1" name=""/>
+        <p:cNvGrpSpPr/>
+        <p:nvPr/>
+      </p:nvGrpSpPr>
+      <p:grpSpPr>
+        <a:xfrm>
+          <a:off x="0" y="0"/>
+          <a:ext cx="0" cy="0"/>
+          <a:chOff x="0" y="0"/>
+          <a:chExt cx="0" cy="0"/>
+        </a:xfrm>
+      </p:grpSpPr>
+      <p:sp>
+        <p:nvSpPr>
+          <p:cNvPr id="2" name="Slide Image Placeholder 1"/>
+          <p:cNvSpPr>
+            <a:spLocks noGrp="1" noRot="1" noChangeAspect="1"/>
+          </p:cNvSpPr>
+          <p:nvPr>
+            <p:ph type="sldImg"/>
+          </p:nvPr>
+        </p:nvSpPr>
+        <p:spPr/>
+      </p:sp>
+      <p:sp>
+        <p:nvSpPr>
+          <p:cNvPr id="3" name="Notes Placeholder 2"/>
+          <p:cNvSpPr>
+            <a:spLocks noGrp="1"/>
+          </p:cNvSpPr>
+          <p:nvPr>
+            <p:ph type="body" idx="1"/>
+          </p:nvPr>
+        </p:nvSpPr>
+        <p:spPr/>
+        <p:txBody>
+          <a:bodyPr/>
+          <a:lstStyle/>
+          <a:p>
+            <a:endParaRPr lang="en-US" dirty="0"/>
+          </a:p>
+        </p:txBody>
+      </p:sp>
+      <p:sp>
+        <p:nvSpPr>
+          <p:cNvPr id="4" name="Slide Number Placeholder 3"/>
+          <p:cNvSpPr>
+            <a:spLocks noGrp="1"/>
+          </p:cNvSpPr>
+          <p:nvPr>
+            <p:ph type="sldNum" sz="quarter" idx="5"/>
+          </p:nvPr>
+        </p:nvSpPr>
+        <p:spPr/>
+        <p:txBody>
+          <a:bodyPr/>
+          <a:lstStyle/>
+          <a:p>
+            <a:fld id="{108821D2-09CE-4E96-A93C-4C539A3AF38C}" type="slidenum">
+              <a:rPr lang="en-US" smtClean="0"/>
+              <a:t>6</a:t>
+            </a:fld>
+            <a:endParaRPr lang="en-US"/>
+          </a:p>
+        </p:txBody>
+      </p:sp>
+    </p:spTree>
+    <p:extLst>
+      <p:ext uri="{BB962C8B-B14F-4D97-AF65-F5344CB8AC3E}">
+        <p14:creationId xmlns:p14="http://schemas.microsoft.com/office/powerpoint/2010/main" val="2042069308"/>
       </p:ext>
     </p:extLst>
   </p:cSld>
@@ -6803,8 +6973,2892 @@
         </p:blipFill>
         <p:spPr>
           <a:xfrm>
-            <a:off x="2581275" y="1979872"/>
+            <a:off x="2790825" y="2132272"/>
             <a:ext cx="4127500" cy="1448073"/>
+          </a:xfrm>
+          <a:prstGeom prst="rect">
+            <a:avLst/>
+          </a:prstGeom>
+        </p:spPr>
+      </p:pic>
+      <p:cxnSp>
+        <p:nvCxnSpPr>
+          <p:cNvPr id="6" name="Straight Arrow Connector 5">
+            <a:extLst>
+              <a:ext uri="{FF2B5EF4-FFF2-40B4-BE49-F238E27FC236}">
+                <a16:creationId xmlns:a16="http://schemas.microsoft.com/office/drawing/2014/main" id="{ECBC1C33-A5D9-AA20-BD48-720132AF78E5}"/>
+              </a:ext>
+            </a:extLst>
+          </p:cNvPr>
+          <p:cNvCxnSpPr/>
+          <p:nvPr/>
+        </p:nvCxnSpPr>
+        <p:spPr>
+          <a:xfrm>
+            <a:off x="4781550" y="1790700"/>
+            <a:ext cx="0" cy="514350"/>
+          </a:xfrm>
+          <a:prstGeom prst="straightConnector1">
+            <a:avLst/>
+          </a:prstGeom>
+          <a:ln>
+            <a:tailEnd type="triangle"/>
+          </a:ln>
+        </p:spPr>
+        <p:style>
+          <a:lnRef idx="2">
+            <a:schemeClr val="accent1"/>
+          </a:lnRef>
+          <a:fillRef idx="0">
+            <a:schemeClr val="accent1"/>
+          </a:fillRef>
+          <a:effectRef idx="1">
+            <a:schemeClr val="accent1"/>
+          </a:effectRef>
+          <a:fontRef idx="minor">
+            <a:schemeClr val="tx1"/>
+          </a:fontRef>
+        </p:style>
+      </p:cxnSp>
+      <p:sp>
+        <p:nvSpPr>
+          <p:cNvPr id="9" name="TextBox 8">
+            <a:extLst>
+              <a:ext uri="{FF2B5EF4-FFF2-40B4-BE49-F238E27FC236}">
+                <a16:creationId xmlns:a16="http://schemas.microsoft.com/office/drawing/2014/main" id="{813E67BC-4EBA-12E5-3D5C-6D23ED855CC3}"/>
+              </a:ext>
+            </a:extLst>
+          </p:cNvPr>
+          <p:cNvSpPr txBox="1"/>
+          <p:nvPr/>
+        </p:nvSpPr>
+        <p:spPr>
+          <a:xfrm>
+            <a:off x="2880312" y="1499821"/>
+            <a:ext cx="4105291" cy="307777"/>
+          </a:xfrm>
+          <a:prstGeom prst="rect">
+            <a:avLst/>
+          </a:prstGeom>
+          <a:noFill/>
+        </p:spPr>
+        <p:txBody>
+          <a:bodyPr wrap="none" rtlCol="0">
+            <a:spAutoFit/>
+          </a:bodyPr>
+          <a:lstStyle/>
+          <a:p>
+            <a:r>
+              <a:rPr lang="en-US" sz="1400" dirty="0"/>
+              <a:t>Generate entangled photons at average 15000 pairs/s</a:t>
+            </a:r>
+          </a:p>
+        </p:txBody>
+      </p:sp>
+      <p:cxnSp>
+        <p:nvCxnSpPr>
+          <p:cNvPr id="10" name="Straight Arrow Connector 9">
+            <a:extLst>
+              <a:ext uri="{FF2B5EF4-FFF2-40B4-BE49-F238E27FC236}">
+                <a16:creationId xmlns:a16="http://schemas.microsoft.com/office/drawing/2014/main" id="{B113B229-83B5-1A25-4878-DBDCFA04FC41}"/>
+              </a:ext>
+            </a:extLst>
+          </p:cNvPr>
+          <p:cNvCxnSpPr>
+            <a:cxnSpLocks/>
+          </p:cNvCxnSpPr>
+          <p:nvPr/>
+        </p:nvCxnSpPr>
+        <p:spPr>
+          <a:xfrm>
+            <a:off x="2028825" y="2132272"/>
+            <a:ext cx="1266825" cy="344228"/>
+          </a:xfrm>
+          <a:prstGeom prst="straightConnector1">
+            <a:avLst/>
+          </a:prstGeom>
+          <a:ln>
+            <a:tailEnd type="triangle"/>
+          </a:ln>
+        </p:spPr>
+        <p:style>
+          <a:lnRef idx="2">
+            <a:schemeClr val="accent1"/>
+          </a:lnRef>
+          <a:fillRef idx="0">
+            <a:schemeClr val="accent1"/>
+          </a:fillRef>
+          <a:effectRef idx="1">
+            <a:schemeClr val="accent1"/>
+          </a:effectRef>
+          <a:fontRef idx="minor">
+            <a:schemeClr val="tx1"/>
+          </a:fontRef>
+        </p:style>
+      </p:cxnSp>
+      <mc:AlternateContent xmlns:mc="http://schemas.openxmlformats.org/markup-compatibility/2006">
+        <mc:Choice xmlns:a14="http://schemas.microsoft.com/office/drawing/2010/main" Requires="a14">
+          <p:sp>
+            <p:nvSpPr>
+              <p:cNvPr id="13" name="TextBox 12">
+                <a:extLst>
+                  <a:ext uri="{FF2B5EF4-FFF2-40B4-BE49-F238E27FC236}">
+                    <a16:creationId xmlns:a16="http://schemas.microsoft.com/office/drawing/2014/main" id="{0131C2C9-3193-1CFA-D382-244FA9EE280F}"/>
+                  </a:ext>
+                </a:extLst>
+              </p:cNvPr>
+              <p:cNvSpPr txBox="1"/>
+              <p:nvPr/>
+            </p:nvSpPr>
+            <p:spPr>
+              <a:xfrm>
+                <a:off x="111134" y="1833086"/>
+                <a:ext cx="2114541" cy="738664"/>
+              </a:xfrm>
+              <a:prstGeom prst="rect">
+                <a:avLst/>
+              </a:prstGeom>
+              <a:noFill/>
+            </p:spPr>
+            <p:txBody>
+              <a:bodyPr wrap="square" rtlCol="0">
+                <a:spAutoFit/>
+              </a:bodyPr>
+              <a:lstStyle/>
+              <a:p>
+                <a:r>
+                  <a:rPr lang="en-US" sz="1400" dirty="0"/>
+                  <a:t>10% detection efficiency</a:t>
+                </a:r>
+              </a:p>
+              <a:p>
+                <a:r>
+                  <a:rPr lang="en-US" sz="1400" dirty="0"/>
+                  <a:t>1000Hz Dark count rate</a:t>
+                </a:r>
+              </a:p>
+              <a:p>
+                <a:r>
+                  <a:rPr lang="en-US" sz="1400" dirty="0"/>
+                  <a:t>4 </a:t>
+                </a:r>
+                <a14:m>
+                  <m:oMath xmlns:m="http://schemas.openxmlformats.org/officeDocument/2006/math">
+                    <m:r>
+                      <a:rPr lang="en-US" sz="1400" b="0" i="1" smtClean="0">
+                        <a:latin typeface="Cambria Math" panose="02040503050406030204" pitchFamily="18" charset="0"/>
+                      </a:rPr>
+                      <m:t>𝜇</m:t>
+                    </m:r>
+                  </m:oMath>
+                </a14:m>
+                <a:r>
+                  <a:rPr lang="en-US" sz="1400" dirty="0"/>
+                  <a:t>s dead time</a:t>
+                </a:r>
+              </a:p>
+            </p:txBody>
+          </p:sp>
+        </mc:Choice>
+        <mc:Fallback>
+          <p:sp>
+            <p:nvSpPr>
+              <p:cNvPr id="13" name="TextBox 12">
+                <a:extLst>
+                  <a:ext uri="{FF2B5EF4-FFF2-40B4-BE49-F238E27FC236}">
+                    <a16:creationId xmlns:a16="http://schemas.microsoft.com/office/drawing/2014/main" id="{0131C2C9-3193-1CFA-D382-244FA9EE280F}"/>
+                  </a:ext>
+                </a:extLst>
+              </p:cNvPr>
+              <p:cNvSpPr txBox="1">
+                <a:spLocks noRot="1" noChangeAspect="1" noMove="1" noResize="1" noEditPoints="1" noAdjustHandles="1" noChangeArrowheads="1" noChangeShapeType="1" noTextEdit="1"/>
+              </p:cNvSpPr>
+              <p:nvPr/>
+            </p:nvSpPr>
+            <p:spPr>
+              <a:xfrm>
+                <a:off x="111134" y="1833086"/>
+                <a:ext cx="2114541" cy="738664"/>
+              </a:xfrm>
+              <a:prstGeom prst="rect">
+                <a:avLst/>
+              </a:prstGeom>
+              <a:blipFill>
+                <a:blip r:embed="rId4"/>
+                <a:stretch>
+                  <a:fillRect l="-595" t="-1695" b="-8475"/>
+                </a:stretch>
+              </a:blipFill>
+            </p:spPr>
+            <p:txBody>
+              <a:bodyPr/>
+              <a:lstStyle/>
+              <a:p>
+                <a:r>
+                  <a:rPr lang="en-US">
+                    <a:noFill/>
+                  </a:rPr>
+                  <a:t> </a:t>
+                </a:r>
+              </a:p>
+            </p:txBody>
+          </p:sp>
+        </mc:Fallback>
+      </mc:AlternateContent>
+      <p:cxnSp>
+        <p:nvCxnSpPr>
+          <p:cNvPr id="15" name="Straight Arrow Connector 14">
+            <a:extLst>
+              <a:ext uri="{FF2B5EF4-FFF2-40B4-BE49-F238E27FC236}">
+                <a16:creationId xmlns:a16="http://schemas.microsoft.com/office/drawing/2014/main" id="{32B25427-61B0-66A1-B4C2-A79F4BDD2EB0}"/>
+              </a:ext>
+            </a:extLst>
+          </p:cNvPr>
+          <p:cNvCxnSpPr>
+            <a:cxnSpLocks/>
+            <a:endCxn id="4" idx="2"/>
+          </p:cNvCxnSpPr>
+          <p:nvPr/>
+        </p:nvCxnSpPr>
+        <p:spPr>
+          <a:xfrm flipV="1">
+            <a:off x="4854575" y="3580345"/>
+            <a:ext cx="0" cy="467780"/>
+          </a:xfrm>
+          <a:prstGeom prst="straightConnector1">
+            <a:avLst/>
+          </a:prstGeom>
+          <a:ln>
+            <a:tailEnd type="triangle"/>
+          </a:ln>
+        </p:spPr>
+        <p:style>
+          <a:lnRef idx="2">
+            <a:schemeClr val="accent1"/>
+          </a:lnRef>
+          <a:fillRef idx="0">
+            <a:schemeClr val="accent1"/>
+          </a:fillRef>
+          <a:effectRef idx="1">
+            <a:schemeClr val="accent1"/>
+          </a:effectRef>
+          <a:fontRef idx="minor">
+            <a:schemeClr val="tx1"/>
+          </a:fontRef>
+        </p:style>
+      </p:cxnSp>
+      <mc:AlternateContent xmlns:mc="http://schemas.openxmlformats.org/markup-compatibility/2006">
+        <mc:Choice xmlns:a14="http://schemas.microsoft.com/office/drawing/2010/main" Requires="a14">
+          <p:sp>
+            <p:nvSpPr>
+              <p:cNvPr id="21" name="TextBox 20">
+                <a:extLst>
+                  <a:ext uri="{FF2B5EF4-FFF2-40B4-BE49-F238E27FC236}">
+                    <a16:creationId xmlns:a16="http://schemas.microsoft.com/office/drawing/2014/main" id="{434A7C4D-14BA-8D56-8241-5A3A27270DEB}"/>
+                  </a:ext>
+                </a:extLst>
+              </p:cNvPr>
+              <p:cNvSpPr txBox="1"/>
+              <p:nvPr/>
+            </p:nvSpPr>
+            <p:spPr>
+              <a:xfrm>
+                <a:off x="3751812" y="4048125"/>
+                <a:ext cx="2059475" cy="307777"/>
+              </a:xfrm>
+              <a:prstGeom prst="rect">
+                <a:avLst/>
+              </a:prstGeom>
+              <a:noFill/>
+            </p:spPr>
+            <p:txBody>
+              <a:bodyPr wrap="none" rtlCol="0">
+                <a:spAutoFit/>
+              </a:bodyPr>
+              <a:lstStyle/>
+              <a:p>
+                <a:r>
+                  <a:rPr lang="en-US" sz="1400" dirty="0"/>
+                  <a:t>1 </a:t>
+                </a:r>
+                <a14:m>
+                  <m:oMath xmlns:m="http://schemas.openxmlformats.org/officeDocument/2006/math">
+                    <m:r>
+                      <a:rPr lang="en-US" sz="1400" b="0" i="1" smtClean="0">
+                        <a:latin typeface="Cambria Math" panose="02040503050406030204" pitchFamily="18" charset="0"/>
+                      </a:rPr>
+                      <m:t>𝑛</m:t>
+                    </m:r>
+                  </m:oMath>
+                </a14:m>
+                <a:r>
+                  <a:rPr lang="en-US" sz="1400" dirty="0"/>
+                  <a:t>s coincidence window </a:t>
+                </a:r>
+              </a:p>
+            </p:txBody>
+          </p:sp>
+        </mc:Choice>
+        <mc:Fallback>
+          <p:sp>
+            <p:nvSpPr>
+              <p:cNvPr id="21" name="TextBox 20">
+                <a:extLst>
+                  <a:ext uri="{FF2B5EF4-FFF2-40B4-BE49-F238E27FC236}">
+                    <a16:creationId xmlns:a16="http://schemas.microsoft.com/office/drawing/2014/main" id="{434A7C4D-14BA-8D56-8241-5A3A27270DEB}"/>
+                  </a:ext>
+                </a:extLst>
+              </p:cNvPr>
+              <p:cNvSpPr txBox="1">
+                <a:spLocks noRot="1" noChangeAspect="1" noMove="1" noResize="1" noEditPoints="1" noAdjustHandles="1" noChangeArrowheads="1" noChangeShapeType="1" noTextEdit="1"/>
+              </p:cNvSpPr>
+              <p:nvPr/>
+            </p:nvSpPr>
+            <p:spPr>
+              <a:xfrm>
+                <a:off x="3751812" y="4048125"/>
+                <a:ext cx="2059475" cy="307777"/>
+              </a:xfrm>
+              <a:prstGeom prst="rect">
+                <a:avLst/>
+              </a:prstGeom>
+              <a:blipFill>
+                <a:blip r:embed="rId5"/>
+                <a:stretch>
+                  <a:fillRect l="-1227" t="-3846" b="-15385"/>
+                </a:stretch>
+              </a:blipFill>
+            </p:spPr>
+            <p:txBody>
+              <a:bodyPr/>
+              <a:lstStyle/>
+              <a:p>
+                <a:r>
+                  <a:rPr lang="en-US">
+                    <a:noFill/>
+                  </a:rPr>
+                  <a:t> </a:t>
+                </a:r>
+              </a:p>
+            </p:txBody>
+          </p:sp>
+        </mc:Fallback>
+      </mc:AlternateContent>
+      <p:cxnSp>
+        <p:nvCxnSpPr>
+          <p:cNvPr id="27" name="Straight Arrow Connector 26">
+            <a:extLst>
+              <a:ext uri="{FF2B5EF4-FFF2-40B4-BE49-F238E27FC236}">
+                <a16:creationId xmlns:a16="http://schemas.microsoft.com/office/drawing/2014/main" id="{5113EF51-10B2-421A-C5F1-CF5A25D3A845}"/>
+              </a:ext>
+            </a:extLst>
+          </p:cNvPr>
+          <p:cNvCxnSpPr>
+            <a:cxnSpLocks/>
+          </p:cNvCxnSpPr>
+          <p:nvPr/>
+        </p:nvCxnSpPr>
+        <p:spPr>
+          <a:xfrm flipV="1">
+            <a:off x="2028825" y="2657475"/>
+            <a:ext cx="1266825" cy="548640"/>
+          </a:xfrm>
+          <a:prstGeom prst="straightConnector1">
+            <a:avLst/>
+          </a:prstGeom>
+          <a:ln w="28575">
+            <a:tailEnd type="triangle"/>
+          </a:ln>
+        </p:spPr>
+        <p:style>
+          <a:lnRef idx="1">
+            <a:schemeClr val="accent6"/>
+          </a:lnRef>
+          <a:fillRef idx="0">
+            <a:schemeClr val="accent6"/>
+          </a:fillRef>
+          <a:effectRef idx="0">
+            <a:schemeClr val="accent6"/>
+          </a:effectRef>
+          <a:fontRef idx="minor">
+            <a:schemeClr val="tx1"/>
+          </a:fontRef>
+        </p:style>
+      </p:cxnSp>
+      <mc:AlternateContent xmlns:mc="http://schemas.openxmlformats.org/markup-compatibility/2006">
+        <mc:Choice xmlns:a14="http://schemas.microsoft.com/office/drawing/2010/main" Requires="a14">
+          <p:sp>
+            <p:nvSpPr>
+              <p:cNvPr id="29" name="TextBox 28">
+                <a:extLst>
+                  <a:ext uri="{FF2B5EF4-FFF2-40B4-BE49-F238E27FC236}">
+                    <a16:creationId xmlns:a16="http://schemas.microsoft.com/office/drawing/2014/main" id="{5571D5F7-8ED0-B2B7-985D-D8B9CDA0936A}"/>
+                  </a:ext>
+                </a:extLst>
+              </p:cNvPr>
+              <p:cNvSpPr txBox="1"/>
+              <p:nvPr/>
+            </p:nvSpPr>
+            <p:spPr>
+              <a:xfrm>
+                <a:off x="1370729" y="3188058"/>
+                <a:ext cx="939809" cy="369332"/>
+              </a:xfrm>
+              <a:prstGeom prst="rect">
+                <a:avLst/>
+              </a:prstGeom>
+              <a:noFill/>
+            </p:spPr>
+            <p:txBody>
+              <a:bodyPr wrap="none" rtlCol="0">
+                <a:spAutoFit/>
+              </a:bodyPr>
+              <a:lstStyle/>
+              <a:p>
+                <a:r>
+                  <a:rPr lang="en-US" dirty="0"/>
+                  <a:t>{0, </a:t>
+                </a:r>
+                <a14:m>
+                  <m:oMath xmlns:m="http://schemas.openxmlformats.org/officeDocument/2006/math">
+                    <m:r>
+                      <a:rPr lang="en-US" b="0" i="1" smtClean="0">
+                        <a:latin typeface="Cambria Math" panose="02040503050406030204" pitchFamily="18" charset="0"/>
+                      </a:rPr>
+                      <m:t>𝜋</m:t>
+                    </m:r>
+                    <m:r>
+                      <a:rPr lang="en-US" b="0" i="1" smtClean="0">
+                        <a:latin typeface="Cambria Math" panose="02040503050406030204" pitchFamily="18" charset="0"/>
+                      </a:rPr>
+                      <m:t>/4</m:t>
+                    </m:r>
+                  </m:oMath>
+                </a14:m>
+                <a:r>
+                  <a:rPr lang="en-US" dirty="0"/>
+                  <a:t>}</a:t>
+                </a:r>
+              </a:p>
+            </p:txBody>
+          </p:sp>
+        </mc:Choice>
+        <mc:Fallback>
+          <p:sp>
+            <p:nvSpPr>
+              <p:cNvPr id="29" name="TextBox 28">
+                <a:extLst>
+                  <a:ext uri="{FF2B5EF4-FFF2-40B4-BE49-F238E27FC236}">
+                    <a16:creationId xmlns:a16="http://schemas.microsoft.com/office/drawing/2014/main" id="{5571D5F7-8ED0-B2B7-985D-D8B9CDA0936A}"/>
+                  </a:ext>
+                </a:extLst>
+              </p:cNvPr>
+              <p:cNvSpPr txBox="1">
+                <a:spLocks noRot="1" noChangeAspect="1" noMove="1" noResize="1" noEditPoints="1" noAdjustHandles="1" noChangeArrowheads="1" noChangeShapeType="1" noTextEdit="1"/>
+              </p:cNvSpPr>
+              <p:nvPr/>
+            </p:nvSpPr>
+            <p:spPr>
+              <a:xfrm>
+                <a:off x="1370729" y="3188058"/>
+                <a:ext cx="939809" cy="369332"/>
+              </a:xfrm>
+              <a:prstGeom prst="rect">
+                <a:avLst/>
+              </a:prstGeom>
+              <a:blipFill>
+                <a:blip r:embed="rId6"/>
+                <a:stretch>
+                  <a:fillRect l="-6757" t="-6667" r="-5405" b="-23333"/>
+                </a:stretch>
+              </a:blipFill>
+            </p:spPr>
+            <p:txBody>
+              <a:bodyPr/>
+              <a:lstStyle/>
+              <a:p>
+                <a:r>
+                  <a:rPr lang="en-US">
+                    <a:noFill/>
+                  </a:rPr>
+                  <a:t> </a:t>
+                </a:r>
+              </a:p>
+            </p:txBody>
+          </p:sp>
+        </mc:Fallback>
+      </mc:AlternateContent>
+      <p:cxnSp>
+        <p:nvCxnSpPr>
+          <p:cNvPr id="30" name="Straight Arrow Connector 29">
+            <a:extLst>
+              <a:ext uri="{FF2B5EF4-FFF2-40B4-BE49-F238E27FC236}">
+                <a16:creationId xmlns:a16="http://schemas.microsoft.com/office/drawing/2014/main" id="{2FE968BE-E4A9-7AC2-4DDF-BE132272E97E}"/>
+              </a:ext>
+            </a:extLst>
+          </p:cNvPr>
+          <p:cNvCxnSpPr>
+            <a:cxnSpLocks/>
+          </p:cNvCxnSpPr>
+          <p:nvPr/>
+        </p:nvCxnSpPr>
+        <p:spPr>
+          <a:xfrm flipH="1" flipV="1">
+            <a:off x="6296025" y="2571750"/>
+            <a:ext cx="1187450" cy="704850"/>
+          </a:xfrm>
+          <a:prstGeom prst="straightConnector1">
+            <a:avLst/>
+          </a:prstGeom>
+          <a:ln w="28575">
+            <a:tailEnd type="triangle"/>
+          </a:ln>
+        </p:spPr>
+        <p:style>
+          <a:lnRef idx="1">
+            <a:schemeClr val="accent6"/>
+          </a:lnRef>
+          <a:fillRef idx="0">
+            <a:schemeClr val="accent6"/>
+          </a:fillRef>
+          <a:effectRef idx="0">
+            <a:schemeClr val="accent6"/>
+          </a:effectRef>
+          <a:fontRef idx="minor">
+            <a:schemeClr val="tx1"/>
+          </a:fontRef>
+        </p:style>
+      </p:cxnSp>
+      <mc:AlternateContent xmlns:mc="http://schemas.openxmlformats.org/markup-compatibility/2006">
+        <mc:Choice xmlns:a14="http://schemas.microsoft.com/office/drawing/2010/main" Requires="a14">
+          <p:sp>
+            <p:nvSpPr>
+              <p:cNvPr id="33" name="TextBox 32">
+                <a:extLst>
+                  <a:ext uri="{FF2B5EF4-FFF2-40B4-BE49-F238E27FC236}">
+                    <a16:creationId xmlns:a16="http://schemas.microsoft.com/office/drawing/2014/main" id="{9E313A50-3800-BFD3-CE31-C010D4F7A90E}"/>
+                  </a:ext>
+                </a:extLst>
+              </p:cNvPr>
+              <p:cNvSpPr txBox="1"/>
+              <p:nvPr/>
+            </p:nvSpPr>
+            <p:spPr>
+              <a:xfrm>
+                <a:off x="6985603" y="3276600"/>
+                <a:ext cx="1323054" cy="369332"/>
+              </a:xfrm>
+              <a:prstGeom prst="rect">
+                <a:avLst/>
+              </a:prstGeom>
+              <a:noFill/>
+            </p:spPr>
+            <p:txBody>
+              <a:bodyPr wrap="none" rtlCol="0">
+                <a:spAutoFit/>
+              </a:bodyPr>
+              <a:lstStyle/>
+              <a:p>
+                <a:r>
+                  <a:rPr lang="en-US" dirty="0"/>
+                  <a:t>{</a:t>
+                </a:r>
+                <a14:m>
+                  <m:oMath xmlns:m="http://schemas.openxmlformats.org/officeDocument/2006/math">
+                    <m:r>
+                      <a:rPr lang="en-US" i="1">
+                        <a:latin typeface="Cambria Math" panose="02040503050406030204" pitchFamily="18" charset="0"/>
+                      </a:rPr>
+                      <m:t>𝜋</m:t>
+                    </m:r>
+                    <m:r>
+                      <a:rPr lang="en-US" i="1">
+                        <a:latin typeface="Cambria Math" panose="02040503050406030204" pitchFamily="18" charset="0"/>
+                      </a:rPr>
+                      <m:t>/8</m:t>
+                    </m:r>
+                  </m:oMath>
+                </a14:m>
+                <a:r>
+                  <a:rPr lang="en-US" dirty="0"/>
+                  <a:t>, 3</a:t>
+                </a:r>
+                <a14:m>
+                  <m:oMath xmlns:m="http://schemas.openxmlformats.org/officeDocument/2006/math">
+                    <m:r>
+                      <a:rPr lang="en-US" b="0" i="1" smtClean="0">
+                        <a:latin typeface="Cambria Math" panose="02040503050406030204" pitchFamily="18" charset="0"/>
+                      </a:rPr>
+                      <m:t>𝜋</m:t>
+                    </m:r>
+                    <m:r>
+                      <a:rPr lang="en-US" b="0" i="1" smtClean="0">
+                        <a:latin typeface="Cambria Math" panose="02040503050406030204" pitchFamily="18" charset="0"/>
+                      </a:rPr>
+                      <m:t>/8</m:t>
+                    </m:r>
+                  </m:oMath>
+                </a14:m>
+                <a:r>
+                  <a:rPr lang="en-US" dirty="0"/>
+                  <a:t>}</a:t>
+                </a:r>
+              </a:p>
+            </p:txBody>
+          </p:sp>
+        </mc:Choice>
+        <mc:Fallback>
+          <p:sp>
+            <p:nvSpPr>
+              <p:cNvPr id="33" name="TextBox 32">
+                <a:extLst>
+                  <a:ext uri="{FF2B5EF4-FFF2-40B4-BE49-F238E27FC236}">
+                    <a16:creationId xmlns:a16="http://schemas.microsoft.com/office/drawing/2014/main" id="{9E313A50-3800-BFD3-CE31-C010D4F7A90E}"/>
+                  </a:ext>
+                </a:extLst>
+              </p:cNvPr>
+              <p:cNvSpPr txBox="1">
+                <a:spLocks noRot="1" noChangeAspect="1" noMove="1" noResize="1" noEditPoints="1" noAdjustHandles="1" noChangeArrowheads="1" noChangeShapeType="1" noTextEdit="1"/>
+              </p:cNvSpPr>
+              <p:nvPr/>
+            </p:nvSpPr>
+            <p:spPr>
+              <a:xfrm>
+                <a:off x="6985603" y="3276600"/>
+                <a:ext cx="1323054" cy="369332"/>
+              </a:xfrm>
+              <a:prstGeom prst="rect">
+                <a:avLst/>
+              </a:prstGeom>
+              <a:blipFill>
+                <a:blip r:embed="rId7"/>
+                <a:stretch>
+                  <a:fillRect l="-3810" t="-10000" r="-2857" b="-23333"/>
+                </a:stretch>
+              </a:blipFill>
+            </p:spPr>
+            <p:txBody>
+              <a:bodyPr/>
+              <a:lstStyle/>
+              <a:p>
+                <a:r>
+                  <a:rPr lang="en-US">
+                    <a:noFill/>
+                  </a:rPr>
+                  <a:t> </a:t>
+                </a:r>
+              </a:p>
+            </p:txBody>
+          </p:sp>
+        </mc:Fallback>
+      </mc:AlternateContent>
+    </p:spTree>
+    <p:extLst>
+      <p:ext uri="{BB962C8B-B14F-4D97-AF65-F5344CB8AC3E}">
+        <p14:creationId xmlns:p14="http://schemas.microsoft.com/office/powerpoint/2010/main" val="733337988"/>
+      </p:ext>
+    </p:extLst>
+  </p:cSld>
+  <p:clrMapOvr>
+    <a:masterClrMapping/>
+  </p:clrMapOvr>
+</p:sld>
+</file>
+
+<file path=ppt/slides/slide5.xml><?xml version="1.0" encoding="utf-8"?>
+<p:sld xmlns:a="http://schemas.openxmlformats.org/drawingml/2006/main" xmlns:r="http://schemas.openxmlformats.org/officeDocument/2006/relationships" xmlns:p="http://schemas.openxmlformats.org/presentationml/2006/main">
+  <p:cSld>
+    <p:spTree>
+      <p:nvGrpSpPr>
+        <p:cNvPr id="1" name=""/>
+        <p:cNvGrpSpPr/>
+        <p:nvPr/>
+      </p:nvGrpSpPr>
+      <p:grpSpPr>
+        <a:xfrm>
+          <a:off x="0" y="0"/>
+          <a:ext cx="0" cy="0"/>
+          <a:chOff x="0" y="0"/>
+          <a:chExt cx="0" cy="0"/>
+        </a:xfrm>
+      </p:grpSpPr>
+      <p:sp>
+        <p:nvSpPr>
+          <p:cNvPr id="2" name="Title 1">
+            <a:extLst>
+              <a:ext uri="{FF2B5EF4-FFF2-40B4-BE49-F238E27FC236}">
+                <a16:creationId xmlns:a16="http://schemas.microsoft.com/office/drawing/2014/main" id="{760FFE53-4C0F-02B6-A5A4-EFEBD1D6F315}"/>
+              </a:ext>
+            </a:extLst>
+          </p:cNvPr>
+          <p:cNvSpPr>
+            <a:spLocks noGrp="1"/>
+          </p:cNvSpPr>
+          <p:nvPr>
+            <p:ph type="title"/>
+          </p:nvPr>
+        </p:nvSpPr>
+        <p:spPr>
+          <a:xfrm>
+            <a:off x="457200" y="383103"/>
+            <a:ext cx="8229600" cy="801290"/>
+          </a:xfrm>
+        </p:spPr>
+        <p:txBody>
+          <a:bodyPr/>
+          <a:lstStyle/>
+          <a:p>
+            <a:r>
+              <a:rPr lang="en-US" dirty="0"/>
+              <a:t>Simulation Results</a:t>
+            </a:r>
+          </a:p>
+        </p:txBody>
+      </p:sp>
+      <mc:AlternateContent xmlns:mc="http://schemas.openxmlformats.org/markup-compatibility/2006">
+        <mc:Choice xmlns:a14="http://schemas.microsoft.com/office/drawing/2010/main" Requires="a14">
+          <p:graphicFrame>
+            <p:nvGraphicFramePr>
+              <p:cNvPr id="3" name="Table 2">
+                <a:extLst>
+                  <a:ext uri="{FF2B5EF4-FFF2-40B4-BE49-F238E27FC236}">
+                    <a16:creationId xmlns:a16="http://schemas.microsoft.com/office/drawing/2014/main" id="{D2713A4D-2C56-0564-6837-79CE5A409723}"/>
+                  </a:ext>
+                </a:extLst>
+              </p:cNvPr>
+              <p:cNvGraphicFramePr>
+                <a:graphicFrameLocks noGrp="1"/>
+              </p:cNvGraphicFramePr>
+              <p:nvPr>
+                <p:extLst>
+                  <p:ext uri="{D42A27DB-BD31-4B8C-83A1-F6EECF244321}">
+                    <p14:modId xmlns:p14="http://schemas.microsoft.com/office/powerpoint/2010/main" val="3558586827"/>
+                  </p:ext>
+                </p:extLst>
+              </p:nvPr>
+            </p:nvGraphicFramePr>
+            <p:xfrm>
+              <a:off x="1190625" y="1454150"/>
+              <a:ext cx="7219950" cy="2509520"/>
+            </p:xfrm>
+            <a:graphic>
+              <a:graphicData uri="http://schemas.openxmlformats.org/drawingml/2006/table">
+                <a:tbl>
+                  <a:tblPr firstRow="1" bandRow="1">
+                    <a:tableStyleId>{5C22544A-7EE6-4342-B048-85BDC9FD1C3A}</a:tableStyleId>
+                  </a:tblPr>
+                  <a:tblGrid>
+                    <a:gridCol w="1203325">
+                      <a:extLst>
+                        <a:ext uri="{9D8B030D-6E8A-4147-A177-3AD203B41FA5}">
+                          <a16:colId xmlns:a16="http://schemas.microsoft.com/office/drawing/2014/main" val="1317669773"/>
+                        </a:ext>
+                      </a:extLst>
+                    </a:gridCol>
+                    <a:gridCol w="1203325">
+                      <a:extLst>
+                        <a:ext uri="{9D8B030D-6E8A-4147-A177-3AD203B41FA5}">
+                          <a16:colId xmlns:a16="http://schemas.microsoft.com/office/drawing/2014/main" val="3702958367"/>
+                        </a:ext>
+                      </a:extLst>
+                    </a:gridCol>
+                    <a:gridCol w="1203325">
+                      <a:extLst>
+                        <a:ext uri="{9D8B030D-6E8A-4147-A177-3AD203B41FA5}">
+                          <a16:colId xmlns:a16="http://schemas.microsoft.com/office/drawing/2014/main" val="2877827608"/>
+                        </a:ext>
+                      </a:extLst>
+                    </a:gridCol>
+                    <a:gridCol w="1203325">
+                      <a:extLst>
+                        <a:ext uri="{9D8B030D-6E8A-4147-A177-3AD203B41FA5}">
+                          <a16:colId xmlns:a16="http://schemas.microsoft.com/office/drawing/2014/main" val="396058115"/>
+                        </a:ext>
+                      </a:extLst>
+                    </a:gridCol>
+                    <a:gridCol w="1203325">
+                      <a:extLst>
+                        <a:ext uri="{9D8B030D-6E8A-4147-A177-3AD203B41FA5}">
+                          <a16:colId xmlns:a16="http://schemas.microsoft.com/office/drawing/2014/main" val="3706447266"/>
+                        </a:ext>
+                      </a:extLst>
+                    </a:gridCol>
+                    <a:gridCol w="1203325">
+                      <a:extLst>
+                        <a:ext uri="{9D8B030D-6E8A-4147-A177-3AD203B41FA5}">
+                          <a16:colId xmlns:a16="http://schemas.microsoft.com/office/drawing/2014/main" val="4228875584"/>
+                        </a:ext>
+                      </a:extLst>
+                    </a:gridCol>
+                  </a:tblGrid>
+                  <a:tr h="370840">
+                    <a:tc>
+                      <a:txBody>
+                        <a:bodyPr/>
+                        <a:lstStyle/>
+                        <a:p>
+                          <a:pPr algn="ctr"/>
+                          <a:endParaRPr lang="en-US" sz="1400" dirty="0"/>
+                        </a:p>
+                      </a:txBody>
+                      <a:tcPr/>
+                    </a:tc>
+                    <a:tc>
+                      <a:txBody>
+                        <a:bodyPr/>
+                        <a:lstStyle/>
+                        <a:p>
+                          <a:pPr algn="ctr"/>
+                          <a:r>
+                            <a:rPr lang="en-US" sz="1400" dirty="0"/>
+                            <a:t>Alice’s Rate (counts/s)</a:t>
+                          </a:r>
+                        </a:p>
+                      </a:txBody>
+                      <a:tcPr/>
+                    </a:tc>
+                    <a:tc>
+                      <a:txBody>
+                        <a:bodyPr/>
+                        <a:lstStyle/>
+                        <a:p>
+                          <a:pPr marL="0" marR="0" lvl="0" indent="0" algn="ctr" defTabSz="457200" rtl="0" eaLnBrk="1" fontAlgn="auto" latinLnBrk="0" hangingPunct="1">
+                            <a:lnSpc>
+                              <a:spcPct val="100000"/>
+                            </a:lnSpc>
+                            <a:spcBef>
+                              <a:spcPts val="0"/>
+                            </a:spcBef>
+                            <a:spcAft>
+                              <a:spcPts val="0"/>
+                            </a:spcAft>
+                            <a:buClrTx/>
+                            <a:buSzTx/>
+                            <a:buFontTx/>
+                            <a:buNone/>
+                            <a:tabLst/>
+                            <a:defRPr/>
+                          </a:pPr>
+                          <a:r>
+                            <a:rPr lang="en-US" sz="1400" dirty="0"/>
+                            <a:t>Bob’s Rate (counts/s)</a:t>
+                          </a:r>
+                        </a:p>
+                        <a:p>
+                          <a:pPr algn="ctr"/>
+                          <a:endParaRPr lang="en-US" sz="1400" dirty="0"/>
+                        </a:p>
+                      </a:txBody>
+                      <a:tcPr/>
+                    </a:tc>
+                    <a:tc>
+                      <a:txBody>
+                        <a:bodyPr/>
+                        <a:lstStyle/>
+                        <a:p>
+                          <a:pPr marL="0" marR="0" lvl="0" indent="0" algn="ctr" defTabSz="457200" rtl="0" eaLnBrk="1" fontAlgn="auto" latinLnBrk="0" hangingPunct="1">
+                            <a:lnSpc>
+                              <a:spcPct val="100000"/>
+                            </a:lnSpc>
+                            <a:spcBef>
+                              <a:spcPts val="0"/>
+                            </a:spcBef>
+                            <a:spcAft>
+                              <a:spcPts val="0"/>
+                            </a:spcAft>
+                            <a:buClrTx/>
+                            <a:buSzTx/>
+                            <a:buFontTx/>
+                            <a:buNone/>
+                            <a:tabLst/>
+                            <a:defRPr/>
+                          </a:pPr>
+                          <a:r>
+                            <a:rPr lang="en-US" sz="1400" dirty="0" err="1"/>
+                            <a:t>Coinc’s</a:t>
+                          </a:r>
+                          <a:r>
+                            <a:rPr lang="en-US" sz="1400" dirty="0"/>
+                            <a:t> Rate (counts/s)</a:t>
+                          </a:r>
+                        </a:p>
+                        <a:p>
+                          <a:pPr algn="ctr"/>
+                          <a:endParaRPr lang="en-US" sz="1400" dirty="0"/>
+                        </a:p>
+                      </a:txBody>
+                      <a:tcPr/>
+                    </a:tc>
+                    <a:tc>
+                      <a:txBody>
+                        <a:bodyPr/>
+                        <a:lstStyle/>
+                        <a:p>
+                          <a:pPr algn="ctr"/>
+                          <a:r>
+                            <a:rPr lang="en-US" sz="1400" dirty="0"/>
+                            <a:t>Fidelity</a:t>
+                          </a:r>
+                        </a:p>
+                      </a:txBody>
+                      <a:tcPr/>
+                    </a:tc>
+                    <a:tc>
+                      <a:txBody>
+                        <a:bodyPr/>
+                        <a:lstStyle/>
+                        <a:p>
+                          <a:pPr algn="ctr"/>
+                          <a:r>
+                            <a:rPr lang="en-US" sz="1400" dirty="0"/>
+                            <a:t>CHSH S value</a:t>
+                          </a:r>
+                        </a:p>
+                      </a:txBody>
+                      <a:tcPr/>
+                    </a:tc>
+                    <a:extLst>
+                      <a:ext uri="{0D108BD9-81ED-4DB2-BD59-A6C34878D82A}">
+                        <a16:rowId xmlns:a16="http://schemas.microsoft.com/office/drawing/2014/main" val="1349158798"/>
+                      </a:ext>
+                    </a:extLst>
+                  </a:tr>
+                  <a:tr h="370840">
+                    <a:tc>
+                      <a:txBody>
+                        <a:bodyPr/>
+                        <a:lstStyle/>
+                        <a:p>
+                          <a:pPr algn="ctr"/>
+                          <a14:m>
+                            <m:oMathPara xmlns:m="http://schemas.openxmlformats.org/officeDocument/2006/math">
+                              <m:oMathParaPr>
+                                <m:jc m:val="centerGroup"/>
+                              </m:oMathParaPr>
+                              <m:oMath xmlns:m="http://schemas.openxmlformats.org/officeDocument/2006/math">
+                                <m:r>
+                                  <a:rPr lang="en-US" sz="1400" b="0" i="1" smtClean="0">
+                                    <a:latin typeface="Cambria Math" panose="02040503050406030204" pitchFamily="18" charset="0"/>
+                                  </a:rPr>
+                                  <m:t>|</m:t>
+                                </m:r>
+                                <m:sSup>
+                                  <m:sSupPr>
+                                    <m:ctrlPr>
+                                      <a:rPr lang="en-US" sz="1400" b="0" i="1" smtClean="0">
+                                        <a:latin typeface="Cambria Math" panose="02040503050406030204" pitchFamily="18" charset="0"/>
+                                      </a:rPr>
+                                    </m:ctrlPr>
+                                  </m:sSupPr>
+                                  <m:e>
+                                    <m:r>
+                                      <m:rPr>
+                                        <m:sty m:val="p"/>
+                                      </m:rPr>
+                                      <a:rPr lang="en-US" sz="1400" b="0" i="0" smtClean="0">
+                                        <a:latin typeface="Cambria Math" panose="02040503050406030204" pitchFamily="18" charset="0"/>
+                                      </a:rPr>
+                                      <m:t>Φ</m:t>
+                                    </m:r>
+                                  </m:e>
+                                  <m:sup>
+                                    <m:r>
+                                      <a:rPr lang="en-US" sz="1400" b="0" i="1" smtClean="0">
+                                        <a:latin typeface="Cambria Math" panose="02040503050406030204" pitchFamily="18" charset="0"/>
+                                      </a:rPr>
+                                      <m:t>+</m:t>
+                                    </m:r>
+                                  </m:sup>
+                                </m:sSup>
+                                <m:r>
+                                  <a:rPr lang="en-US" sz="1400" b="0" i="1" smtClean="0">
+                                    <a:latin typeface="Cambria Math" panose="02040503050406030204" pitchFamily="18" charset="0"/>
+                                  </a:rPr>
+                                  <m:t>⟩</m:t>
+                                </m:r>
+                              </m:oMath>
+                            </m:oMathPara>
+                          </a14:m>
+                          <a:endParaRPr lang="en-US" sz="1400" dirty="0"/>
+                        </a:p>
+                      </a:txBody>
+                      <a:tcPr/>
+                    </a:tc>
+                    <a:tc>
+                      <a:txBody>
+                        <a:bodyPr/>
+                        <a:lstStyle/>
+                        <a:p>
+                          <a:pPr algn="ctr"/>
+                          <a:r>
+                            <a:rPr lang="en-US" sz="1800" b="0" i="0" kern="1200" dirty="0">
+                              <a:solidFill>
+                                <a:schemeClr val="dk1"/>
+                              </a:solidFill>
+                              <a:effectLst/>
+                              <a:latin typeface="+mn-lt"/>
+                              <a:ea typeface="+mn-ea"/>
+                              <a:cs typeface="+mn-cs"/>
+                            </a:rPr>
+                            <a:t>1596.37</a:t>
+                          </a:r>
+                          <a:endParaRPr lang="en-US" sz="1400" dirty="0"/>
+                        </a:p>
+                      </a:txBody>
+                      <a:tcPr/>
+                    </a:tc>
+                    <a:tc>
+                      <a:txBody>
+                        <a:bodyPr/>
+                        <a:lstStyle/>
+                        <a:p>
+                          <a:pPr algn="ctr"/>
+                          <a:r>
+                            <a:rPr lang="en-US" sz="1800" b="0" i="0" kern="1200" dirty="0">
+                              <a:solidFill>
+                                <a:schemeClr val="dk1"/>
+                              </a:solidFill>
+                              <a:effectLst/>
+                              <a:latin typeface="+mn-lt"/>
+                              <a:ea typeface="+mn-ea"/>
+                              <a:cs typeface="+mn-cs"/>
+                            </a:rPr>
+                            <a:t>1585.97</a:t>
+                          </a:r>
+                          <a:endParaRPr lang="en-US" sz="1400" dirty="0"/>
+                        </a:p>
+                      </a:txBody>
+                      <a:tcPr/>
+                    </a:tc>
+                    <a:tc>
+                      <a:txBody>
+                        <a:bodyPr/>
+                        <a:lstStyle/>
+                        <a:p>
+                          <a:pPr algn="ctr"/>
+                          <a:r>
+                            <a:rPr lang="en-US" sz="1800" b="0" i="0" kern="1200" dirty="0">
+                              <a:solidFill>
+                                <a:schemeClr val="dk1"/>
+                              </a:solidFill>
+                              <a:effectLst/>
+                              <a:latin typeface="+mn-lt"/>
+                              <a:ea typeface="+mn-ea"/>
+                              <a:cs typeface="+mn-cs"/>
+                            </a:rPr>
+                            <a:t>151.37</a:t>
+                          </a:r>
+                          <a:endParaRPr lang="en-US" sz="1400" dirty="0"/>
+                        </a:p>
+                      </a:txBody>
+                      <a:tcPr/>
+                    </a:tc>
+                    <a:tc>
+                      <a:txBody>
+                        <a:bodyPr/>
+                        <a:lstStyle/>
+                        <a:p>
+                          <a:pPr algn="ctr"/>
+                          <a:r>
+                            <a:rPr lang="en-US" sz="1800" b="0" i="0" kern="1200" dirty="0">
+                              <a:solidFill>
+                                <a:schemeClr val="dk1"/>
+                              </a:solidFill>
+                              <a:effectLst/>
+                              <a:latin typeface="+mn-lt"/>
+                              <a:ea typeface="+mn-ea"/>
+                              <a:cs typeface="+mn-cs"/>
+                            </a:rPr>
+                            <a:t>1.000</a:t>
+                          </a:r>
+                          <a:endParaRPr lang="en-US" sz="1400" dirty="0"/>
+                        </a:p>
+                      </a:txBody>
+                      <a:tcPr/>
+                    </a:tc>
+                    <a:tc>
+                      <a:txBody>
+                        <a:bodyPr/>
+                        <a:lstStyle/>
+                        <a:p>
+                          <a:pPr algn="ctr"/>
+                          <a:r>
+                            <a:rPr lang="en-US" sz="1800" b="0" i="0" kern="1200" dirty="0">
+                              <a:solidFill>
+                                <a:schemeClr val="dk1"/>
+                              </a:solidFill>
+                              <a:effectLst/>
+                              <a:latin typeface="+mn-lt"/>
+                              <a:ea typeface="+mn-ea"/>
+                              <a:cs typeface="+mn-cs"/>
+                            </a:rPr>
+                            <a:t>2.795</a:t>
+                          </a:r>
+                          <a:endParaRPr lang="en-US" sz="1400" dirty="0"/>
+                        </a:p>
+                      </a:txBody>
+                      <a:tcPr/>
+                    </a:tc>
+                    <a:extLst>
+                      <a:ext uri="{0D108BD9-81ED-4DB2-BD59-A6C34878D82A}">
+                        <a16:rowId xmlns:a16="http://schemas.microsoft.com/office/drawing/2014/main" val="3388073810"/>
+                      </a:ext>
+                    </a:extLst>
+                  </a:tr>
+                  <a:tr h="370840">
+                    <a:tc>
+                      <a:txBody>
+                        <a:bodyPr/>
+                        <a:lstStyle/>
+                        <a:p>
+                          <a:pPr marL="0" marR="0" lvl="0" indent="0" algn="ctr" defTabSz="457200" rtl="0" eaLnBrk="1" fontAlgn="auto" latinLnBrk="0" hangingPunct="1">
+                            <a:lnSpc>
+                              <a:spcPct val="100000"/>
+                            </a:lnSpc>
+                            <a:spcBef>
+                              <a:spcPts val="0"/>
+                            </a:spcBef>
+                            <a:spcAft>
+                              <a:spcPts val="0"/>
+                            </a:spcAft>
+                            <a:buClrTx/>
+                            <a:buSzTx/>
+                            <a:buFontTx/>
+                            <a:buNone/>
+                            <a:tabLst/>
+                            <a:defRPr/>
+                          </a:pPr>
+                          <a14:m>
+                            <m:oMathPara xmlns:m="http://schemas.openxmlformats.org/officeDocument/2006/math">
+                              <m:oMathParaPr>
+                                <m:jc m:val="centerGroup"/>
+                              </m:oMathParaPr>
+                              <m:oMath xmlns:m="http://schemas.openxmlformats.org/officeDocument/2006/math">
+                                <m:r>
+                                  <a:rPr lang="en-US" sz="1400" b="0" i="1" smtClean="0">
+                                    <a:latin typeface="Cambria Math" panose="02040503050406030204" pitchFamily="18" charset="0"/>
+                                  </a:rPr>
+                                  <m:t>|</m:t>
+                                </m:r>
+                                <m:r>
+                                  <a:rPr lang="en-US" sz="1400" b="0" i="1" smtClean="0">
+                                    <a:latin typeface="Cambria Math" panose="02040503050406030204" pitchFamily="18" charset="0"/>
+                                  </a:rPr>
+                                  <m:t>𝜌</m:t>
+                                </m:r>
+                                <m:r>
+                                  <a:rPr lang="en-US" sz="1400" b="0" i="1" smtClean="0">
+                                    <a:latin typeface="Cambria Math" panose="02040503050406030204" pitchFamily="18" charset="0"/>
+                                  </a:rPr>
+                                  <m:t>⟩</m:t>
+                                </m:r>
+                              </m:oMath>
+                            </m:oMathPara>
+                          </a14:m>
+                          <a:endParaRPr lang="en-US" sz="1400" dirty="0"/>
+                        </a:p>
+                        <a:p>
+                          <a:pPr algn="ctr"/>
+                          <a:endParaRPr lang="en-US" sz="1400" dirty="0"/>
+                        </a:p>
+                      </a:txBody>
+                      <a:tcPr/>
+                    </a:tc>
+                    <a:tc>
+                      <a:txBody>
+                        <a:bodyPr/>
+                        <a:lstStyle/>
+                        <a:p>
+                          <a:pPr algn="ctr"/>
+                          <a:r>
+                            <a:rPr lang="en-US" sz="1800" b="0" i="0" kern="1200" dirty="0">
+                              <a:solidFill>
+                                <a:schemeClr val="dk1"/>
+                              </a:solidFill>
+                              <a:effectLst/>
+                              <a:latin typeface="+mn-lt"/>
+                              <a:ea typeface="+mn-ea"/>
+                              <a:cs typeface="+mn-cs"/>
+                            </a:rPr>
+                            <a:t>1582.63</a:t>
+                          </a:r>
+                          <a:endParaRPr lang="en-US" sz="1400" dirty="0"/>
+                        </a:p>
+                      </a:txBody>
+                      <a:tcPr/>
+                    </a:tc>
+                    <a:tc>
+                      <a:txBody>
+                        <a:bodyPr/>
+                        <a:lstStyle/>
+                        <a:p>
+                          <a:pPr algn="ctr"/>
+                          <a:r>
+                            <a:rPr lang="en-US" sz="1800" b="0" i="0" kern="1200" dirty="0">
+                              <a:solidFill>
+                                <a:schemeClr val="dk1"/>
+                              </a:solidFill>
+                              <a:effectLst/>
+                              <a:latin typeface="+mn-lt"/>
+                              <a:ea typeface="+mn-ea"/>
+                              <a:cs typeface="+mn-cs"/>
+                            </a:rPr>
+                            <a:t>1592.27</a:t>
+                          </a:r>
+                          <a:endParaRPr lang="en-US" sz="1400" dirty="0"/>
+                        </a:p>
+                      </a:txBody>
+                      <a:tcPr/>
+                    </a:tc>
+                    <a:tc>
+                      <a:txBody>
+                        <a:bodyPr/>
+                        <a:lstStyle/>
+                        <a:p>
+                          <a:pPr algn="ctr"/>
+                          <a:r>
+                            <a:rPr lang="en-US" sz="1800" b="0" i="0" kern="1200" dirty="0">
+                              <a:solidFill>
+                                <a:schemeClr val="dk1"/>
+                              </a:solidFill>
+                              <a:effectLst/>
+                              <a:latin typeface="+mn-lt"/>
+                              <a:ea typeface="+mn-ea"/>
+                              <a:cs typeface="+mn-cs"/>
+                            </a:rPr>
+                            <a:t>146.80</a:t>
+                          </a:r>
+                          <a:endParaRPr lang="en-US" sz="1400" dirty="0"/>
+                        </a:p>
+                      </a:txBody>
+                      <a:tcPr/>
+                    </a:tc>
+                    <a:tc>
+                      <a:txBody>
+                        <a:bodyPr/>
+                        <a:lstStyle/>
+                        <a:p>
+                          <a:pPr algn="ctr"/>
+                          <a:r>
+                            <a:rPr lang="en-US" sz="1800" b="0" i="0" kern="1200" dirty="0">
+                              <a:solidFill>
+                                <a:schemeClr val="dk1"/>
+                              </a:solidFill>
+                              <a:effectLst/>
+                              <a:latin typeface="+mn-lt"/>
+                              <a:ea typeface="+mn-ea"/>
+                              <a:cs typeface="+mn-cs"/>
+                            </a:rPr>
+                            <a:t>0.837</a:t>
+                          </a:r>
+                          <a:endParaRPr lang="en-US" sz="1400" dirty="0"/>
+                        </a:p>
+                      </a:txBody>
+                      <a:tcPr/>
+                    </a:tc>
+                    <a:tc>
+                      <a:txBody>
+                        <a:bodyPr/>
+                        <a:lstStyle/>
+                        <a:p>
+                          <a:pPr algn="ctr"/>
+                          <a:r>
+                            <a:rPr lang="en-US" sz="1800" b="0" i="0" kern="1200" dirty="0">
+                              <a:solidFill>
+                                <a:schemeClr val="dk1"/>
+                              </a:solidFill>
+                              <a:effectLst/>
+                              <a:latin typeface="+mn-lt"/>
+                              <a:ea typeface="+mn-ea"/>
+                              <a:cs typeface="+mn-cs"/>
+                            </a:rPr>
+                            <a:t>1.493</a:t>
+                          </a:r>
+                          <a:endParaRPr lang="en-US" sz="1400" dirty="0"/>
+                        </a:p>
+                      </a:txBody>
+                      <a:tcPr/>
+                    </a:tc>
+                    <a:extLst>
+                      <a:ext uri="{0D108BD9-81ED-4DB2-BD59-A6C34878D82A}">
+                        <a16:rowId xmlns:a16="http://schemas.microsoft.com/office/drawing/2014/main" val="622224227"/>
+                      </a:ext>
+                    </a:extLst>
+                  </a:tr>
+                  <a:tr h="370840">
+                    <a:tc>
+                      <a:txBody>
+                        <a:bodyPr/>
+                        <a:lstStyle/>
+                        <a:p>
+                          <a:pPr marL="0" marR="0" lvl="0" indent="0" algn="ctr" defTabSz="457200" rtl="0" eaLnBrk="1" fontAlgn="auto" latinLnBrk="0" hangingPunct="1">
+                            <a:lnSpc>
+                              <a:spcPct val="100000"/>
+                            </a:lnSpc>
+                            <a:spcBef>
+                              <a:spcPts val="0"/>
+                            </a:spcBef>
+                            <a:spcAft>
+                              <a:spcPts val="0"/>
+                            </a:spcAft>
+                            <a:buClrTx/>
+                            <a:buSzTx/>
+                            <a:buFontTx/>
+                            <a:buNone/>
+                            <a:tabLst/>
+                            <a:defRPr/>
+                          </a:pPr>
+                          <a14:m>
+                            <m:oMathPara xmlns:m="http://schemas.openxmlformats.org/officeDocument/2006/math">
+                              <m:oMathParaPr>
+                                <m:jc m:val="centerGroup"/>
+                              </m:oMathParaPr>
+                              <m:oMath xmlns:m="http://schemas.openxmlformats.org/officeDocument/2006/math">
+                                <m:r>
+                                  <a:rPr lang="en-US" sz="1400" b="0" i="1" smtClean="0">
+                                    <a:latin typeface="Cambria Math" panose="02040503050406030204" pitchFamily="18" charset="0"/>
+                                  </a:rPr>
+                                  <m:t>|</m:t>
+                                </m:r>
+                                <m:r>
+                                  <a:rPr lang="en-US" sz="1400" b="0" i="1" smtClean="0">
+                                    <a:latin typeface="Cambria Math" panose="02040503050406030204" pitchFamily="18" charset="0"/>
+                                  </a:rPr>
+                                  <m:t>𝜙</m:t>
+                                </m:r>
+                                <m:r>
+                                  <a:rPr lang="en-US" sz="1400" b="0" i="1" smtClean="0">
+                                    <a:latin typeface="Cambria Math" panose="02040503050406030204" pitchFamily="18" charset="0"/>
+                                  </a:rPr>
+                                  <m:t>⟩</m:t>
+                                </m:r>
+                              </m:oMath>
+                            </m:oMathPara>
+                          </a14:m>
+                          <a:endParaRPr lang="en-US" sz="1400" dirty="0"/>
+                        </a:p>
+                        <a:p>
+                          <a:pPr algn="ctr"/>
+                          <a:endParaRPr lang="en-US" sz="1400" dirty="0"/>
+                        </a:p>
+                      </a:txBody>
+                      <a:tcPr/>
+                    </a:tc>
+                    <a:tc>
+                      <a:txBody>
+                        <a:bodyPr/>
+                        <a:lstStyle/>
+                        <a:p>
+                          <a:pPr algn="ctr"/>
+                          <a:r>
+                            <a:rPr lang="en-US" sz="1800" b="0" i="0" kern="1200" dirty="0">
+                              <a:solidFill>
+                                <a:schemeClr val="dk1"/>
+                              </a:solidFill>
+                              <a:effectLst/>
+                              <a:latin typeface="+mn-lt"/>
+                              <a:ea typeface="+mn-ea"/>
+                              <a:cs typeface="+mn-cs"/>
+                            </a:rPr>
+                            <a:t>1587.77</a:t>
+                          </a:r>
+                          <a:endParaRPr lang="en-US" sz="1400" dirty="0"/>
+                        </a:p>
+                      </a:txBody>
+                      <a:tcPr/>
+                    </a:tc>
+                    <a:tc>
+                      <a:txBody>
+                        <a:bodyPr/>
+                        <a:lstStyle/>
+                        <a:p>
+                          <a:pPr algn="ctr"/>
+                          <a:r>
+                            <a:rPr lang="en-US" sz="1800" b="0" i="0" kern="1200" dirty="0">
+                              <a:solidFill>
+                                <a:schemeClr val="dk1"/>
+                              </a:solidFill>
+                              <a:effectLst/>
+                              <a:latin typeface="+mn-lt"/>
+                              <a:ea typeface="+mn-ea"/>
+                              <a:cs typeface="+mn-cs"/>
+                            </a:rPr>
+                            <a:t>1603.57</a:t>
+                          </a:r>
+                          <a:endParaRPr lang="en-US" sz="1400" dirty="0"/>
+                        </a:p>
+                      </a:txBody>
+                      <a:tcPr/>
+                    </a:tc>
+                    <a:tc>
+                      <a:txBody>
+                        <a:bodyPr/>
+                        <a:lstStyle/>
+                        <a:p>
+                          <a:pPr algn="ctr"/>
+                          <a:r>
+                            <a:rPr lang="en-US" sz="1800" b="0" i="0" kern="1200" dirty="0">
+                              <a:solidFill>
+                                <a:schemeClr val="dk1"/>
+                              </a:solidFill>
+                              <a:effectLst/>
+                              <a:latin typeface="+mn-lt"/>
+                              <a:ea typeface="+mn-ea"/>
+                              <a:cs typeface="+mn-cs"/>
+                            </a:rPr>
+                            <a:t>148.63</a:t>
+                          </a:r>
+                          <a:endParaRPr lang="en-US" sz="1400" dirty="0"/>
+                        </a:p>
+                      </a:txBody>
+                      <a:tcPr/>
+                    </a:tc>
+                    <a:tc>
+                      <a:txBody>
+                        <a:bodyPr/>
+                        <a:lstStyle/>
+                        <a:p>
+                          <a:pPr algn="ctr"/>
+                          <a:r>
+                            <a:rPr lang="en-US" sz="1800" b="0" i="0" kern="1200" dirty="0">
+                              <a:solidFill>
+                                <a:schemeClr val="dk1"/>
+                              </a:solidFill>
+                              <a:effectLst/>
+                              <a:latin typeface="+mn-lt"/>
+                              <a:ea typeface="+mn-ea"/>
+                              <a:cs typeface="+mn-cs"/>
+                            </a:rPr>
+                            <a:t>0.949</a:t>
+                          </a:r>
+                          <a:endParaRPr lang="en-US" sz="1400" dirty="0"/>
+                        </a:p>
+                      </a:txBody>
+                      <a:tcPr/>
+                    </a:tc>
+                    <a:tc>
+                      <a:txBody>
+                        <a:bodyPr/>
+                        <a:lstStyle/>
+                        <a:p>
+                          <a:pPr algn="ctr"/>
+                          <a:r>
+                            <a:rPr lang="en-US" sz="1800" b="0" i="0" kern="1200" dirty="0">
+                              <a:solidFill>
+                                <a:schemeClr val="dk1"/>
+                              </a:solidFill>
+                              <a:effectLst/>
+                              <a:latin typeface="+mn-lt"/>
+                              <a:ea typeface="+mn-ea"/>
+                              <a:cs typeface="+mn-cs"/>
+                            </a:rPr>
+                            <a:t>2.519</a:t>
+                          </a:r>
+                          <a:endParaRPr lang="en-US" sz="1400" dirty="0"/>
+                        </a:p>
+                      </a:txBody>
+                      <a:tcPr/>
+                    </a:tc>
+                    <a:extLst>
+                      <a:ext uri="{0D108BD9-81ED-4DB2-BD59-A6C34878D82A}">
+                        <a16:rowId xmlns:a16="http://schemas.microsoft.com/office/drawing/2014/main" val="3777445210"/>
+                      </a:ext>
+                    </a:extLst>
+                  </a:tr>
+                  <a:tr h="370840">
+                    <a:tc>
+                      <a:txBody>
+                        <a:bodyPr/>
+                        <a:lstStyle/>
+                        <a:p>
+                          <a:pPr marL="0" marR="0" lvl="0" indent="0" algn="ctr" defTabSz="457200" rtl="0" eaLnBrk="1" fontAlgn="auto" latinLnBrk="0" hangingPunct="1">
+                            <a:lnSpc>
+                              <a:spcPct val="100000"/>
+                            </a:lnSpc>
+                            <a:spcBef>
+                              <a:spcPts val="0"/>
+                            </a:spcBef>
+                            <a:spcAft>
+                              <a:spcPts val="0"/>
+                            </a:spcAft>
+                            <a:buClrTx/>
+                            <a:buSzTx/>
+                            <a:buFontTx/>
+                            <a:buNone/>
+                            <a:tabLst/>
+                            <a:defRPr/>
+                          </a:pPr>
+                          <a14:m>
+                            <m:oMathPara xmlns:m="http://schemas.openxmlformats.org/officeDocument/2006/math">
+                              <m:oMathParaPr>
+                                <m:jc m:val="centerGroup"/>
+                              </m:oMathParaPr>
+                              <m:oMath xmlns:m="http://schemas.openxmlformats.org/officeDocument/2006/math">
+                                <m:r>
+                                  <a:rPr lang="en-US" sz="1400" b="0" i="1" smtClean="0">
+                                    <a:latin typeface="Cambria Math" panose="02040503050406030204" pitchFamily="18" charset="0"/>
+                                  </a:rPr>
+                                  <m:t>|</m:t>
+                                </m:r>
+                                <m:r>
+                                  <a:rPr lang="en-US" sz="1400" b="0" i="1" smtClean="0">
+                                    <a:latin typeface="Cambria Math" panose="02040503050406030204" pitchFamily="18" charset="0"/>
+                                  </a:rPr>
+                                  <m:t>𝜌</m:t>
+                                </m:r>
+                                <m:r>
+                                  <a:rPr lang="en-US" sz="1400" b="0" i="1" smtClean="0">
+                                    <a:latin typeface="Cambria Math" panose="02040503050406030204" pitchFamily="18" charset="0"/>
+                                  </a:rPr>
+                                  <m:t>′⟩</m:t>
+                                </m:r>
+                              </m:oMath>
+                            </m:oMathPara>
+                          </a14:m>
+                          <a:endParaRPr lang="en-US" sz="1400" dirty="0"/>
+                        </a:p>
+                      </a:txBody>
+                      <a:tcPr/>
+                    </a:tc>
+                    <a:tc>
+                      <a:txBody>
+                        <a:bodyPr/>
+                        <a:lstStyle/>
+                        <a:p>
+                          <a:pPr algn="ctr"/>
+                          <a:r>
+                            <a:rPr lang="en-US" sz="1800" b="0" i="0" kern="1200" dirty="0">
+                              <a:solidFill>
+                                <a:schemeClr val="dk1"/>
+                              </a:solidFill>
+                              <a:effectLst/>
+                              <a:latin typeface="+mn-lt"/>
+                              <a:ea typeface="+mn-ea"/>
+                              <a:cs typeface="+mn-cs"/>
+                            </a:rPr>
+                            <a:t>1591.10</a:t>
+                          </a:r>
+                          <a:endParaRPr lang="en-US" sz="1400" dirty="0"/>
+                        </a:p>
+                      </a:txBody>
+                      <a:tcPr/>
+                    </a:tc>
+                    <a:tc>
+                      <a:txBody>
+                        <a:bodyPr/>
+                        <a:lstStyle/>
+                        <a:p>
+                          <a:pPr algn="ctr"/>
+                          <a:r>
+                            <a:rPr lang="en-US" sz="1800" b="0" i="0" kern="1200" dirty="0">
+                              <a:solidFill>
+                                <a:schemeClr val="dk1"/>
+                              </a:solidFill>
+                              <a:effectLst/>
+                              <a:latin typeface="+mn-lt"/>
+                              <a:ea typeface="+mn-ea"/>
+                              <a:cs typeface="+mn-cs"/>
+                            </a:rPr>
+                            <a:t>1585.27</a:t>
+                          </a:r>
+                          <a:endParaRPr lang="en-US" sz="1400" dirty="0"/>
+                        </a:p>
+                      </a:txBody>
+                      <a:tcPr/>
+                    </a:tc>
+                    <a:tc>
+                      <a:txBody>
+                        <a:bodyPr/>
+                        <a:lstStyle/>
+                        <a:p>
+                          <a:pPr algn="ctr"/>
+                          <a:r>
+                            <a:rPr lang="en-US" sz="1800" b="0" i="0" kern="1200" dirty="0">
+                              <a:solidFill>
+                                <a:schemeClr val="dk1"/>
+                              </a:solidFill>
+                              <a:effectLst/>
+                              <a:latin typeface="+mn-lt"/>
+                              <a:ea typeface="+mn-ea"/>
+                              <a:cs typeface="+mn-cs"/>
+                            </a:rPr>
+                            <a:t>146.80</a:t>
+                          </a:r>
+                          <a:endParaRPr lang="en-US" sz="1400" dirty="0"/>
+                        </a:p>
+                      </a:txBody>
+                      <a:tcPr/>
+                    </a:tc>
+                    <a:tc>
+                      <a:txBody>
+                        <a:bodyPr/>
+                        <a:lstStyle/>
+                        <a:p>
+                          <a:pPr algn="ctr"/>
+                          <a:r>
+                            <a:rPr lang="en-US" sz="1800" b="0" i="0" kern="1200" dirty="0">
+                              <a:solidFill>
+                                <a:schemeClr val="dk1"/>
+                              </a:solidFill>
+                              <a:effectLst/>
+                              <a:latin typeface="+mn-lt"/>
+                              <a:ea typeface="+mn-ea"/>
+                              <a:cs typeface="+mn-cs"/>
+                            </a:rPr>
+                            <a:t>0.794</a:t>
+                          </a:r>
+                          <a:endParaRPr lang="en-US" sz="1400" dirty="0"/>
+                        </a:p>
+                      </a:txBody>
+                      <a:tcPr/>
+                    </a:tc>
+                    <a:tc>
+                      <a:txBody>
+                        <a:bodyPr/>
+                        <a:lstStyle/>
+                        <a:p>
+                          <a:pPr algn="ctr"/>
+                          <a:r>
+                            <a:rPr lang="en-US" sz="1800" b="0" i="0" kern="1200" dirty="0">
+                              <a:solidFill>
+                                <a:schemeClr val="dk1"/>
+                              </a:solidFill>
+                              <a:effectLst/>
+                              <a:latin typeface="+mn-lt"/>
+                              <a:ea typeface="+mn-ea"/>
+                              <a:cs typeface="+mn-cs"/>
+                            </a:rPr>
+                            <a:t>1.325</a:t>
+                          </a:r>
+                          <a:endParaRPr lang="en-US" sz="1400" dirty="0"/>
+                        </a:p>
+                      </a:txBody>
+                      <a:tcPr/>
+                    </a:tc>
+                    <a:extLst>
+                      <a:ext uri="{0D108BD9-81ED-4DB2-BD59-A6C34878D82A}">
+                        <a16:rowId xmlns:a16="http://schemas.microsoft.com/office/drawing/2014/main" val="430313139"/>
+                      </a:ext>
+                    </a:extLst>
+                  </a:tr>
+                </a:tbl>
+              </a:graphicData>
+            </a:graphic>
+          </p:graphicFrame>
+        </mc:Choice>
+        <mc:Fallback>
+          <p:graphicFrame>
+            <p:nvGraphicFramePr>
+              <p:cNvPr id="3" name="Table 2">
+                <a:extLst>
+                  <a:ext uri="{FF2B5EF4-FFF2-40B4-BE49-F238E27FC236}">
+                    <a16:creationId xmlns:a16="http://schemas.microsoft.com/office/drawing/2014/main" id="{D2713A4D-2C56-0564-6837-79CE5A409723}"/>
+                  </a:ext>
+                </a:extLst>
+              </p:cNvPr>
+              <p:cNvGraphicFramePr>
+                <a:graphicFrameLocks noGrp="1"/>
+              </p:cNvGraphicFramePr>
+              <p:nvPr>
+                <p:extLst>
+                  <p:ext uri="{D42A27DB-BD31-4B8C-83A1-F6EECF244321}">
+                    <p14:modId xmlns:p14="http://schemas.microsoft.com/office/powerpoint/2010/main" val="3558586827"/>
+                  </p:ext>
+                </p:extLst>
+              </p:nvPr>
+            </p:nvGraphicFramePr>
+            <p:xfrm>
+              <a:off x="1190625" y="1454150"/>
+              <a:ext cx="7219950" cy="2509520"/>
+            </p:xfrm>
+            <a:graphic>
+              <a:graphicData uri="http://schemas.openxmlformats.org/drawingml/2006/table">
+                <a:tbl>
+                  <a:tblPr firstRow="1" bandRow="1">
+                    <a:tableStyleId>{5C22544A-7EE6-4342-B048-85BDC9FD1C3A}</a:tableStyleId>
+                  </a:tblPr>
+                  <a:tblGrid>
+                    <a:gridCol w="1203325">
+                      <a:extLst>
+                        <a:ext uri="{9D8B030D-6E8A-4147-A177-3AD203B41FA5}">
+                          <a16:colId xmlns:a16="http://schemas.microsoft.com/office/drawing/2014/main" val="1317669773"/>
+                        </a:ext>
+                      </a:extLst>
+                    </a:gridCol>
+                    <a:gridCol w="1203325">
+                      <a:extLst>
+                        <a:ext uri="{9D8B030D-6E8A-4147-A177-3AD203B41FA5}">
+                          <a16:colId xmlns:a16="http://schemas.microsoft.com/office/drawing/2014/main" val="3702958367"/>
+                        </a:ext>
+                      </a:extLst>
+                    </a:gridCol>
+                    <a:gridCol w="1203325">
+                      <a:extLst>
+                        <a:ext uri="{9D8B030D-6E8A-4147-A177-3AD203B41FA5}">
+                          <a16:colId xmlns:a16="http://schemas.microsoft.com/office/drawing/2014/main" val="2877827608"/>
+                        </a:ext>
+                      </a:extLst>
+                    </a:gridCol>
+                    <a:gridCol w="1203325">
+                      <a:extLst>
+                        <a:ext uri="{9D8B030D-6E8A-4147-A177-3AD203B41FA5}">
+                          <a16:colId xmlns:a16="http://schemas.microsoft.com/office/drawing/2014/main" val="396058115"/>
+                        </a:ext>
+                      </a:extLst>
+                    </a:gridCol>
+                    <a:gridCol w="1203325">
+                      <a:extLst>
+                        <a:ext uri="{9D8B030D-6E8A-4147-A177-3AD203B41FA5}">
+                          <a16:colId xmlns:a16="http://schemas.microsoft.com/office/drawing/2014/main" val="3706447266"/>
+                        </a:ext>
+                      </a:extLst>
+                    </a:gridCol>
+                    <a:gridCol w="1203325">
+                      <a:extLst>
+                        <a:ext uri="{9D8B030D-6E8A-4147-A177-3AD203B41FA5}">
+                          <a16:colId xmlns:a16="http://schemas.microsoft.com/office/drawing/2014/main" val="4228875584"/>
+                        </a:ext>
+                      </a:extLst>
+                    </a:gridCol>
+                  </a:tblGrid>
+                  <a:tr h="731520">
+                    <a:tc>
+                      <a:txBody>
+                        <a:bodyPr/>
+                        <a:lstStyle/>
+                        <a:p>
+                          <a:pPr algn="ctr"/>
+                          <a:endParaRPr lang="en-US" sz="1400" dirty="0"/>
+                        </a:p>
+                      </a:txBody>
+                      <a:tcPr/>
+                    </a:tc>
+                    <a:tc>
+                      <a:txBody>
+                        <a:bodyPr/>
+                        <a:lstStyle/>
+                        <a:p>
+                          <a:pPr algn="ctr"/>
+                          <a:r>
+                            <a:rPr lang="en-US" sz="1400" dirty="0"/>
+                            <a:t>Alice’s Rate (counts/s)</a:t>
+                          </a:r>
+                        </a:p>
+                      </a:txBody>
+                      <a:tcPr/>
+                    </a:tc>
+                    <a:tc>
+                      <a:txBody>
+                        <a:bodyPr/>
+                        <a:lstStyle/>
+                        <a:p>
+                          <a:pPr marL="0" marR="0" lvl="0" indent="0" algn="ctr" defTabSz="457200" rtl="0" eaLnBrk="1" fontAlgn="auto" latinLnBrk="0" hangingPunct="1">
+                            <a:lnSpc>
+                              <a:spcPct val="100000"/>
+                            </a:lnSpc>
+                            <a:spcBef>
+                              <a:spcPts val="0"/>
+                            </a:spcBef>
+                            <a:spcAft>
+                              <a:spcPts val="0"/>
+                            </a:spcAft>
+                            <a:buClrTx/>
+                            <a:buSzTx/>
+                            <a:buFontTx/>
+                            <a:buNone/>
+                            <a:tabLst/>
+                            <a:defRPr/>
+                          </a:pPr>
+                          <a:r>
+                            <a:rPr lang="en-US" sz="1400" dirty="0"/>
+                            <a:t>Bob’s Rate (counts/s)</a:t>
+                          </a:r>
+                        </a:p>
+                        <a:p>
+                          <a:pPr algn="ctr"/>
+                          <a:endParaRPr lang="en-US" sz="1400" dirty="0"/>
+                        </a:p>
+                      </a:txBody>
+                      <a:tcPr/>
+                    </a:tc>
+                    <a:tc>
+                      <a:txBody>
+                        <a:bodyPr/>
+                        <a:lstStyle/>
+                        <a:p>
+                          <a:pPr marL="0" marR="0" lvl="0" indent="0" algn="ctr" defTabSz="457200" rtl="0" eaLnBrk="1" fontAlgn="auto" latinLnBrk="0" hangingPunct="1">
+                            <a:lnSpc>
+                              <a:spcPct val="100000"/>
+                            </a:lnSpc>
+                            <a:spcBef>
+                              <a:spcPts val="0"/>
+                            </a:spcBef>
+                            <a:spcAft>
+                              <a:spcPts val="0"/>
+                            </a:spcAft>
+                            <a:buClrTx/>
+                            <a:buSzTx/>
+                            <a:buFontTx/>
+                            <a:buNone/>
+                            <a:tabLst/>
+                            <a:defRPr/>
+                          </a:pPr>
+                          <a:r>
+                            <a:rPr lang="en-US" sz="1400" dirty="0" err="1"/>
+                            <a:t>Coinc’s</a:t>
+                          </a:r>
+                          <a:r>
+                            <a:rPr lang="en-US" sz="1400" dirty="0"/>
+                            <a:t> Rate (counts/s)</a:t>
+                          </a:r>
+                        </a:p>
+                        <a:p>
+                          <a:pPr algn="ctr"/>
+                          <a:endParaRPr lang="en-US" sz="1400" dirty="0"/>
+                        </a:p>
+                      </a:txBody>
+                      <a:tcPr/>
+                    </a:tc>
+                    <a:tc>
+                      <a:txBody>
+                        <a:bodyPr/>
+                        <a:lstStyle/>
+                        <a:p>
+                          <a:pPr algn="ctr"/>
+                          <a:r>
+                            <a:rPr lang="en-US" sz="1400" dirty="0"/>
+                            <a:t>Fidelity</a:t>
+                          </a:r>
+                        </a:p>
+                      </a:txBody>
+                      <a:tcPr/>
+                    </a:tc>
+                    <a:tc>
+                      <a:txBody>
+                        <a:bodyPr/>
+                        <a:lstStyle/>
+                        <a:p>
+                          <a:pPr algn="ctr"/>
+                          <a:r>
+                            <a:rPr lang="en-US" sz="1400" dirty="0"/>
+                            <a:t>CHSH S value</a:t>
+                          </a:r>
+                        </a:p>
+                      </a:txBody>
+                      <a:tcPr/>
+                    </a:tc>
+                    <a:extLst>
+                      <a:ext uri="{0D108BD9-81ED-4DB2-BD59-A6C34878D82A}">
+                        <a16:rowId xmlns:a16="http://schemas.microsoft.com/office/drawing/2014/main" val="1349158798"/>
+                      </a:ext>
+                    </a:extLst>
+                  </a:tr>
+                  <a:tr h="370840">
+                    <a:tc>
+                      <a:txBody>
+                        <a:bodyPr/>
+                        <a:lstStyle/>
+                        <a:p>
+                          <a:endParaRPr lang="en-US"/>
+                        </a:p>
+                      </a:txBody>
+                      <a:tcPr>
+                        <a:blipFill>
+                          <a:blip r:embed="rId3"/>
+                          <a:stretch>
+                            <a:fillRect t="-203448" r="-502105" b="-410345"/>
+                          </a:stretch>
+                        </a:blipFill>
+                      </a:tcPr>
+                    </a:tc>
+                    <a:tc>
+                      <a:txBody>
+                        <a:bodyPr/>
+                        <a:lstStyle/>
+                        <a:p>
+                          <a:pPr algn="ctr"/>
+                          <a:r>
+                            <a:rPr lang="en-US" sz="1800" b="0" i="0" kern="1200" dirty="0">
+                              <a:solidFill>
+                                <a:schemeClr val="dk1"/>
+                              </a:solidFill>
+                              <a:effectLst/>
+                              <a:latin typeface="+mn-lt"/>
+                              <a:ea typeface="+mn-ea"/>
+                              <a:cs typeface="+mn-cs"/>
+                            </a:rPr>
+                            <a:t>1596.37</a:t>
+                          </a:r>
+                          <a:endParaRPr lang="en-US" sz="1400" dirty="0"/>
+                        </a:p>
+                      </a:txBody>
+                      <a:tcPr/>
+                    </a:tc>
+                    <a:tc>
+                      <a:txBody>
+                        <a:bodyPr/>
+                        <a:lstStyle/>
+                        <a:p>
+                          <a:pPr algn="ctr"/>
+                          <a:r>
+                            <a:rPr lang="en-US" sz="1800" b="0" i="0" kern="1200" dirty="0">
+                              <a:solidFill>
+                                <a:schemeClr val="dk1"/>
+                              </a:solidFill>
+                              <a:effectLst/>
+                              <a:latin typeface="+mn-lt"/>
+                              <a:ea typeface="+mn-ea"/>
+                              <a:cs typeface="+mn-cs"/>
+                            </a:rPr>
+                            <a:t>1585.97</a:t>
+                          </a:r>
+                          <a:endParaRPr lang="en-US" sz="1400" dirty="0"/>
+                        </a:p>
+                      </a:txBody>
+                      <a:tcPr/>
+                    </a:tc>
+                    <a:tc>
+                      <a:txBody>
+                        <a:bodyPr/>
+                        <a:lstStyle/>
+                        <a:p>
+                          <a:pPr algn="ctr"/>
+                          <a:r>
+                            <a:rPr lang="en-US" sz="1800" b="0" i="0" kern="1200" dirty="0">
+                              <a:solidFill>
+                                <a:schemeClr val="dk1"/>
+                              </a:solidFill>
+                              <a:effectLst/>
+                              <a:latin typeface="+mn-lt"/>
+                              <a:ea typeface="+mn-ea"/>
+                              <a:cs typeface="+mn-cs"/>
+                            </a:rPr>
+                            <a:t>151.37</a:t>
+                          </a:r>
+                          <a:endParaRPr lang="en-US" sz="1400" dirty="0"/>
+                        </a:p>
+                      </a:txBody>
+                      <a:tcPr/>
+                    </a:tc>
+                    <a:tc>
+                      <a:txBody>
+                        <a:bodyPr/>
+                        <a:lstStyle/>
+                        <a:p>
+                          <a:pPr algn="ctr"/>
+                          <a:r>
+                            <a:rPr lang="en-US" sz="1800" b="0" i="0" kern="1200" dirty="0">
+                              <a:solidFill>
+                                <a:schemeClr val="dk1"/>
+                              </a:solidFill>
+                              <a:effectLst/>
+                              <a:latin typeface="+mn-lt"/>
+                              <a:ea typeface="+mn-ea"/>
+                              <a:cs typeface="+mn-cs"/>
+                            </a:rPr>
+                            <a:t>1.000</a:t>
+                          </a:r>
+                          <a:endParaRPr lang="en-US" sz="1400" dirty="0"/>
+                        </a:p>
+                      </a:txBody>
+                      <a:tcPr/>
+                    </a:tc>
+                    <a:tc>
+                      <a:txBody>
+                        <a:bodyPr/>
+                        <a:lstStyle/>
+                        <a:p>
+                          <a:pPr algn="ctr"/>
+                          <a:r>
+                            <a:rPr lang="en-US" sz="1800" b="0" i="0" kern="1200" dirty="0">
+                              <a:solidFill>
+                                <a:schemeClr val="dk1"/>
+                              </a:solidFill>
+                              <a:effectLst/>
+                              <a:latin typeface="+mn-lt"/>
+                              <a:ea typeface="+mn-ea"/>
+                              <a:cs typeface="+mn-cs"/>
+                            </a:rPr>
+                            <a:t>2.795</a:t>
+                          </a:r>
+                          <a:endParaRPr lang="en-US" sz="1400" dirty="0"/>
+                        </a:p>
+                      </a:txBody>
+                      <a:tcPr/>
+                    </a:tc>
+                    <a:extLst>
+                      <a:ext uri="{0D108BD9-81ED-4DB2-BD59-A6C34878D82A}">
+                        <a16:rowId xmlns:a16="http://schemas.microsoft.com/office/drawing/2014/main" val="3388073810"/>
+                      </a:ext>
+                    </a:extLst>
+                  </a:tr>
+                  <a:tr h="518160">
+                    <a:tc>
+                      <a:txBody>
+                        <a:bodyPr/>
+                        <a:lstStyle/>
+                        <a:p>
+                          <a:endParaRPr lang="en-US"/>
+                        </a:p>
+                      </a:txBody>
+                      <a:tcPr>
+                        <a:blipFill>
+                          <a:blip r:embed="rId3"/>
+                          <a:stretch>
+                            <a:fillRect t="-209524" r="-502105" b="-183333"/>
+                          </a:stretch>
+                        </a:blipFill>
+                      </a:tcPr>
+                    </a:tc>
+                    <a:tc>
+                      <a:txBody>
+                        <a:bodyPr/>
+                        <a:lstStyle/>
+                        <a:p>
+                          <a:pPr algn="ctr"/>
+                          <a:r>
+                            <a:rPr lang="en-US" sz="1800" b="0" i="0" kern="1200" dirty="0">
+                              <a:solidFill>
+                                <a:schemeClr val="dk1"/>
+                              </a:solidFill>
+                              <a:effectLst/>
+                              <a:latin typeface="+mn-lt"/>
+                              <a:ea typeface="+mn-ea"/>
+                              <a:cs typeface="+mn-cs"/>
+                            </a:rPr>
+                            <a:t>1582.63</a:t>
+                          </a:r>
+                          <a:endParaRPr lang="en-US" sz="1400" dirty="0"/>
+                        </a:p>
+                      </a:txBody>
+                      <a:tcPr/>
+                    </a:tc>
+                    <a:tc>
+                      <a:txBody>
+                        <a:bodyPr/>
+                        <a:lstStyle/>
+                        <a:p>
+                          <a:pPr algn="ctr"/>
+                          <a:r>
+                            <a:rPr lang="en-US" sz="1800" b="0" i="0" kern="1200" dirty="0">
+                              <a:solidFill>
+                                <a:schemeClr val="dk1"/>
+                              </a:solidFill>
+                              <a:effectLst/>
+                              <a:latin typeface="+mn-lt"/>
+                              <a:ea typeface="+mn-ea"/>
+                              <a:cs typeface="+mn-cs"/>
+                            </a:rPr>
+                            <a:t>1592.27</a:t>
+                          </a:r>
+                          <a:endParaRPr lang="en-US" sz="1400" dirty="0"/>
+                        </a:p>
+                      </a:txBody>
+                      <a:tcPr/>
+                    </a:tc>
+                    <a:tc>
+                      <a:txBody>
+                        <a:bodyPr/>
+                        <a:lstStyle/>
+                        <a:p>
+                          <a:pPr algn="ctr"/>
+                          <a:r>
+                            <a:rPr lang="en-US" sz="1800" b="0" i="0" kern="1200" dirty="0">
+                              <a:solidFill>
+                                <a:schemeClr val="dk1"/>
+                              </a:solidFill>
+                              <a:effectLst/>
+                              <a:latin typeface="+mn-lt"/>
+                              <a:ea typeface="+mn-ea"/>
+                              <a:cs typeface="+mn-cs"/>
+                            </a:rPr>
+                            <a:t>146.80</a:t>
+                          </a:r>
+                          <a:endParaRPr lang="en-US" sz="1400" dirty="0"/>
+                        </a:p>
+                      </a:txBody>
+                      <a:tcPr/>
+                    </a:tc>
+                    <a:tc>
+                      <a:txBody>
+                        <a:bodyPr/>
+                        <a:lstStyle/>
+                        <a:p>
+                          <a:pPr algn="ctr"/>
+                          <a:r>
+                            <a:rPr lang="en-US" sz="1800" b="0" i="0" kern="1200" dirty="0">
+                              <a:solidFill>
+                                <a:schemeClr val="dk1"/>
+                              </a:solidFill>
+                              <a:effectLst/>
+                              <a:latin typeface="+mn-lt"/>
+                              <a:ea typeface="+mn-ea"/>
+                              <a:cs typeface="+mn-cs"/>
+                            </a:rPr>
+                            <a:t>0.837</a:t>
+                          </a:r>
+                          <a:endParaRPr lang="en-US" sz="1400" dirty="0"/>
+                        </a:p>
+                      </a:txBody>
+                      <a:tcPr/>
+                    </a:tc>
+                    <a:tc>
+                      <a:txBody>
+                        <a:bodyPr/>
+                        <a:lstStyle/>
+                        <a:p>
+                          <a:pPr algn="ctr"/>
+                          <a:r>
+                            <a:rPr lang="en-US" sz="1800" b="0" i="0" kern="1200" dirty="0">
+                              <a:solidFill>
+                                <a:schemeClr val="dk1"/>
+                              </a:solidFill>
+                              <a:effectLst/>
+                              <a:latin typeface="+mn-lt"/>
+                              <a:ea typeface="+mn-ea"/>
+                              <a:cs typeface="+mn-cs"/>
+                            </a:rPr>
+                            <a:t>1.493</a:t>
+                          </a:r>
+                          <a:endParaRPr lang="en-US" sz="1400" dirty="0"/>
+                        </a:p>
+                      </a:txBody>
+                      <a:tcPr/>
+                    </a:tc>
+                    <a:extLst>
+                      <a:ext uri="{0D108BD9-81ED-4DB2-BD59-A6C34878D82A}">
+                        <a16:rowId xmlns:a16="http://schemas.microsoft.com/office/drawing/2014/main" val="622224227"/>
+                      </a:ext>
+                    </a:extLst>
+                  </a:tr>
+                  <a:tr h="518160">
+                    <a:tc>
+                      <a:txBody>
+                        <a:bodyPr/>
+                        <a:lstStyle/>
+                        <a:p>
+                          <a:endParaRPr lang="en-US"/>
+                        </a:p>
+                      </a:txBody>
+                      <a:tcPr>
+                        <a:blipFill>
+                          <a:blip r:embed="rId3"/>
+                          <a:stretch>
+                            <a:fillRect t="-317073" r="-502105" b="-87805"/>
+                          </a:stretch>
+                        </a:blipFill>
+                      </a:tcPr>
+                    </a:tc>
+                    <a:tc>
+                      <a:txBody>
+                        <a:bodyPr/>
+                        <a:lstStyle/>
+                        <a:p>
+                          <a:pPr algn="ctr"/>
+                          <a:r>
+                            <a:rPr lang="en-US" sz="1800" b="0" i="0" kern="1200" dirty="0">
+                              <a:solidFill>
+                                <a:schemeClr val="dk1"/>
+                              </a:solidFill>
+                              <a:effectLst/>
+                              <a:latin typeface="+mn-lt"/>
+                              <a:ea typeface="+mn-ea"/>
+                              <a:cs typeface="+mn-cs"/>
+                            </a:rPr>
+                            <a:t>1587.77</a:t>
+                          </a:r>
+                          <a:endParaRPr lang="en-US" sz="1400" dirty="0"/>
+                        </a:p>
+                      </a:txBody>
+                      <a:tcPr/>
+                    </a:tc>
+                    <a:tc>
+                      <a:txBody>
+                        <a:bodyPr/>
+                        <a:lstStyle/>
+                        <a:p>
+                          <a:pPr algn="ctr"/>
+                          <a:r>
+                            <a:rPr lang="en-US" sz="1800" b="0" i="0" kern="1200" dirty="0">
+                              <a:solidFill>
+                                <a:schemeClr val="dk1"/>
+                              </a:solidFill>
+                              <a:effectLst/>
+                              <a:latin typeface="+mn-lt"/>
+                              <a:ea typeface="+mn-ea"/>
+                              <a:cs typeface="+mn-cs"/>
+                            </a:rPr>
+                            <a:t>1603.57</a:t>
+                          </a:r>
+                          <a:endParaRPr lang="en-US" sz="1400" dirty="0"/>
+                        </a:p>
+                      </a:txBody>
+                      <a:tcPr/>
+                    </a:tc>
+                    <a:tc>
+                      <a:txBody>
+                        <a:bodyPr/>
+                        <a:lstStyle/>
+                        <a:p>
+                          <a:pPr algn="ctr"/>
+                          <a:r>
+                            <a:rPr lang="en-US" sz="1800" b="0" i="0" kern="1200" dirty="0">
+                              <a:solidFill>
+                                <a:schemeClr val="dk1"/>
+                              </a:solidFill>
+                              <a:effectLst/>
+                              <a:latin typeface="+mn-lt"/>
+                              <a:ea typeface="+mn-ea"/>
+                              <a:cs typeface="+mn-cs"/>
+                            </a:rPr>
+                            <a:t>148.63</a:t>
+                          </a:r>
+                          <a:endParaRPr lang="en-US" sz="1400" dirty="0"/>
+                        </a:p>
+                      </a:txBody>
+                      <a:tcPr/>
+                    </a:tc>
+                    <a:tc>
+                      <a:txBody>
+                        <a:bodyPr/>
+                        <a:lstStyle/>
+                        <a:p>
+                          <a:pPr algn="ctr"/>
+                          <a:r>
+                            <a:rPr lang="en-US" sz="1800" b="0" i="0" kern="1200" dirty="0">
+                              <a:solidFill>
+                                <a:schemeClr val="dk1"/>
+                              </a:solidFill>
+                              <a:effectLst/>
+                              <a:latin typeface="+mn-lt"/>
+                              <a:ea typeface="+mn-ea"/>
+                              <a:cs typeface="+mn-cs"/>
+                            </a:rPr>
+                            <a:t>0.949</a:t>
+                          </a:r>
+                          <a:endParaRPr lang="en-US" sz="1400" dirty="0"/>
+                        </a:p>
+                      </a:txBody>
+                      <a:tcPr/>
+                    </a:tc>
+                    <a:tc>
+                      <a:txBody>
+                        <a:bodyPr/>
+                        <a:lstStyle/>
+                        <a:p>
+                          <a:pPr algn="ctr"/>
+                          <a:r>
+                            <a:rPr lang="en-US" sz="1800" b="0" i="0" kern="1200" dirty="0">
+                              <a:solidFill>
+                                <a:schemeClr val="dk1"/>
+                              </a:solidFill>
+                              <a:effectLst/>
+                              <a:latin typeface="+mn-lt"/>
+                              <a:ea typeface="+mn-ea"/>
+                              <a:cs typeface="+mn-cs"/>
+                            </a:rPr>
+                            <a:t>2.519</a:t>
+                          </a:r>
+                          <a:endParaRPr lang="en-US" sz="1400" dirty="0"/>
+                        </a:p>
+                      </a:txBody>
+                      <a:tcPr/>
+                    </a:tc>
+                    <a:extLst>
+                      <a:ext uri="{0D108BD9-81ED-4DB2-BD59-A6C34878D82A}">
+                        <a16:rowId xmlns:a16="http://schemas.microsoft.com/office/drawing/2014/main" val="3777445210"/>
+                      </a:ext>
+                    </a:extLst>
+                  </a:tr>
+                  <a:tr h="370840">
+                    <a:tc>
+                      <a:txBody>
+                        <a:bodyPr/>
+                        <a:lstStyle/>
+                        <a:p>
+                          <a:endParaRPr lang="en-US"/>
+                        </a:p>
+                      </a:txBody>
+                      <a:tcPr>
+                        <a:blipFill>
+                          <a:blip r:embed="rId3"/>
+                          <a:stretch>
+                            <a:fillRect t="-589655" r="-502105" b="-24138"/>
+                          </a:stretch>
+                        </a:blipFill>
+                      </a:tcPr>
+                    </a:tc>
+                    <a:tc>
+                      <a:txBody>
+                        <a:bodyPr/>
+                        <a:lstStyle/>
+                        <a:p>
+                          <a:pPr algn="ctr"/>
+                          <a:r>
+                            <a:rPr lang="en-US" sz="1800" b="0" i="0" kern="1200" dirty="0">
+                              <a:solidFill>
+                                <a:schemeClr val="dk1"/>
+                              </a:solidFill>
+                              <a:effectLst/>
+                              <a:latin typeface="+mn-lt"/>
+                              <a:ea typeface="+mn-ea"/>
+                              <a:cs typeface="+mn-cs"/>
+                            </a:rPr>
+                            <a:t>1591.10</a:t>
+                          </a:r>
+                          <a:endParaRPr lang="en-US" sz="1400" dirty="0"/>
+                        </a:p>
+                      </a:txBody>
+                      <a:tcPr/>
+                    </a:tc>
+                    <a:tc>
+                      <a:txBody>
+                        <a:bodyPr/>
+                        <a:lstStyle/>
+                        <a:p>
+                          <a:pPr algn="ctr"/>
+                          <a:r>
+                            <a:rPr lang="en-US" sz="1800" b="0" i="0" kern="1200" dirty="0">
+                              <a:solidFill>
+                                <a:schemeClr val="dk1"/>
+                              </a:solidFill>
+                              <a:effectLst/>
+                              <a:latin typeface="+mn-lt"/>
+                              <a:ea typeface="+mn-ea"/>
+                              <a:cs typeface="+mn-cs"/>
+                            </a:rPr>
+                            <a:t>1585.27</a:t>
+                          </a:r>
+                          <a:endParaRPr lang="en-US" sz="1400" dirty="0"/>
+                        </a:p>
+                      </a:txBody>
+                      <a:tcPr/>
+                    </a:tc>
+                    <a:tc>
+                      <a:txBody>
+                        <a:bodyPr/>
+                        <a:lstStyle/>
+                        <a:p>
+                          <a:pPr algn="ctr"/>
+                          <a:r>
+                            <a:rPr lang="en-US" sz="1800" b="0" i="0" kern="1200" dirty="0">
+                              <a:solidFill>
+                                <a:schemeClr val="dk1"/>
+                              </a:solidFill>
+                              <a:effectLst/>
+                              <a:latin typeface="+mn-lt"/>
+                              <a:ea typeface="+mn-ea"/>
+                              <a:cs typeface="+mn-cs"/>
+                            </a:rPr>
+                            <a:t>146.80</a:t>
+                          </a:r>
+                          <a:endParaRPr lang="en-US" sz="1400" dirty="0"/>
+                        </a:p>
+                      </a:txBody>
+                      <a:tcPr/>
+                    </a:tc>
+                    <a:tc>
+                      <a:txBody>
+                        <a:bodyPr/>
+                        <a:lstStyle/>
+                        <a:p>
+                          <a:pPr algn="ctr"/>
+                          <a:r>
+                            <a:rPr lang="en-US" sz="1800" b="0" i="0" kern="1200" dirty="0">
+                              <a:solidFill>
+                                <a:schemeClr val="dk1"/>
+                              </a:solidFill>
+                              <a:effectLst/>
+                              <a:latin typeface="+mn-lt"/>
+                              <a:ea typeface="+mn-ea"/>
+                              <a:cs typeface="+mn-cs"/>
+                            </a:rPr>
+                            <a:t>0.794</a:t>
+                          </a:r>
+                          <a:endParaRPr lang="en-US" sz="1400" dirty="0"/>
+                        </a:p>
+                      </a:txBody>
+                      <a:tcPr/>
+                    </a:tc>
+                    <a:tc>
+                      <a:txBody>
+                        <a:bodyPr/>
+                        <a:lstStyle/>
+                        <a:p>
+                          <a:pPr algn="ctr"/>
+                          <a:r>
+                            <a:rPr lang="en-US" sz="1800" b="0" i="0" kern="1200" dirty="0">
+                              <a:solidFill>
+                                <a:schemeClr val="dk1"/>
+                              </a:solidFill>
+                              <a:effectLst/>
+                              <a:latin typeface="+mn-lt"/>
+                              <a:ea typeface="+mn-ea"/>
+                              <a:cs typeface="+mn-cs"/>
+                            </a:rPr>
+                            <a:t>1.325</a:t>
+                          </a:r>
+                          <a:endParaRPr lang="en-US" sz="1400" dirty="0"/>
+                        </a:p>
+                      </a:txBody>
+                      <a:tcPr/>
+                    </a:tc>
+                    <a:extLst>
+                      <a:ext uri="{0D108BD9-81ED-4DB2-BD59-A6C34878D82A}">
+                        <a16:rowId xmlns:a16="http://schemas.microsoft.com/office/drawing/2014/main" val="430313139"/>
+                      </a:ext>
+                    </a:extLst>
+                  </a:tr>
+                </a:tbl>
+              </a:graphicData>
+            </a:graphic>
+          </p:graphicFrame>
+        </mc:Fallback>
+      </mc:AlternateContent>
+    </p:spTree>
+    <p:extLst>
+      <p:ext uri="{BB962C8B-B14F-4D97-AF65-F5344CB8AC3E}">
+        <p14:creationId xmlns:p14="http://schemas.microsoft.com/office/powerpoint/2010/main" val="2181106245"/>
+      </p:ext>
+    </p:extLst>
+  </p:cSld>
+  <p:clrMapOvr>
+    <a:masterClrMapping/>
+  </p:clrMapOvr>
+</p:sld>
+</file>
+
+<file path=ppt/slides/slide6.xml><?xml version="1.0" encoding="utf-8"?>
+<p:sld xmlns:a="http://schemas.openxmlformats.org/drawingml/2006/main" xmlns:r="http://schemas.openxmlformats.org/officeDocument/2006/relationships" xmlns:p="http://schemas.openxmlformats.org/presentationml/2006/main">
+  <p:cSld>
+    <p:spTree>
+      <p:nvGrpSpPr>
+        <p:cNvPr id="1" name=""/>
+        <p:cNvGrpSpPr/>
+        <p:nvPr/>
+      </p:nvGrpSpPr>
+      <p:grpSpPr>
+        <a:xfrm>
+          <a:off x="0" y="0"/>
+          <a:ext cx="0" cy="0"/>
+          <a:chOff x="0" y="0"/>
+          <a:chExt cx="0" cy="0"/>
+        </a:xfrm>
+      </p:grpSpPr>
+      <p:sp>
+        <p:nvSpPr>
+          <p:cNvPr id="2" name="Title 1">
+            <a:extLst>
+              <a:ext uri="{FF2B5EF4-FFF2-40B4-BE49-F238E27FC236}">
+                <a16:creationId xmlns:a16="http://schemas.microsoft.com/office/drawing/2014/main" id="{760FFE53-4C0F-02B6-A5A4-EFEBD1D6F315}"/>
+              </a:ext>
+            </a:extLst>
+          </p:cNvPr>
+          <p:cNvSpPr>
+            <a:spLocks noGrp="1"/>
+          </p:cNvSpPr>
+          <p:nvPr>
+            <p:ph type="title"/>
+          </p:nvPr>
+        </p:nvSpPr>
+        <p:spPr>
+          <a:xfrm>
+            <a:off x="457200" y="383103"/>
+            <a:ext cx="8229600" cy="801290"/>
+          </a:xfrm>
+        </p:spPr>
+        <p:txBody>
+          <a:bodyPr/>
+          <a:lstStyle/>
+          <a:p>
+            <a:r>
+              <a:rPr lang="en-US" dirty="0"/>
+              <a:t>Finding state with minimum S value</a:t>
+            </a:r>
+          </a:p>
+        </p:txBody>
+      </p:sp>
+      <mc:AlternateContent xmlns:mc="http://schemas.openxmlformats.org/markup-compatibility/2006">
+        <mc:Choice xmlns:a14="http://schemas.microsoft.com/office/drawing/2010/main" Requires="a14">
+          <p:sp>
+            <p:nvSpPr>
+              <p:cNvPr id="4" name="TextBox 3">
+                <a:extLst>
+                  <a:ext uri="{FF2B5EF4-FFF2-40B4-BE49-F238E27FC236}">
+                    <a16:creationId xmlns:a16="http://schemas.microsoft.com/office/drawing/2014/main" id="{BAD3176F-4DBD-79F8-A30C-5871C9245863}"/>
+                  </a:ext>
+                </a:extLst>
+              </p:cNvPr>
+              <p:cNvSpPr txBox="1"/>
+              <p:nvPr/>
+            </p:nvSpPr>
+            <p:spPr>
+              <a:xfrm>
+                <a:off x="1200150" y="1447800"/>
+                <a:ext cx="6238875" cy="1856277"/>
+              </a:xfrm>
+              <a:prstGeom prst="rect">
+                <a:avLst/>
+              </a:prstGeom>
+              <a:noFill/>
+            </p:spPr>
+            <p:txBody>
+              <a:bodyPr wrap="square" rtlCol="0">
+                <a:spAutoFit/>
+              </a:bodyPr>
+              <a:lstStyle/>
+              <a:p>
+                <a:r>
+                  <a:rPr lang="en-US" dirty="0"/>
+                  <a:t>Werner state:</a:t>
+                </a:r>
+              </a:p>
+              <a:p>
+                <a:pPr algn="ctr"/>
+                <a14:m>
+                  <m:oMathPara xmlns:m="http://schemas.openxmlformats.org/officeDocument/2006/math">
+                    <m:oMathParaPr>
+                      <m:jc m:val="centerGroup"/>
+                    </m:oMathParaPr>
+                    <m:oMath xmlns:m="http://schemas.openxmlformats.org/officeDocument/2006/math">
+                      <m:sSub>
+                        <m:sSubPr>
+                          <m:ctrlPr>
+                            <a:rPr lang="en-US" b="0" i="1" smtClean="0">
+                              <a:latin typeface="Cambria Math" panose="02040503050406030204" pitchFamily="18" charset="0"/>
+                            </a:rPr>
+                          </m:ctrlPr>
+                        </m:sSubPr>
+                        <m:e>
+                          <m:r>
+                            <a:rPr lang="en-US" b="0" i="1" smtClean="0">
+                              <a:latin typeface="Cambria Math" panose="02040503050406030204" pitchFamily="18" charset="0"/>
+                            </a:rPr>
+                            <m:t>𝜌</m:t>
+                          </m:r>
+                        </m:e>
+                        <m:sub>
+                          <m:r>
+                            <a:rPr lang="en-US" b="0" i="1" smtClean="0">
+                              <a:latin typeface="Cambria Math" panose="02040503050406030204" pitchFamily="18" charset="0"/>
+                            </a:rPr>
+                            <m:t>𝑊</m:t>
+                          </m:r>
+                        </m:sub>
+                      </m:sSub>
+                      <m:r>
+                        <a:rPr lang="en-US" b="0" i="1" smtClean="0">
+                          <a:latin typeface="Cambria Math" panose="02040503050406030204" pitchFamily="18" charset="0"/>
+                        </a:rPr>
+                        <m:t>=</m:t>
+                      </m:r>
+                      <m:r>
+                        <a:rPr lang="en-US" b="0" i="1" smtClean="0">
+                          <a:latin typeface="Cambria Math" panose="02040503050406030204" pitchFamily="18" charset="0"/>
+                        </a:rPr>
+                        <m:t>𝑝</m:t>
+                      </m:r>
+                      <m:r>
+                        <a:rPr lang="en-US" b="0" i="1" smtClean="0">
+                          <a:latin typeface="Cambria Math" panose="02040503050406030204" pitchFamily="18" charset="0"/>
+                        </a:rPr>
+                        <m:t> </m:t>
+                      </m:r>
+                      <m:d>
+                        <m:dPr>
+                          <m:begChr m:val="|"/>
+                          <m:endChr m:val="⟩"/>
+                          <m:ctrlPr>
+                            <a:rPr lang="en-US" b="0" i="1" smtClean="0">
+                              <a:latin typeface="Cambria Math" panose="02040503050406030204" pitchFamily="18" charset="0"/>
+                            </a:rPr>
+                          </m:ctrlPr>
+                        </m:dPr>
+                        <m:e>
+                          <m:sSup>
+                            <m:sSupPr>
+                              <m:ctrlPr>
+                                <a:rPr lang="en-US" b="0" i="1" smtClean="0">
+                                  <a:latin typeface="Cambria Math" panose="02040503050406030204" pitchFamily="18" charset="0"/>
+                                </a:rPr>
+                              </m:ctrlPr>
+                            </m:sSupPr>
+                            <m:e>
+                              <m:r>
+                                <m:rPr>
+                                  <m:sty m:val="p"/>
+                                </m:rPr>
+                                <a:rPr lang="en-US" b="0" i="0" smtClean="0">
+                                  <a:latin typeface="Cambria Math" panose="02040503050406030204" pitchFamily="18" charset="0"/>
+                                </a:rPr>
+                                <m:t>Φ</m:t>
+                              </m:r>
+                            </m:e>
+                            <m:sup>
+                              <m:r>
+                                <a:rPr lang="en-US" b="0" i="1" smtClean="0">
+                                  <a:latin typeface="Cambria Math" panose="02040503050406030204" pitchFamily="18" charset="0"/>
+                                </a:rPr>
+                                <m:t>+</m:t>
+                              </m:r>
+                            </m:sup>
+                          </m:sSup>
+                        </m:e>
+                      </m:d>
+                      <m:d>
+                        <m:dPr>
+                          <m:begChr m:val="⟨"/>
+                          <m:endChr m:val="|"/>
+                          <m:ctrlPr>
+                            <a:rPr lang="en-US" b="0" i="1" smtClean="0">
+                              <a:latin typeface="Cambria Math" panose="02040503050406030204" pitchFamily="18" charset="0"/>
+                            </a:rPr>
+                          </m:ctrlPr>
+                        </m:dPr>
+                        <m:e>
+                          <m:sSup>
+                            <m:sSupPr>
+                              <m:ctrlPr>
+                                <a:rPr lang="en-US" b="0" i="1" smtClean="0">
+                                  <a:latin typeface="Cambria Math" panose="02040503050406030204" pitchFamily="18" charset="0"/>
+                                </a:rPr>
+                              </m:ctrlPr>
+                            </m:sSupPr>
+                            <m:e>
+                              <m:r>
+                                <m:rPr>
+                                  <m:sty m:val="p"/>
+                                </m:rPr>
+                                <a:rPr lang="en-US" b="0" i="0" smtClean="0">
+                                  <a:latin typeface="Cambria Math" panose="02040503050406030204" pitchFamily="18" charset="0"/>
+                                </a:rPr>
+                                <m:t>Φ</m:t>
+                              </m:r>
+                            </m:e>
+                            <m:sup>
+                              <m:r>
+                                <a:rPr lang="en-US" b="0" i="1" smtClean="0">
+                                  <a:latin typeface="Cambria Math" panose="02040503050406030204" pitchFamily="18" charset="0"/>
+                                </a:rPr>
+                                <m:t>+</m:t>
+                              </m:r>
+                            </m:sup>
+                          </m:sSup>
+                        </m:e>
+                      </m:d>
+                      <m:r>
+                        <a:rPr lang="en-US" b="0" i="1" smtClean="0">
+                          <a:latin typeface="Cambria Math" panose="02040503050406030204" pitchFamily="18" charset="0"/>
+                        </a:rPr>
+                        <m:t>+</m:t>
+                      </m:r>
+                      <m:d>
+                        <m:dPr>
+                          <m:ctrlPr>
+                            <a:rPr lang="en-US" b="0" i="1" smtClean="0">
+                              <a:latin typeface="Cambria Math" panose="02040503050406030204" pitchFamily="18" charset="0"/>
+                            </a:rPr>
+                          </m:ctrlPr>
+                        </m:dPr>
+                        <m:e>
+                          <m:r>
+                            <a:rPr lang="en-US" b="0" i="1" smtClean="0">
+                              <a:latin typeface="Cambria Math" panose="02040503050406030204" pitchFamily="18" charset="0"/>
+                            </a:rPr>
+                            <m:t>1−</m:t>
+                          </m:r>
+                          <m:r>
+                            <a:rPr lang="en-US" b="0" i="1" smtClean="0">
+                              <a:latin typeface="Cambria Math" panose="02040503050406030204" pitchFamily="18" charset="0"/>
+                            </a:rPr>
+                            <m:t>𝑝</m:t>
+                          </m:r>
+                        </m:e>
+                      </m:d>
+                      <m:f>
+                        <m:fPr>
+                          <m:ctrlPr>
+                            <a:rPr lang="en-US" b="0" i="1" smtClean="0">
+                              <a:latin typeface="Cambria Math" panose="02040503050406030204" pitchFamily="18" charset="0"/>
+                            </a:rPr>
+                          </m:ctrlPr>
+                        </m:fPr>
+                        <m:num>
+                          <m:r>
+                            <a:rPr lang="en-US" b="0" i="1" smtClean="0">
+                              <a:latin typeface="Cambria Math" panose="02040503050406030204" pitchFamily="18" charset="0"/>
+                            </a:rPr>
+                            <m:t>𝐼</m:t>
+                          </m:r>
+                        </m:num>
+                        <m:den>
+                          <m:r>
+                            <a:rPr lang="en-US" b="0" i="1" smtClean="0">
+                              <a:latin typeface="Cambria Math" panose="02040503050406030204" pitchFamily="18" charset="0"/>
+                            </a:rPr>
+                            <m:t>4</m:t>
+                          </m:r>
+                        </m:den>
+                      </m:f>
+                      <m:r>
+                        <a:rPr lang="en-US" b="0" i="1" smtClean="0">
+                          <a:latin typeface="Cambria Math" panose="02040503050406030204" pitchFamily="18" charset="0"/>
+                        </a:rPr>
+                        <m:t>  , </m:t>
+                      </m:r>
+                      <m:r>
+                        <a:rPr lang="en-US" b="0" i="1" smtClean="0">
+                          <a:latin typeface="Cambria Math" panose="02040503050406030204" pitchFamily="18" charset="0"/>
+                        </a:rPr>
+                        <m:t>𝑝</m:t>
+                      </m:r>
+                      <m:r>
+                        <a:rPr lang="en-US" b="0" i="1" smtClean="0">
+                          <a:latin typeface="Cambria Math" panose="02040503050406030204" pitchFamily="18" charset="0"/>
+                        </a:rPr>
+                        <m:t>∈[0,1]</m:t>
+                      </m:r>
+                    </m:oMath>
+                  </m:oMathPara>
+                </a14:m>
+                <a:endParaRPr lang="en-US" dirty="0"/>
+              </a:p>
+              <a:p>
+                <a:pPr algn="ctr"/>
+                <a:endParaRPr lang="en-US" dirty="0"/>
+              </a:p>
+              <a:p>
+                <a:r>
+                  <a:rPr lang="en-US" dirty="0"/>
+                  <a:t>it is known that the CHSH inequality is violated if and only if :</a:t>
+                </a:r>
+              </a:p>
+              <a:p>
+                <a:pPr algn="ctr"/>
+                <a14:m>
+                  <m:oMath xmlns:m="http://schemas.openxmlformats.org/officeDocument/2006/math">
+                    <m:r>
+                      <a:rPr lang="en-US" b="0" i="1" smtClean="0">
+                        <a:latin typeface="Cambria Math" panose="02040503050406030204" pitchFamily="18" charset="0"/>
+                      </a:rPr>
+                      <m:t>𝑝</m:t>
+                    </m:r>
+                    <m:r>
+                      <a:rPr lang="en-US" b="0" i="1" smtClean="0">
+                        <a:latin typeface="Cambria Math" panose="02040503050406030204" pitchFamily="18" charset="0"/>
+                      </a:rPr>
+                      <m:t>&gt; </m:t>
+                    </m:r>
+                    <m:f>
+                      <m:fPr>
+                        <m:ctrlPr>
+                          <a:rPr lang="en-US" b="0" i="1" smtClean="0">
+                            <a:latin typeface="Cambria Math" panose="02040503050406030204" pitchFamily="18" charset="0"/>
+                          </a:rPr>
+                        </m:ctrlPr>
+                      </m:fPr>
+                      <m:num>
+                        <m:r>
+                          <a:rPr lang="en-US" b="0" i="1" smtClean="0">
+                            <a:latin typeface="Cambria Math" panose="02040503050406030204" pitchFamily="18" charset="0"/>
+                          </a:rPr>
+                          <m:t>1</m:t>
+                        </m:r>
+                      </m:num>
+                      <m:den>
+                        <m:r>
+                          <a:rPr lang="en-US" b="0" i="1" smtClean="0">
+                            <a:latin typeface="Cambria Math" panose="02040503050406030204" pitchFamily="18" charset="0"/>
+                          </a:rPr>
+                          <m:t>√2</m:t>
+                        </m:r>
+                      </m:den>
+                    </m:f>
+                    <m:r>
+                      <a:rPr lang="en-US" b="0" i="1" smtClean="0">
+                        <a:latin typeface="Cambria Math" panose="02040503050406030204" pitchFamily="18" charset="0"/>
+                      </a:rPr>
+                      <m:t>  ~ 0.7071</m:t>
+                    </m:r>
+                  </m:oMath>
+                </a14:m>
+                <a:r>
+                  <a:rPr lang="en-US" dirty="0"/>
+                  <a:t>	</a:t>
+                </a:r>
+              </a:p>
+            </p:txBody>
+          </p:sp>
+        </mc:Choice>
+        <mc:Fallback>
+          <p:sp>
+            <p:nvSpPr>
+              <p:cNvPr id="4" name="TextBox 3">
+                <a:extLst>
+                  <a:ext uri="{FF2B5EF4-FFF2-40B4-BE49-F238E27FC236}">
+                    <a16:creationId xmlns:a16="http://schemas.microsoft.com/office/drawing/2014/main" id="{BAD3176F-4DBD-79F8-A30C-5871C9245863}"/>
+                  </a:ext>
+                </a:extLst>
+              </p:cNvPr>
+              <p:cNvSpPr txBox="1">
+                <a:spLocks noRot="1" noChangeAspect="1" noMove="1" noResize="1" noEditPoints="1" noAdjustHandles="1" noChangeArrowheads="1" noChangeShapeType="1" noTextEdit="1"/>
+              </p:cNvSpPr>
+              <p:nvPr/>
+            </p:nvSpPr>
+            <p:spPr>
+              <a:xfrm>
+                <a:off x="1200150" y="1447800"/>
+                <a:ext cx="6238875" cy="1856277"/>
+              </a:xfrm>
+              <a:prstGeom prst="rect">
+                <a:avLst/>
+              </a:prstGeom>
+              <a:blipFill>
+                <a:blip r:embed="rId3"/>
+                <a:stretch>
+                  <a:fillRect l="-813" t="-2041"/>
+                </a:stretch>
+              </a:blipFill>
+            </p:spPr>
+            <p:txBody>
+              <a:bodyPr/>
+              <a:lstStyle/>
+              <a:p>
+                <a:r>
+                  <a:rPr lang="en-US">
+                    <a:noFill/>
+                  </a:rPr>
+                  <a:t> </a:t>
+                </a:r>
+              </a:p>
+            </p:txBody>
+          </p:sp>
+        </mc:Fallback>
+      </mc:AlternateContent>
+      <p:pic>
+        <p:nvPicPr>
+          <p:cNvPr id="6" name="Picture 5" descr="A black screen with white text&#10;&#10;Description automatically generated">
+            <a:extLst>
+              <a:ext uri="{FF2B5EF4-FFF2-40B4-BE49-F238E27FC236}">
+                <a16:creationId xmlns:a16="http://schemas.microsoft.com/office/drawing/2014/main" id="{8AFAD34D-5AFC-C43D-8A7B-B52B2E1DBA09}"/>
+              </a:ext>
+            </a:extLst>
+          </p:cNvPr>
+          <p:cNvPicPr>
+            <a:picLocks noChangeAspect="1"/>
+          </p:cNvPicPr>
+          <p:nvPr/>
+        </p:nvPicPr>
+        <p:blipFill>
+          <a:blip r:embed="rId4"/>
+          <a:stretch>
+            <a:fillRect/>
+          </a:stretch>
+        </p:blipFill>
+        <p:spPr>
+          <a:xfrm>
+            <a:off x="2638425" y="3304077"/>
+            <a:ext cx="4457700" cy="1612900"/>
           </a:xfrm>
           <a:prstGeom prst="rect">
             <a:avLst/>
@@ -6814,7 +9868,7 @@
     </p:spTree>
     <p:extLst>
       <p:ext uri="{BB962C8B-B14F-4D97-AF65-F5344CB8AC3E}">
-        <p14:creationId xmlns:p14="http://schemas.microsoft.com/office/powerpoint/2010/main" val="733337988"/>
+        <p14:creationId xmlns:p14="http://schemas.microsoft.com/office/powerpoint/2010/main" val="3344879086"/>
       </p:ext>
     </p:extLst>
   </p:cSld>
